--- a/Presentation/Prezentacija.pptx
+++ b/Presentation/Prezentacija.pptx
@@ -5,12 +5,33 @@
     <p:sldMasterId id="2147483660" r:id="rId1"/>
   </p:sldMasterIdLst>
   <p:notesMasterIdLst>
-    <p:notesMasterId r:id="rId5"/>
+    <p:notesMasterId r:id="rId26"/>
   </p:notesMasterIdLst>
   <p:sldIdLst>
     <p:sldId id="256" r:id="rId2"/>
     <p:sldId id="257" r:id="rId3"/>
-    <p:sldId id="258" r:id="rId4"/>
+    <p:sldId id="263" r:id="rId4"/>
+    <p:sldId id="276" r:id="rId5"/>
+    <p:sldId id="259" r:id="rId6"/>
+    <p:sldId id="258" r:id="rId7"/>
+    <p:sldId id="264" r:id="rId8"/>
+    <p:sldId id="266" r:id="rId9"/>
+    <p:sldId id="265" r:id="rId10"/>
+    <p:sldId id="267" r:id="rId11"/>
+    <p:sldId id="268" r:id="rId12"/>
+    <p:sldId id="269" r:id="rId13"/>
+    <p:sldId id="270" r:id="rId14"/>
+    <p:sldId id="271" r:id="rId15"/>
+    <p:sldId id="272" r:id="rId16"/>
+    <p:sldId id="274" r:id="rId17"/>
+    <p:sldId id="260" r:id="rId18"/>
+    <p:sldId id="275" r:id="rId19"/>
+    <p:sldId id="273" r:id="rId20"/>
+    <p:sldId id="277" r:id="rId21"/>
+    <p:sldId id="278" r:id="rId22"/>
+    <p:sldId id="279" r:id="rId23"/>
+    <p:sldId id="261" r:id="rId24"/>
+    <p:sldId id="262" r:id="rId25"/>
   </p:sldIdLst>
   <p:sldSz cx="9144000" cy="6858000" type="screen4x3"/>
   <p:notesSz cx="6858000" cy="9144000"/>
@@ -203,7 +224,7 @@
           <a:p>
             <a:fld id="{F89526F3-C793-48DF-9E26-480C61EF88FF}" type="datetimeFigureOut">
               <a:rPr lang="en-US" smtClean="0"/>
-              <a:t>7/1/2017</a:t>
+              <a:t>7/4/2017</a:t>
             </a:fld>
             <a:endParaRPr lang="en-US"/>
           </a:p>
@@ -602,8 +623,8 @@
         </p:nvSpPr>
         <p:spPr>
           <a:xfrm>
-            <a:off x="3834468" y="397375"/>
-            <a:ext cx="3147105" cy="632913"/>
+            <a:off x="3834468" y="647700"/>
+            <a:ext cx="3147105" cy="382588"/>
           </a:xfrm>
         </p:spPr>
         <p:txBody>
@@ -713,6 +734,48 @@
             <a:r>
               <a:rPr lang="hr-HR" dirty="0"/>
               <a:t>Mjesto, datum</a:t>
+            </a:r>
+            <a:endParaRPr lang="en-US" dirty="0"/>
+          </a:p>
+        </p:txBody>
+      </p:sp>
+      <p:sp>
+        <p:nvSpPr>
+          <p:cNvPr id="13" name="Text Placeholder 8">
+            <a:extLst>
+              <a:ext uri="{FF2B5EF4-FFF2-40B4-BE49-F238E27FC236}">
+                <a16:creationId xmlns:a16="http://schemas.microsoft.com/office/drawing/2014/main" id="{947109A5-2B41-42FD-B8B8-DCEDB0A17C37}"/>
+              </a:ext>
+            </a:extLst>
+          </p:cNvPr>
+          <p:cNvSpPr>
+            <a:spLocks noGrp="1"/>
+          </p:cNvSpPr>
+          <p:nvPr>
+            <p:ph type="body" sz="quarter" idx="16" hasCustomPrompt="1"/>
+          </p:nvPr>
+        </p:nvSpPr>
+        <p:spPr>
+          <a:xfrm>
+            <a:off x="2376670" y="165100"/>
+            <a:ext cx="6062701" cy="460607"/>
+          </a:xfrm>
+        </p:spPr>
+        <p:txBody>
+          <a:bodyPr>
+            <a:normAutofit/>
+          </a:bodyPr>
+          <a:lstStyle>
+            <a:lvl1pPr marL="0" indent="0" algn="ctr">
+              <a:buNone/>
+              <a:defRPr sz="2000"/>
+            </a:lvl1pPr>
+          </a:lstStyle>
+          <a:p>
+            <a:pPr lvl="0"/>
+            <a:r>
+              <a:rPr lang="hr-HR" dirty="0"/>
+              <a:t>Fakultet</a:t>
             </a:r>
             <a:endParaRPr lang="en-US" dirty="0"/>
           </a:p>
@@ -728,11 +791,14 @@
   <p:clrMapOvr>
     <a:masterClrMapping/>
   </p:clrMapOvr>
+  <p:transition>
+    <p:fade/>
+  </p:transition>
 </p:sldLayout>
 </file>
 
 <file path=ppt/slideLayouts/slideLayout10.xml><?xml version="1.0" encoding="utf-8"?>
-<p:sldLayout xmlns:a="http://schemas.openxmlformats.org/drawingml/2006/main" xmlns:r="http://schemas.openxmlformats.org/officeDocument/2006/relationships" xmlns:p="http://schemas.openxmlformats.org/presentationml/2006/main" type="vertTx" preserve="1">
+<p:sldLayout xmlns:a="http://schemas.openxmlformats.org/drawingml/2006/main" xmlns:r="http://schemas.openxmlformats.org/officeDocument/2006/relationships" xmlns:p="http://schemas.openxmlformats.org/presentationml/2006/main" preserve="1" userDrawn="1">
   <p:cSld name="Title and Vertical Text">
     <p:spTree>
       <p:nvGrpSpPr>
@@ -888,6 +954,111 @@
           </a:p>
         </p:txBody>
       </p:sp>
+      <p:sp>
+        <p:nvSpPr>
+          <p:cNvPr id="8" name="Content Placeholder 7">
+            <a:extLst>
+              <a:ext uri="{FF2B5EF4-FFF2-40B4-BE49-F238E27FC236}">
+                <a16:creationId xmlns:a16="http://schemas.microsoft.com/office/drawing/2014/main" id="{1CB4EAAA-46BE-4EDC-A0B6-575C3502F4FF}"/>
+              </a:ext>
+            </a:extLst>
+          </p:cNvPr>
+          <p:cNvSpPr>
+            <a:spLocks noGrp="1"/>
+          </p:cNvSpPr>
+          <p:nvPr>
+            <p:ph sz="quarter" idx="16"/>
+          </p:nvPr>
+        </p:nvSpPr>
+        <p:spPr>
+          <a:xfrm>
+            <a:off x="152400" y="1574800"/>
+            <a:ext cx="1384300" cy="3759200"/>
+          </a:xfrm>
+        </p:spPr>
+        <p:txBody>
+          <a:bodyPr>
+            <a:noAutofit/>
+          </a:bodyPr>
+          <a:lstStyle>
+            <a:lvl1pPr marL="0" indent="0">
+              <a:buNone/>
+              <a:defRPr sz="1400">
+                <a:solidFill>
+                  <a:schemeClr val="bg1"/>
+                </a:solidFill>
+              </a:defRPr>
+            </a:lvl1pPr>
+            <a:lvl2pPr marL="457200" indent="0">
+              <a:buNone/>
+              <a:defRPr sz="1200">
+                <a:solidFill>
+                  <a:schemeClr val="bg1"/>
+                </a:solidFill>
+              </a:defRPr>
+            </a:lvl2pPr>
+            <a:lvl3pPr marL="914400" indent="0">
+              <a:buNone/>
+              <a:defRPr sz="1100">
+                <a:solidFill>
+                  <a:schemeClr val="bg1"/>
+                </a:solidFill>
+              </a:defRPr>
+            </a:lvl3pPr>
+            <a:lvl4pPr marL="1371600" indent="0">
+              <a:buNone/>
+              <a:defRPr sz="1050">
+                <a:solidFill>
+                  <a:schemeClr val="bg1"/>
+                </a:solidFill>
+              </a:defRPr>
+            </a:lvl4pPr>
+            <a:lvl5pPr marL="1828800" indent="0">
+              <a:buNone/>
+              <a:defRPr sz="1050">
+                <a:solidFill>
+                  <a:schemeClr val="bg1"/>
+                </a:solidFill>
+              </a:defRPr>
+            </a:lvl5pPr>
+          </a:lstStyle>
+          <a:p>
+            <a:pPr lvl="0"/>
+            <a:r>
+              <a:rPr lang="en-US" dirty="0"/>
+              <a:t>Edit Master text styles</a:t>
+            </a:r>
+          </a:p>
+          <a:p>
+            <a:pPr lvl="1"/>
+            <a:r>
+              <a:rPr lang="en-US" dirty="0"/>
+              <a:t>Second level</a:t>
+            </a:r>
+          </a:p>
+          <a:p>
+            <a:pPr lvl="2"/>
+            <a:r>
+              <a:rPr lang="en-US" dirty="0"/>
+              <a:t>Third level</a:t>
+            </a:r>
+          </a:p>
+          <a:p>
+            <a:pPr lvl="3"/>
+            <a:r>
+              <a:rPr lang="en-US" dirty="0"/>
+              <a:t>Fourth level</a:t>
+            </a:r>
+          </a:p>
+          <a:p>
+            <a:pPr lvl="4"/>
+            <a:r>
+              <a:rPr lang="en-US" dirty="0"/>
+              <a:t>Fifth level</a:t>
+            </a:r>
+          </a:p>
+        </p:txBody>
+      </p:sp>
     </p:spTree>
     <p:extLst>
       <p:ext uri="{BB962C8B-B14F-4D97-AF65-F5344CB8AC3E}">
@@ -898,11 +1069,14 @@
   <p:clrMapOvr>
     <a:masterClrMapping/>
   </p:clrMapOvr>
+  <p:transition>
+    <p:fade/>
+  </p:transition>
 </p:sldLayout>
 </file>
 
 <file path=ppt/slideLayouts/slideLayout11.xml><?xml version="1.0" encoding="utf-8"?>
-<p:sldLayout xmlns:a="http://schemas.openxmlformats.org/drawingml/2006/main" xmlns:r="http://schemas.openxmlformats.org/officeDocument/2006/relationships" xmlns:p="http://schemas.openxmlformats.org/presentationml/2006/main" type="vertTitleAndTx" preserve="1">
+<p:sldLayout xmlns:a="http://schemas.openxmlformats.org/drawingml/2006/main" xmlns:r="http://schemas.openxmlformats.org/officeDocument/2006/relationships" xmlns:p="http://schemas.openxmlformats.org/presentationml/2006/main" preserve="1" userDrawn="1">
   <p:cSld name="Vertical Title and Text">
     <p:spTree>
       <p:nvGrpSpPr>
@@ -1067,6 +1241,111 @@
           </a:p>
         </p:txBody>
       </p:sp>
+      <p:sp>
+        <p:nvSpPr>
+          <p:cNvPr id="8" name="Content Placeholder 7">
+            <a:extLst>
+              <a:ext uri="{FF2B5EF4-FFF2-40B4-BE49-F238E27FC236}">
+                <a16:creationId xmlns:a16="http://schemas.microsoft.com/office/drawing/2014/main" id="{F8679C7B-53BF-4472-AA5C-080995D7CC65}"/>
+              </a:ext>
+            </a:extLst>
+          </p:cNvPr>
+          <p:cNvSpPr>
+            <a:spLocks noGrp="1"/>
+          </p:cNvSpPr>
+          <p:nvPr>
+            <p:ph sz="quarter" idx="16"/>
+          </p:nvPr>
+        </p:nvSpPr>
+        <p:spPr>
+          <a:xfrm>
+            <a:off x="152400" y="1574800"/>
+            <a:ext cx="1384300" cy="3759200"/>
+          </a:xfrm>
+        </p:spPr>
+        <p:txBody>
+          <a:bodyPr>
+            <a:noAutofit/>
+          </a:bodyPr>
+          <a:lstStyle>
+            <a:lvl1pPr marL="0" indent="0">
+              <a:buNone/>
+              <a:defRPr sz="1400">
+                <a:solidFill>
+                  <a:schemeClr val="bg1"/>
+                </a:solidFill>
+              </a:defRPr>
+            </a:lvl1pPr>
+            <a:lvl2pPr marL="457200" indent="0">
+              <a:buNone/>
+              <a:defRPr sz="1200">
+                <a:solidFill>
+                  <a:schemeClr val="bg1"/>
+                </a:solidFill>
+              </a:defRPr>
+            </a:lvl2pPr>
+            <a:lvl3pPr marL="914400" indent="0">
+              <a:buNone/>
+              <a:defRPr sz="1100">
+                <a:solidFill>
+                  <a:schemeClr val="bg1"/>
+                </a:solidFill>
+              </a:defRPr>
+            </a:lvl3pPr>
+            <a:lvl4pPr marL="1371600" indent="0">
+              <a:buNone/>
+              <a:defRPr sz="1050">
+                <a:solidFill>
+                  <a:schemeClr val="bg1"/>
+                </a:solidFill>
+              </a:defRPr>
+            </a:lvl4pPr>
+            <a:lvl5pPr marL="1828800" indent="0">
+              <a:buNone/>
+              <a:defRPr sz="1050">
+                <a:solidFill>
+                  <a:schemeClr val="bg1"/>
+                </a:solidFill>
+              </a:defRPr>
+            </a:lvl5pPr>
+          </a:lstStyle>
+          <a:p>
+            <a:pPr lvl="0"/>
+            <a:r>
+              <a:rPr lang="en-US" dirty="0"/>
+              <a:t>Edit Master text styles</a:t>
+            </a:r>
+          </a:p>
+          <a:p>
+            <a:pPr lvl="1"/>
+            <a:r>
+              <a:rPr lang="en-US" dirty="0"/>
+              <a:t>Second level</a:t>
+            </a:r>
+          </a:p>
+          <a:p>
+            <a:pPr lvl="2"/>
+            <a:r>
+              <a:rPr lang="en-US" dirty="0"/>
+              <a:t>Third level</a:t>
+            </a:r>
+          </a:p>
+          <a:p>
+            <a:pPr lvl="3"/>
+            <a:r>
+              <a:rPr lang="en-US" dirty="0"/>
+              <a:t>Fourth level</a:t>
+            </a:r>
+          </a:p>
+          <a:p>
+            <a:pPr lvl="4"/>
+            <a:r>
+              <a:rPr lang="en-US" dirty="0"/>
+              <a:t>Fifth level</a:t>
+            </a:r>
+          </a:p>
+        </p:txBody>
+      </p:sp>
     </p:spTree>
     <p:extLst>
       <p:ext uri="{BB962C8B-B14F-4D97-AF65-F5344CB8AC3E}">
@@ -1077,11 +1356,14 @@
   <p:clrMapOvr>
     <a:masterClrMapping/>
   </p:clrMapOvr>
+  <p:transition>
+    <p:fade/>
+  </p:transition>
 </p:sldLayout>
 </file>
 
 <file path=ppt/slideLayouts/slideLayout2.xml><?xml version="1.0" encoding="utf-8"?>
-<p:sldLayout xmlns:a="http://schemas.openxmlformats.org/drawingml/2006/main" xmlns:r="http://schemas.openxmlformats.org/officeDocument/2006/relationships" xmlns:p="http://schemas.openxmlformats.org/presentationml/2006/main" type="obj" preserve="1">
+<p:sldLayout xmlns:a="http://schemas.openxmlformats.org/drawingml/2006/main" xmlns:r="http://schemas.openxmlformats.org/officeDocument/2006/relationships" xmlns:p="http://schemas.openxmlformats.org/presentationml/2006/main" preserve="1" userDrawn="1">
   <p:cSld name="Title and Content">
     <p:spTree>
       <p:nvGrpSpPr>
@@ -1248,6 +1530,111 @@
           </a:p>
         </p:txBody>
       </p:sp>
+      <p:sp>
+        <p:nvSpPr>
+          <p:cNvPr id="10" name="Content Placeholder 7">
+            <a:extLst>
+              <a:ext uri="{FF2B5EF4-FFF2-40B4-BE49-F238E27FC236}">
+                <a16:creationId xmlns:a16="http://schemas.microsoft.com/office/drawing/2014/main" id="{278A0A14-5819-46D6-BCC6-BED9D3B4504E}"/>
+              </a:ext>
+            </a:extLst>
+          </p:cNvPr>
+          <p:cNvSpPr>
+            <a:spLocks noGrp="1"/>
+          </p:cNvSpPr>
+          <p:nvPr>
+            <p:ph sz="quarter" idx="16"/>
+          </p:nvPr>
+        </p:nvSpPr>
+        <p:spPr>
+          <a:xfrm>
+            <a:off x="152400" y="1574800"/>
+            <a:ext cx="1384300" cy="3759200"/>
+          </a:xfrm>
+        </p:spPr>
+        <p:txBody>
+          <a:bodyPr>
+            <a:noAutofit/>
+          </a:bodyPr>
+          <a:lstStyle>
+            <a:lvl1pPr marL="0" indent="0">
+              <a:buNone/>
+              <a:defRPr sz="1400">
+                <a:solidFill>
+                  <a:schemeClr val="bg1"/>
+                </a:solidFill>
+              </a:defRPr>
+            </a:lvl1pPr>
+            <a:lvl2pPr marL="457200" indent="0">
+              <a:buNone/>
+              <a:defRPr sz="1200">
+                <a:solidFill>
+                  <a:schemeClr val="bg1"/>
+                </a:solidFill>
+              </a:defRPr>
+            </a:lvl2pPr>
+            <a:lvl3pPr marL="914400" indent="0">
+              <a:buNone/>
+              <a:defRPr sz="1100">
+                <a:solidFill>
+                  <a:schemeClr val="bg1"/>
+                </a:solidFill>
+              </a:defRPr>
+            </a:lvl3pPr>
+            <a:lvl4pPr marL="1371600" indent="0">
+              <a:buNone/>
+              <a:defRPr sz="1050">
+                <a:solidFill>
+                  <a:schemeClr val="bg1"/>
+                </a:solidFill>
+              </a:defRPr>
+            </a:lvl4pPr>
+            <a:lvl5pPr marL="1828800" indent="0">
+              <a:buNone/>
+              <a:defRPr sz="1050">
+                <a:solidFill>
+                  <a:schemeClr val="bg1"/>
+                </a:solidFill>
+              </a:defRPr>
+            </a:lvl5pPr>
+          </a:lstStyle>
+          <a:p>
+            <a:pPr lvl="0"/>
+            <a:r>
+              <a:rPr lang="en-US" dirty="0"/>
+              <a:t>Edit Master text styles</a:t>
+            </a:r>
+          </a:p>
+          <a:p>
+            <a:pPr lvl="1"/>
+            <a:r>
+              <a:rPr lang="en-US" dirty="0"/>
+              <a:t>Second level</a:t>
+            </a:r>
+          </a:p>
+          <a:p>
+            <a:pPr lvl="2"/>
+            <a:r>
+              <a:rPr lang="en-US" dirty="0"/>
+              <a:t>Third level</a:t>
+            </a:r>
+          </a:p>
+          <a:p>
+            <a:pPr lvl="3"/>
+            <a:r>
+              <a:rPr lang="en-US" dirty="0"/>
+              <a:t>Fourth level</a:t>
+            </a:r>
+          </a:p>
+          <a:p>
+            <a:pPr lvl="4"/>
+            <a:r>
+              <a:rPr lang="en-US" dirty="0"/>
+              <a:t>Fifth level</a:t>
+            </a:r>
+          </a:p>
+        </p:txBody>
+      </p:sp>
     </p:spTree>
     <p:extLst>
       <p:ext uri="{BB962C8B-B14F-4D97-AF65-F5344CB8AC3E}">
@@ -1258,11 +1645,14 @@
   <p:clrMapOvr>
     <a:masterClrMapping/>
   </p:clrMapOvr>
+  <p:transition>
+    <p:fade/>
+  </p:transition>
 </p:sldLayout>
 </file>
 
 <file path=ppt/slideLayouts/slideLayout3.xml><?xml version="1.0" encoding="utf-8"?>
-<p:sldLayout xmlns:a="http://schemas.openxmlformats.org/drawingml/2006/main" xmlns:r="http://schemas.openxmlformats.org/officeDocument/2006/relationships" xmlns:p="http://schemas.openxmlformats.org/presentationml/2006/main" type="secHead" preserve="1">
+<p:sldLayout xmlns:a="http://schemas.openxmlformats.org/drawingml/2006/main" xmlns:r="http://schemas.openxmlformats.org/officeDocument/2006/relationships" xmlns:p="http://schemas.openxmlformats.org/presentationml/2006/main" preserve="1" userDrawn="1">
   <p:cSld name="Section Header">
     <p:spTree>
       <p:nvGrpSpPr>
@@ -1492,6 +1882,111 @@
           </a:p>
         </p:txBody>
       </p:sp>
+      <p:sp>
+        <p:nvSpPr>
+          <p:cNvPr id="8" name="Content Placeholder 7">
+            <a:extLst>
+              <a:ext uri="{FF2B5EF4-FFF2-40B4-BE49-F238E27FC236}">
+                <a16:creationId xmlns:a16="http://schemas.microsoft.com/office/drawing/2014/main" id="{07FB3E53-C7E8-4ABF-A014-CB9BC8BD1A1E}"/>
+              </a:ext>
+            </a:extLst>
+          </p:cNvPr>
+          <p:cNvSpPr>
+            <a:spLocks noGrp="1"/>
+          </p:cNvSpPr>
+          <p:nvPr>
+            <p:ph sz="quarter" idx="16"/>
+          </p:nvPr>
+        </p:nvSpPr>
+        <p:spPr>
+          <a:xfrm>
+            <a:off x="152400" y="1574800"/>
+            <a:ext cx="1384300" cy="3759200"/>
+          </a:xfrm>
+        </p:spPr>
+        <p:txBody>
+          <a:bodyPr>
+            <a:noAutofit/>
+          </a:bodyPr>
+          <a:lstStyle>
+            <a:lvl1pPr marL="0" indent="0">
+              <a:buNone/>
+              <a:defRPr sz="1400">
+                <a:solidFill>
+                  <a:schemeClr val="bg1"/>
+                </a:solidFill>
+              </a:defRPr>
+            </a:lvl1pPr>
+            <a:lvl2pPr marL="457200" indent="0">
+              <a:buNone/>
+              <a:defRPr sz="1200">
+                <a:solidFill>
+                  <a:schemeClr val="bg1"/>
+                </a:solidFill>
+              </a:defRPr>
+            </a:lvl2pPr>
+            <a:lvl3pPr marL="914400" indent="0">
+              <a:buNone/>
+              <a:defRPr sz="1100">
+                <a:solidFill>
+                  <a:schemeClr val="bg1"/>
+                </a:solidFill>
+              </a:defRPr>
+            </a:lvl3pPr>
+            <a:lvl4pPr marL="1371600" indent="0">
+              <a:buNone/>
+              <a:defRPr sz="1050">
+                <a:solidFill>
+                  <a:schemeClr val="bg1"/>
+                </a:solidFill>
+              </a:defRPr>
+            </a:lvl4pPr>
+            <a:lvl5pPr marL="1828800" indent="0">
+              <a:buNone/>
+              <a:defRPr sz="1050">
+                <a:solidFill>
+                  <a:schemeClr val="bg1"/>
+                </a:solidFill>
+              </a:defRPr>
+            </a:lvl5pPr>
+          </a:lstStyle>
+          <a:p>
+            <a:pPr lvl="0"/>
+            <a:r>
+              <a:rPr lang="en-US" dirty="0"/>
+              <a:t>Edit Master text styles</a:t>
+            </a:r>
+          </a:p>
+          <a:p>
+            <a:pPr lvl="1"/>
+            <a:r>
+              <a:rPr lang="en-US" dirty="0"/>
+              <a:t>Second level</a:t>
+            </a:r>
+          </a:p>
+          <a:p>
+            <a:pPr lvl="2"/>
+            <a:r>
+              <a:rPr lang="en-US" dirty="0"/>
+              <a:t>Third level</a:t>
+            </a:r>
+          </a:p>
+          <a:p>
+            <a:pPr lvl="3"/>
+            <a:r>
+              <a:rPr lang="en-US" dirty="0"/>
+              <a:t>Fourth level</a:t>
+            </a:r>
+          </a:p>
+          <a:p>
+            <a:pPr lvl="4"/>
+            <a:r>
+              <a:rPr lang="en-US" dirty="0"/>
+              <a:t>Fifth level</a:t>
+            </a:r>
+          </a:p>
+        </p:txBody>
+      </p:sp>
     </p:spTree>
     <p:extLst>
       <p:ext uri="{BB962C8B-B14F-4D97-AF65-F5344CB8AC3E}">
@@ -1502,11 +1997,14 @@
   <p:clrMapOvr>
     <a:masterClrMapping/>
   </p:clrMapOvr>
+  <p:transition>
+    <p:fade/>
+  </p:transition>
 </p:sldLayout>
 </file>
 
 <file path=ppt/slideLayouts/slideLayout4.xml><?xml version="1.0" encoding="utf-8"?>
-<p:sldLayout xmlns:a="http://schemas.openxmlformats.org/drawingml/2006/main" xmlns:r="http://schemas.openxmlformats.org/officeDocument/2006/relationships" xmlns:p="http://schemas.openxmlformats.org/presentationml/2006/main" type="twoObj" preserve="1">
+<p:sldLayout xmlns:a="http://schemas.openxmlformats.org/drawingml/2006/main" xmlns:r="http://schemas.openxmlformats.org/officeDocument/2006/relationships" xmlns:p="http://schemas.openxmlformats.org/presentationml/2006/main" preserve="1" userDrawn="1">
   <p:cSld name="Two Content">
     <p:spTree>
       <p:nvGrpSpPr>
@@ -1723,6 +2221,111 @@
           </a:p>
         </p:txBody>
       </p:sp>
+      <p:sp>
+        <p:nvSpPr>
+          <p:cNvPr id="9" name="Content Placeholder 7">
+            <a:extLst>
+              <a:ext uri="{FF2B5EF4-FFF2-40B4-BE49-F238E27FC236}">
+                <a16:creationId xmlns:a16="http://schemas.microsoft.com/office/drawing/2014/main" id="{1893EF18-91A6-4821-B418-666BC0850C9E}"/>
+              </a:ext>
+            </a:extLst>
+          </p:cNvPr>
+          <p:cNvSpPr>
+            <a:spLocks noGrp="1"/>
+          </p:cNvSpPr>
+          <p:nvPr>
+            <p:ph sz="quarter" idx="16"/>
+          </p:nvPr>
+        </p:nvSpPr>
+        <p:spPr>
+          <a:xfrm>
+            <a:off x="152400" y="1574800"/>
+            <a:ext cx="1384300" cy="3759200"/>
+          </a:xfrm>
+        </p:spPr>
+        <p:txBody>
+          <a:bodyPr>
+            <a:noAutofit/>
+          </a:bodyPr>
+          <a:lstStyle>
+            <a:lvl1pPr marL="0" indent="0">
+              <a:buNone/>
+              <a:defRPr sz="1400">
+                <a:solidFill>
+                  <a:schemeClr val="bg1"/>
+                </a:solidFill>
+              </a:defRPr>
+            </a:lvl1pPr>
+            <a:lvl2pPr marL="457200" indent="0">
+              <a:buNone/>
+              <a:defRPr sz="1200">
+                <a:solidFill>
+                  <a:schemeClr val="bg1"/>
+                </a:solidFill>
+              </a:defRPr>
+            </a:lvl2pPr>
+            <a:lvl3pPr marL="914400" indent="0">
+              <a:buNone/>
+              <a:defRPr sz="1100">
+                <a:solidFill>
+                  <a:schemeClr val="bg1"/>
+                </a:solidFill>
+              </a:defRPr>
+            </a:lvl3pPr>
+            <a:lvl4pPr marL="1371600" indent="0">
+              <a:buNone/>
+              <a:defRPr sz="1050">
+                <a:solidFill>
+                  <a:schemeClr val="bg1"/>
+                </a:solidFill>
+              </a:defRPr>
+            </a:lvl4pPr>
+            <a:lvl5pPr marL="1828800" indent="0">
+              <a:buNone/>
+              <a:defRPr sz="1050">
+                <a:solidFill>
+                  <a:schemeClr val="bg1"/>
+                </a:solidFill>
+              </a:defRPr>
+            </a:lvl5pPr>
+          </a:lstStyle>
+          <a:p>
+            <a:pPr lvl="0"/>
+            <a:r>
+              <a:rPr lang="en-US" dirty="0"/>
+              <a:t>Edit Master text styles</a:t>
+            </a:r>
+          </a:p>
+          <a:p>
+            <a:pPr lvl="1"/>
+            <a:r>
+              <a:rPr lang="en-US" dirty="0"/>
+              <a:t>Second level</a:t>
+            </a:r>
+          </a:p>
+          <a:p>
+            <a:pPr lvl="2"/>
+            <a:r>
+              <a:rPr lang="en-US" dirty="0"/>
+              <a:t>Third level</a:t>
+            </a:r>
+          </a:p>
+          <a:p>
+            <a:pPr lvl="3"/>
+            <a:r>
+              <a:rPr lang="en-US" dirty="0"/>
+              <a:t>Fourth level</a:t>
+            </a:r>
+          </a:p>
+          <a:p>
+            <a:pPr lvl="4"/>
+            <a:r>
+              <a:rPr lang="en-US" dirty="0"/>
+              <a:t>Fifth level</a:t>
+            </a:r>
+          </a:p>
+        </p:txBody>
+      </p:sp>
     </p:spTree>
     <p:extLst>
       <p:ext uri="{BB962C8B-B14F-4D97-AF65-F5344CB8AC3E}">
@@ -1733,11 +2336,14 @@
   <p:clrMapOvr>
     <a:masterClrMapping/>
   </p:clrMapOvr>
+  <p:transition>
+    <p:fade/>
+  </p:transition>
 </p:sldLayout>
 </file>
 
 <file path=ppt/slideLayouts/slideLayout5.xml><?xml version="1.0" encoding="utf-8"?>
-<p:sldLayout xmlns:a="http://schemas.openxmlformats.org/drawingml/2006/main" xmlns:r="http://schemas.openxmlformats.org/officeDocument/2006/relationships" xmlns:p="http://schemas.openxmlformats.org/presentationml/2006/main" type="twoTxTwoObj" preserve="1">
+<p:sldLayout xmlns:a="http://schemas.openxmlformats.org/drawingml/2006/main" xmlns:r="http://schemas.openxmlformats.org/officeDocument/2006/relationships" xmlns:p="http://schemas.openxmlformats.org/presentationml/2006/main" preserve="1" userDrawn="1">
   <p:cSld name="Comparison">
     <p:spTree>
       <p:nvGrpSpPr>
@@ -2088,6 +2694,111 @@
           </a:p>
         </p:txBody>
       </p:sp>
+      <p:sp>
+        <p:nvSpPr>
+          <p:cNvPr id="11" name="Content Placeholder 7">
+            <a:extLst>
+              <a:ext uri="{FF2B5EF4-FFF2-40B4-BE49-F238E27FC236}">
+                <a16:creationId xmlns:a16="http://schemas.microsoft.com/office/drawing/2014/main" id="{6E289AC2-9B43-463E-823A-46E49534AB0C}"/>
+              </a:ext>
+            </a:extLst>
+          </p:cNvPr>
+          <p:cNvSpPr>
+            <a:spLocks noGrp="1"/>
+          </p:cNvSpPr>
+          <p:nvPr>
+            <p:ph sz="quarter" idx="16"/>
+          </p:nvPr>
+        </p:nvSpPr>
+        <p:spPr>
+          <a:xfrm>
+            <a:off x="152400" y="1574800"/>
+            <a:ext cx="1384300" cy="3759200"/>
+          </a:xfrm>
+        </p:spPr>
+        <p:txBody>
+          <a:bodyPr>
+            <a:noAutofit/>
+          </a:bodyPr>
+          <a:lstStyle>
+            <a:lvl1pPr marL="0" indent="0">
+              <a:buNone/>
+              <a:defRPr sz="1400">
+                <a:solidFill>
+                  <a:schemeClr val="bg1"/>
+                </a:solidFill>
+              </a:defRPr>
+            </a:lvl1pPr>
+            <a:lvl2pPr marL="457200" indent="0">
+              <a:buNone/>
+              <a:defRPr sz="1200">
+                <a:solidFill>
+                  <a:schemeClr val="bg1"/>
+                </a:solidFill>
+              </a:defRPr>
+            </a:lvl2pPr>
+            <a:lvl3pPr marL="914400" indent="0">
+              <a:buNone/>
+              <a:defRPr sz="1100">
+                <a:solidFill>
+                  <a:schemeClr val="bg1"/>
+                </a:solidFill>
+              </a:defRPr>
+            </a:lvl3pPr>
+            <a:lvl4pPr marL="1371600" indent="0">
+              <a:buNone/>
+              <a:defRPr sz="1050">
+                <a:solidFill>
+                  <a:schemeClr val="bg1"/>
+                </a:solidFill>
+              </a:defRPr>
+            </a:lvl4pPr>
+            <a:lvl5pPr marL="1828800" indent="0">
+              <a:buNone/>
+              <a:defRPr sz="1050">
+                <a:solidFill>
+                  <a:schemeClr val="bg1"/>
+                </a:solidFill>
+              </a:defRPr>
+            </a:lvl5pPr>
+          </a:lstStyle>
+          <a:p>
+            <a:pPr lvl="0"/>
+            <a:r>
+              <a:rPr lang="en-US" dirty="0"/>
+              <a:t>Edit Master text styles</a:t>
+            </a:r>
+          </a:p>
+          <a:p>
+            <a:pPr lvl="1"/>
+            <a:r>
+              <a:rPr lang="en-US" dirty="0"/>
+              <a:t>Second level</a:t>
+            </a:r>
+          </a:p>
+          <a:p>
+            <a:pPr lvl="2"/>
+            <a:r>
+              <a:rPr lang="en-US" dirty="0"/>
+              <a:t>Third level</a:t>
+            </a:r>
+          </a:p>
+          <a:p>
+            <a:pPr lvl="3"/>
+            <a:r>
+              <a:rPr lang="en-US" dirty="0"/>
+              <a:t>Fourth level</a:t>
+            </a:r>
+          </a:p>
+          <a:p>
+            <a:pPr lvl="4"/>
+            <a:r>
+              <a:rPr lang="en-US" dirty="0"/>
+              <a:t>Fifth level</a:t>
+            </a:r>
+          </a:p>
+        </p:txBody>
+      </p:sp>
     </p:spTree>
     <p:extLst>
       <p:ext uri="{BB962C8B-B14F-4D97-AF65-F5344CB8AC3E}">
@@ -2098,11 +2809,14 @@
   <p:clrMapOvr>
     <a:masterClrMapping/>
   </p:clrMapOvr>
+  <p:transition>
+    <p:fade/>
+  </p:transition>
 </p:sldLayout>
 </file>
 
 <file path=ppt/slideLayouts/slideLayout6.xml><?xml version="1.0" encoding="utf-8"?>
-<p:sldLayout xmlns:a="http://schemas.openxmlformats.org/drawingml/2006/main" xmlns:r="http://schemas.openxmlformats.org/officeDocument/2006/relationships" xmlns:p="http://schemas.openxmlformats.org/presentationml/2006/main" type="titleOnly" preserve="1">
+<p:sldLayout xmlns:a="http://schemas.openxmlformats.org/drawingml/2006/main" xmlns:r="http://schemas.openxmlformats.org/officeDocument/2006/relationships" xmlns:p="http://schemas.openxmlformats.org/presentationml/2006/main" preserve="1" userDrawn="1">
   <p:cSld name="Title Only">
     <p:spTree>
       <p:nvGrpSpPr>
@@ -2206,6 +2920,111 @@
           </a:p>
         </p:txBody>
       </p:sp>
+      <p:sp>
+        <p:nvSpPr>
+          <p:cNvPr id="8" name="Content Placeholder 7">
+            <a:extLst>
+              <a:ext uri="{FF2B5EF4-FFF2-40B4-BE49-F238E27FC236}">
+                <a16:creationId xmlns:a16="http://schemas.microsoft.com/office/drawing/2014/main" id="{4A8ACF6A-BC7E-4F3A-B077-8F0B18DB8803}"/>
+              </a:ext>
+            </a:extLst>
+          </p:cNvPr>
+          <p:cNvSpPr>
+            <a:spLocks noGrp="1"/>
+          </p:cNvSpPr>
+          <p:nvPr>
+            <p:ph sz="quarter" idx="16"/>
+          </p:nvPr>
+        </p:nvSpPr>
+        <p:spPr>
+          <a:xfrm>
+            <a:off x="152400" y="1574800"/>
+            <a:ext cx="1384300" cy="3759200"/>
+          </a:xfrm>
+        </p:spPr>
+        <p:txBody>
+          <a:bodyPr>
+            <a:noAutofit/>
+          </a:bodyPr>
+          <a:lstStyle>
+            <a:lvl1pPr marL="0" indent="0">
+              <a:buNone/>
+              <a:defRPr sz="1400">
+                <a:solidFill>
+                  <a:schemeClr val="bg1"/>
+                </a:solidFill>
+              </a:defRPr>
+            </a:lvl1pPr>
+            <a:lvl2pPr marL="457200" indent="0">
+              <a:buNone/>
+              <a:defRPr sz="1200">
+                <a:solidFill>
+                  <a:schemeClr val="bg1"/>
+                </a:solidFill>
+              </a:defRPr>
+            </a:lvl2pPr>
+            <a:lvl3pPr marL="914400" indent="0">
+              <a:buNone/>
+              <a:defRPr sz="1100">
+                <a:solidFill>
+                  <a:schemeClr val="bg1"/>
+                </a:solidFill>
+              </a:defRPr>
+            </a:lvl3pPr>
+            <a:lvl4pPr marL="1371600" indent="0">
+              <a:buNone/>
+              <a:defRPr sz="1050">
+                <a:solidFill>
+                  <a:schemeClr val="bg1"/>
+                </a:solidFill>
+              </a:defRPr>
+            </a:lvl4pPr>
+            <a:lvl5pPr marL="1828800" indent="0">
+              <a:buNone/>
+              <a:defRPr sz="1050">
+                <a:solidFill>
+                  <a:schemeClr val="bg1"/>
+                </a:solidFill>
+              </a:defRPr>
+            </a:lvl5pPr>
+          </a:lstStyle>
+          <a:p>
+            <a:pPr lvl="0"/>
+            <a:r>
+              <a:rPr lang="en-US" dirty="0"/>
+              <a:t>Edit Master text styles</a:t>
+            </a:r>
+          </a:p>
+          <a:p>
+            <a:pPr lvl="1"/>
+            <a:r>
+              <a:rPr lang="en-US" dirty="0"/>
+              <a:t>Second level</a:t>
+            </a:r>
+          </a:p>
+          <a:p>
+            <a:pPr lvl="2"/>
+            <a:r>
+              <a:rPr lang="en-US" dirty="0"/>
+              <a:t>Third level</a:t>
+            </a:r>
+          </a:p>
+          <a:p>
+            <a:pPr lvl="3"/>
+            <a:r>
+              <a:rPr lang="en-US" dirty="0"/>
+              <a:t>Fourth level</a:t>
+            </a:r>
+          </a:p>
+          <a:p>
+            <a:pPr lvl="4"/>
+            <a:r>
+              <a:rPr lang="en-US" dirty="0"/>
+              <a:t>Fifth level</a:t>
+            </a:r>
+          </a:p>
+        </p:txBody>
+      </p:sp>
     </p:spTree>
     <p:extLst>
       <p:ext uri="{BB962C8B-B14F-4D97-AF65-F5344CB8AC3E}">
@@ -2216,11 +3035,14 @@
   <p:clrMapOvr>
     <a:masterClrMapping/>
   </p:clrMapOvr>
+  <p:transition>
+    <p:fade/>
+  </p:transition>
 </p:sldLayout>
 </file>
 
 <file path=ppt/slideLayouts/slideLayout7.xml><?xml version="1.0" encoding="utf-8"?>
-<p:sldLayout xmlns:a="http://schemas.openxmlformats.org/drawingml/2006/main" xmlns:r="http://schemas.openxmlformats.org/officeDocument/2006/relationships" xmlns:p="http://schemas.openxmlformats.org/presentationml/2006/main" type="blank" preserve="1">
+<p:sldLayout xmlns:a="http://schemas.openxmlformats.org/drawingml/2006/main" xmlns:r="http://schemas.openxmlformats.org/officeDocument/2006/relationships" xmlns:p="http://schemas.openxmlformats.org/presentationml/2006/main" preserve="1" userDrawn="1">
   <p:cSld name="Blank">
     <p:spTree>
       <p:nvGrpSpPr>
@@ -2301,6 +3123,111 @@
           </a:p>
         </p:txBody>
       </p:sp>
+      <p:sp>
+        <p:nvSpPr>
+          <p:cNvPr id="6" name="Content Placeholder 7">
+            <a:extLst>
+              <a:ext uri="{FF2B5EF4-FFF2-40B4-BE49-F238E27FC236}">
+                <a16:creationId xmlns:a16="http://schemas.microsoft.com/office/drawing/2014/main" id="{72DF06FF-EF3E-4DB4-B8F4-6024578BEA58}"/>
+              </a:ext>
+            </a:extLst>
+          </p:cNvPr>
+          <p:cNvSpPr>
+            <a:spLocks noGrp="1"/>
+          </p:cNvSpPr>
+          <p:nvPr>
+            <p:ph sz="quarter" idx="16"/>
+          </p:nvPr>
+        </p:nvSpPr>
+        <p:spPr>
+          <a:xfrm>
+            <a:off x="152400" y="1574800"/>
+            <a:ext cx="1384300" cy="3759200"/>
+          </a:xfrm>
+        </p:spPr>
+        <p:txBody>
+          <a:bodyPr>
+            <a:noAutofit/>
+          </a:bodyPr>
+          <a:lstStyle>
+            <a:lvl1pPr marL="0" indent="0">
+              <a:buNone/>
+              <a:defRPr sz="1400">
+                <a:solidFill>
+                  <a:schemeClr val="bg1"/>
+                </a:solidFill>
+              </a:defRPr>
+            </a:lvl1pPr>
+            <a:lvl2pPr marL="457200" indent="0">
+              <a:buNone/>
+              <a:defRPr sz="1200">
+                <a:solidFill>
+                  <a:schemeClr val="bg1"/>
+                </a:solidFill>
+              </a:defRPr>
+            </a:lvl2pPr>
+            <a:lvl3pPr marL="914400" indent="0">
+              <a:buNone/>
+              <a:defRPr sz="1100">
+                <a:solidFill>
+                  <a:schemeClr val="bg1"/>
+                </a:solidFill>
+              </a:defRPr>
+            </a:lvl3pPr>
+            <a:lvl4pPr marL="1371600" indent="0">
+              <a:buNone/>
+              <a:defRPr sz="1050">
+                <a:solidFill>
+                  <a:schemeClr val="bg1"/>
+                </a:solidFill>
+              </a:defRPr>
+            </a:lvl4pPr>
+            <a:lvl5pPr marL="1828800" indent="0">
+              <a:buNone/>
+              <a:defRPr sz="1050">
+                <a:solidFill>
+                  <a:schemeClr val="bg1"/>
+                </a:solidFill>
+              </a:defRPr>
+            </a:lvl5pPr>
+          </a:lstStyle>
+          <a:p>
+            <a:pPr lvl="0"/>
+            <a:r>
+              <a:rPr lang="en-US" dirty="0"/>
+              <a:t>Edit Master text styles</a:t>
+            </a:r>
+          </a:p>
+          <a:p>
+            <a:pPr lvl="1"/>
+            <a:r>
+              <a:rPr lang="en-US" dirty="0"/>
+              <a:t>Second level</a:t>
+            </a:r>
+          </a:p>
+          <a:p>
+            <a:pPr lvl="2"/>
+            <a:r>
+              <a:rPr lang="en-US" dirty="0"/>
+              <a:t>Third level</a:t>
+            </a:r>
+          </a:p>
+          <a:p>
+            <a:pPr lvl="3"/>
+            <a:r>
+              <a:rPr lang="en-US" dirty="0"/>
+              <a:t>Fourth level</a:t>
+            </a:r>
+          </a:p>
+          <a:p>
+            <a:pPr lvl="4"/>
+            <a:r>
+              <a:rPr lang="en-US" dirty="0"/>
+              <a:t>Fifth level</a:t>
+            </a:r>
+          </a:p>
+        </p:txBody>
+      </p:sp>
     </p:spTree>
     <p:extLst>
       <p:ext uri="{BB962C8B-B14F-4D97-AF65-F5344CB8AC3E}">
@@ -2311,11 +3238,14 @@
   <p:clrMapOvr>
     <a:masterClrMapping/>
   </p:clrMapOvr>
+  <p:transition>
+    <p:fade/>
+  </p:transition>
 </p:sldLayout>
 </file>
 
 <file path=ppt/slideLayouts/slideLayout8.xml><?xml version="1.0" encoding="utf-8"?>
-<p:sldLayout xmlns:a="http://schemas.openxmlformats.org/drawingml/2006/main" xmlns:r="http://schemas.openxmlformats.org/officeDocument/2006/relationships" xmlns:p="http://schemas.openxmlformats.org/presentationml/2006/main" type="objTx" preserve="1">
+<p:sldLayout xmlns:a="http://schemas.openxmlformats.org/drawingml/2006/main" xmlns:r="http://schemas.openxmlformats.org/officeDocument/2006/relationships" xmlns:p="http://schemas.openxmlformats.org/presentationml/2006/main" preserve="1" userDrawn="1">
   <p:cSld name="Content with Caption">
     <p:spTree>
       <p:nvGrpSpPr>
@@ -2578,6 +3508,111 @@
           </a:p>
         </p:txBody>
       </p:sp>
+      <p:sp>
+        <p:nvSpPr>
+          <p:cNvPr id="9" name="Content Placeholder 7">
+            <a:extLst>
+              <a:ext uri="{FF2B5EF4-FFF2-40B4-BE49-F238E27FC236}">
+                <a16:creationId xmlns:a16="http://schemas.microsoft.com/office/drawing/2014/main" id="{8E36274E-C9C7-484D-BD1E-5C7B62985465}"/>
+              </a:ext>
+            </a:extLst>
+          </p:cNvPr>
+          <p:cNvSpPr>
+            <a:spLocks noGrp="1"/>
+          </p:cNvSpPr>
+          <p:nvPr>
+            <p:ph sz="quarter" idx="16"/>
+          </p:nvPr>
+        </p:nvSpPr>
+        <p:spPr>
+          <a:xfrm>
+            <a:off x="152400" y="1574800"/>
+            <a:ext cx="1384300" cy="3759200"/>
+          </a:xfrm>
+        </p:spPr>
+        <p:txBody>
+          <a:bodyPr>
+            <a:noAutofit/>
+          </a:bodyPr>
+          <a:lstStyle>
+            <a:lvl1pPr marL="0" indent="0">
+              <a:buNone/>
+              <a:defRPr sz="1400">
+                <a:solidFill>
+                  <a:schemeClr val="bg1"/>
+                </a:solidFill>
+              </a:defRPr>
+            </a:lvl1pPr>
+            <a:lvl2pPr marL="457200" indent="0">
+              <a:buNone/>
+              <a:defRPr sz="1200">
+                <a:solidFill>
+                  <a:schemeClr val="bg1"/>
+                </a:solidFill>
+              </a:defRPr>
+            </a:lvl2pPr>
+            <a:lvl3pPr marL="914400" indent="0">
+              <a:buNone/>
+              <a:defRPr sz="1100">
+                <a:solidFill>
+                  <a:schemeClr val="bg1"/>
+                </a:solidFill>
+              </a:defRPr>
+            </a:lvl3pPr>
+            <a:lvl4pPr marL="1371600" indent="0">
+              <a:buNone/>
+              <a:defRPr sz="1050">
+                <a:solidFill>
+                  <a:schemeClr val="bg1"/>
+                </a:solidFill>
+              </a:defRPr>
+            </a:lvl4pPr>
+            <a:lvl5pPr marL="1828800" indent="0">
+              <a:buNone/>
+              <a:defRPr sz="1050">
+                <a:solidFill>
+                  <a:schemeClr val="bg1"/>
+                </a:solidFill>
+              </a:defRPr>
+            </a:lvl5pPr>
+          </a:lstStyle>
+          <a:p>
+            <a:pPr lvl="0"/>
+            <a:r>
+              <a:rPr lang="en-US" dirty="0"/>
+              <a:t>Edit Master text styles</a:t>
+            </a:r>
+          </a:p>
+          <a:p>
+            <a:pPr lvl="1"/>
+            <a:r>
+              <a:rPr lang="en-US" dirty="0"/>
+              <a:t>Second level</a:t>
+            </a:r>
+          </a:p>
+          <a:p>
+            <a:pPr lvl="2"/>
+            <a:r>
+              <a:rPr lang="en-US" dirty="0"/>
+              <a:t>Third level</a:t>
+            </a:r>
+          </a:p>
+          <a:p>
+            <a:pPr lvl="3"/>
+            <a:r>
+              <a:rPr lang="en-US" dirty="0"/>
+              <a:t>Fourth level</a:t>
+            </a:r>
+          </a:p>
+          <a:p>
+            <a:pPr lvl="4"/>
+            <a:r>
+              <a:rPr lang="en-US" dirty="0"/>
+              <a:t>Fifth level</a:t>
+            </a:r>
+          </a:p>
+        </p:txBody>
+      </p:sp>
     </p:spTree>
     <p:extLst>
       <p:ext uri="{BB962C8B-B14F-4D97-AF65-F5344CB8AC3E}">
@@ -2588,11 +3623,14 @@
   <p:clrMapOvr>
     <a:masterClrMapping/>
   </p:clrMapOvr>
+  <p:transition>
+    <p:fade/>
+  </p:transition>
 </p:sldLayout>
 </file>
 
 <file path=ppt/slideLayouts/slideLayout9.xml><?xml version="1.0" encoding="utf-8"?>
-<p:sldLayout xmlns:a="http://schemas.openxmlformats.org/drawingml/2006/main" xmlns:r="http://schemas.openxmlformats.org/officeDocument/2006/relationships" xmlns:p="http://schemas.openxmlformats.org/presentationml/2006/main" type="picTx" preserve="1">
+<p:sldLayout xmlns:a="http://schemas.openxmlformats.org/drawingml/2006/main" xmlns:r="http://schemas.openxmlformats.org/officeDocument/2006/relationships" xmlns:p="http://schemas.openxmlformats.org/presentationml/2006/main" preserve="1" userDrawn="1">
   <p:cSld name="Picture with Caption">
     <p:spTree>
       <p:nvGrpSpPr>
@@ -2834,6 +3872,111 @@
           </a:p>
         </p:txBody>
       </p:sp>
+      <p:sp>
+        <p:nvSpPr>
+          <p:cNvPr id="9" name="Content Placeholder 7">
+            <a:extLst>
+              <a:ext uri="{FF2B5EF4-FFF2-40B4-BE49-F238E27FC236}">
+                <a16:creationId xmlns:a16="http://schemas.microsoft.com/office/drawing/2014/main" id="{28EC45BB-265D-4143-8BDA-ABB807ADED89}"/>
+              </a:ext>
+            </a:extLst>
+          </p:cNvPr>
+          <p:cNvSpPr>
+            <a:spLocks noGrp="1"/>
+          </p:cNvSpPr>
+          <p:nvPr>
+            <p:ph sz="quarter" idx="16"/>
+          </p:nvPr>
+        </p:nvSpPr>
+        <p:spPr>
+          <a:xfrm>
+            <a:off x="152400" y="1574800"/>
+            <a:ext cx="1384300" cy="3759200"/>
+          </a:xfrm>
+        </p:spPr>
+        <p:txBody>
+          <a:bodyPr>
+            <a:noAutofit/>
+          </a:bodyPr>
+          <a:lstStyle>
+            <a:lvl1pPr marL="0" indent="0">
+              <a:buNone/>
+              <a:defRPr sz="1400">
+                <a:solidFill>
+                  <a:schemeClr val="bg1"/>
+                </a:solidFill>
+              </a:defRPr>
+            </a:lvl1pPr>
+            <a:lvl2pPr marL="457200" indent="0">
+              <a:buNone/>
+              <a:defRPr sz="1200">
+                <a:solidFill>
+                  <a:schemeClr val="bg1"/>
+                </a:solidFill>
+              </a:defRPr>
+            </a:lvl2pPr>
+            <a:lvl3pPr marL="914400" indent="0">
+              <a:buNone/>
+              <a:defRPr sz="1100">
+                <a:solidFill>
+                  <a:schemeClr val="bg1"/>
+                </a:solidFill>
+              </a:defRPr>
+            </a:lvl3pPr>
+            <a:lvl4pPr marL="1371600" indent="0">
+              <a:buNone/>
+              <a:defRPr sz="1050">
+                <a:solidFill>
+                  <a:schemeClr val="bg1"/>
+                </a:solidFill>
+              </a:defRPr>
+            </a:lvl4pPr>
+            <a:lvl5pPr marL="1828800" indent="0">
+              <a:buNone/>
+              <a:defRPr sz="1050">
+                <a:solidFill>
+                  <a:schemeClr val="bg1"/>
+                </a:solidFill>
+              </a:defRPr>
+            </a:lvl5pPr>
+          </a:lstStyle>
+          <a:p>
+            <a:pPr lvl="0"/>
+            <a:r>
+              <a:rPr lang="en-US" dirty="0"/>
+              <a:t>Edit Master text styles</a:t>
+            </a:r>
+          </a:p>
+          <a:p>
+            <a:pPr lvl="1"/>
+            <a:r>
+              <a:rPr lang="en-US" dirty="0"/>
+              <a:t>Second level</a:t>
+            </a:r>
+          </a:p>
+          <a:p>
+            <a:pPr lvl="2"/>
+            <a:r>
+              <a:rPr lang="en-US" dirty="0"/>
+              <a:t>Third level</a:t>
+            </a:r>
+          </a:p>
+          <a:p>
+            <a:pPr lvl="3"/>
+            <a:r>
+              <a:rPr lang="en-US" dirty="0"/>
+              <a:t>Fourth level</a:t>
+            </a:r>
+          </a:p>
+          <a:p>
+            <a:pPr lvl="4"/>
+            <a:r>
+              <a:rPr lang="en-US" dirty="0"/>
+              <a:t>Fifth level</a:t>
+            </a:r>
+          </a:p>
+        </p:txBody>
+      </p:sp>
     </p:spTree>
     <p:extLst>
       <p:ext uri="{BB962C8B-B14F-4D97-AF65-F5344CB8AC3E}">
@@ -2844,6 +3987,9 @@
   <p:clrMapOvr>
     <a:masterClrMapping/>
   </p:clrMapOvr>
+  <p:transition>
+    <p:fade/>
+  </p:transition>
 </p:sldLayout>
 </file>
 
@@ -2937,38 +4083,37 @@
           <a:p>
             <a:pPr lvl="0"/>
             <a:r>
-              <a:rPr lang="en-US"/>
+              <a:rPr lang="en-US" dirty="0"/>
               <a:t>Edit Master text styles</a:t>
             </a:r>
           </a:p>
           <a:p>
             <a:pPr lvl="1"/>
             <a:r>
-              <a:rPr lang="en-US"/>
+              <a:rPr lang="en-US" dirty="0"/>
               <a:t>Second level</a:t>
             </a:r>
           </a:p>
           <a:p>
             <a:pPr lvl="2"/>
             <a:r>
-              <a:rPr lang="en-US"/>
+              <a:rPr lang="en-US" dirty="0"/>
               <a:t>Third level</a:t>
             </a:r>
           </a:p>
           <a:p>
             <a:pPr lvl="3"/>
             <a:r>
-              <a:rPr lang="en-US"/>
+              <a:rPr lang="en-US" dirty="0"/>
               <a:t>Fourth level</a:t>
             </a:r>
           </a:p>
           <a:p>
             <a:pPr lvl="4"/>
             <a:r>
-              <a:rPr lang="en-US"/>
+              <a:rPr lang="en-US" dirty="0"/>
               <a:t>Fifth level</a:t>
             </a:r>
-            <a:endParaRPr lang="en-US" dirty="0"/>
           </a:p>
         </p:txBody>
       </p:sp>
@@ -3113,6 +4258,9 @@
     <p:sldLayoutId id="2147483670" r:id="rId10"/>
     <p:sldLayoutId id="2147483671" r:id="rId11"/>
   </p:sldLayoutIdLst>
+  <p:transition>
+    <p:fade/>
+  </p:transition>
   <p:hf hdr="0" ftr="0" dt="0"/>
   <p:txStyles>
     <p:titleStyle>
@@ -3492,23 +4640,62 @@
         </p:nvSpPr>
         <p:spPr/>
         <p:txBody>
+          <a:bodyPr>
+            <a:normAutofit/>
+          </a:bodyPr>
+          <a:lstStyle/>
+          <a:p>
+            <a:r>
+              <a:rPr lang="hr-HR" dirty="0"/>
+              <a:t>Završni rad br. 5187</a:t>
+            </a:r>
+            <a:endParaRPr lang="en-US" dirty="0"/>
+          </a:p>
+        </p:txBody>
+      </p:sp>
+      <p:sp>
+        <p:nvSpPr>
+          <p:cNvPr id="7" name="Text Placeholder 6">
+            <a:extLst>
+              <a:ext uri="{FF2B5EF4-FFF2-40B4-BE49-F238E27FC236}">
+                <a16:creationId xmlns:a16="http://schemas.microsoft.com/office/drawing/2014/main" id="{F8BECE33-8D99-41EC-832F-856680F6CC1F}"/>
+              </a:ext>
+            </a:extLst>
+          </p:cNvPr>
+          <p:cNvSpPr>
+            <a:spLocks noGrp="1"/>
+          </p:cNvSpPr>
+          <p:nvPr>
+            <p:ph type="body" sz="quarter" idx="14"/>
+          </p:nvPr>
+        </p:nvSpPr>
+        <p:spPr/>
+        <p:txBody>
           <a:bodyPr/>
           <a:lstStyle/>
           <a:p>
             <a:r>
               <a:rPr lang="hr-HR" dirty="0"/>
-              <a:t>Završni rad br. 5187</a:t>
-            </a:r>
-            <a:endParaRPr lang="en-US" dirty="0"/>
-          </a:p>
-        </p:txBody>
-      </p:sp>
-      <p:sp>
-        <p:nvSpPr>
-          <p:cNvPr id="7" name="Text Placeholder 6">
+              <a:t>Mentor: Doc. dr. </a:t>
+            </a:r>
+            <a:r>
+              <a:rPr lang="hr-HR" dirty="0" err="1"/>
+              <a:t>sc</a:t>
+            </a:r>
+            <a:r>
+              <a:rPr lang="hr-HR" dirty="0"/>
+              <a:t>. Marko Čupić</a:t>
+            </a:r>
+            <a:endParaRPr lang="en-US" dirty="0"/>
+          </a:p>
+        </p:txBody>
+      </p:sp>
+      <p:sp>
+        <p:nvSpPr>
+          <p:cNvPr id="8" name="Text Placeholder 7">
             <a:extLst>
               <a:ext uri="{FF2B5EF4-FFF2-40B4-BE49-F238E27FC236}">
-                <a16:creationId xmlns:a16="http://schemas.microsoft.com/office/drawing/2014/main" id="{F8BECE33-8D99-41EC-832F-856680F6CC1F}"/>
+                <a16:creationId xmlns:a16="http://schemas.microsoft.com/office/drawing/2014/main" id="{0BB6E633-CFF3-459C-9EF3-5F75877B239E}"/>
               </a:ext>
             </a:extLst>
           </p:cNvPr>
@@ -3516,7 +4703,7 @@
             <a:spLocks noGrp="1"/>
           </p:cNvSpPr>
           <p:nvPr>
-            <p:ph type="body" sz="quarter" idx="14"/>
+            <p:ph type="body" sz="quarter" idx="15"/>
           </p:nvPr>
         </p:nvSpPr>
         <p:spPr/>
@@ -3526,26 +4713,18 @@
           <a:p>
             <a:r>
               <a:rPr lang="hr-HR" dirty="0"/>
-              <a:t>Mentor: Doc. dr. </a:t>
-            </a:r>
-            <a:r>
-              <a:rPr lang="hr-HR" dirty="0" err="1"/>
-              <a:t>sc</a:t>
-            </a:r>
-            <a:r>
-              <a:rPr lang="hr-HR" dirty="0"/>
-              <a:t>. Marko Čupić</a:t>
-            </a:r>
-            <a:endParaRPr lang="en-US" dirty="0"/>
-          </a:p>
-        </p:txBody>
-      </p:sp>
-      <p:sp>
-        <p:nvSpPr>
-          <p:cNvPr id="8" name="Text Placeholder 7">
+              <a:t>Zagreb, 5. srpnja 2017.</a:t>
+            </a:r>
+            <a:endParaRPr lang="en-US" dirty="0"/>
+          </a:p>
+        </p:txBody>
+      </p:sp>
+      <p:sp>
+        <p:nvSpPr>
+          <p:cNvPr id="10" name="Text Placeholder 9">
             <a:extLst>
               <a:ext uri="{FF2B5EF4-FFF2-40B4-BE49-F238E27FC236}">
-                <a16:creationId xmlns:a16="http://schemas.microsoft.com/office/drawing/2014/main" id="{0BB6E633-CFF3-459C-9EF3-5F75877B239E}"/>
+                <a16:creationId xmlns:a16="http://schemas.microsoft.com/office/drawing/2014/main" id="{353013EF-7DFD-4CF2-8F0F-3CB85FC923D5}"/>
               </a:ext>
             </a:extLst>
           </p:cNvPr>
@@ -3553,7 +4732,7 @@
             <a:spLocks noGrp="1"/>
           </p:cNvSpPr>
           <p:nvPr>
-            <p:ph type="body" sz="quarter" idx="15"/>
+            <p:ph type="body" sz="quarter" idx="16"/>
           </p:nvPr>
         </p:nvSpPr>
         <p:spPr/>
@@ -3563,7 +4742,7 @@
           <a:p>
             <a:r>
               <a:rPr lang="hr-HR" dirty="0"/>
-              <a:t>Zagreb, 5. srpnja 2017.</a:t>
+              <a:t>Fakultet elektrotehnike i računarstva</a:t>
             </a:r>
             <a:endParaRPr lang="en-US" dirty="0"/>
           </a:p>
@@ -3579,6 +4758,3326 @@
   <p:clrMapOvr>
     <a:masterClrMapping/>
   </p:clrMapOvr>
+  <p:transition>
+    <p:fade/>
+  </p:transition>
+</p:sld>
+</file>
+
+<file path=ppt/slides/slide10.xml><?xml version="1.0" encoding="utf-8"?>
+<p:sld xmlns:a="http://schemas.openxmlformats.org/drawingml/2006/main" xmlns:r="http://schemas.openxmlformats.org/officeDocument/2006/relationships" xmlns:p="http://schemas.openxmlformats.org/presentationml/2006/main">
+  <p:cSld>
+    <p:spTree>
+      <p:nvGrpSpPr>
+        <p:cNvPr id="1" name=""/>
+        <p:cNvGrpSpPr/>
+        <p:nvPr/>
+      </p:nvGrpSpPr>
+      <p:grpSpPr>
+        <a:xfrm>
+          <a:off x="0" y="0"/>
+          <a:ext cx="0" cy="0"/>
+          <a:chOff x="0" y="0"/>
+          <a:chExt cx="0" cy="0"/>
+        </a:xfrm>
+      </p:grpSpPr>
+      <p:sp>
+        <p:nvSpPr>
+          <p:cNvPr id="2" name="Title 1">
+            <a:extLst>
+              <a:ext uri="{FF2B5EF4-FFF2-40B4-BE49-F238E27FC236}">
+                <a16:creationId xmlns:a16="http://schemas.microsoft.com/office/drawing/2014/main" id="{F68FC8AE-FAD8-4A46-990D-D30F4C3D8628}"/>
+              </a:ext>
+            </a:extLst>
+          </p:cNvPr>
+          <p:cNvSpPr>
+            <a:spLocks noGrp="1"/>
+          </p:cNvSpPr>
+          <p:nvPr>
+            <p:ph type="title"/>
+          </p:nvPr>
+        </p:nvSpPr>
+        <p:spPr/>
+        <p:txBody>
+          <a:bodyPr/>
+          <a:lstStyle/>
+          <a:p>
+            <a:r>
+              <a:rPr lang="en-US" dirty="0" err="1"/>
+              <a:t>Zna</a:t>
+            </a:r>
+            <a:r>
+              <a:rPr lang="hr-HR" dirty="0" err="1"/>
+              <a:t>čajke</a:t>
+            </a:r>
+            <a:endParaRPr lang="en-US" dirty="0"/>
+          </a:p>
+        </p:txBody>
+      </p:sp>
+      <p:pic>
+        <p:nvPicPr>
+          <p:cNvPr id="8" name="Content Placeholder 7" descr="A picture containing screenshot&#10;&#10;Description generated with very high confidence">
+            <a:extLst>
+              <a:ext uri="{FF2B5EF4-FFF2-40B4-BE49-F238E27FC236}">
+                <a16:creationId xmlns:a16="http://schemas.microsoft.com/office/drawing/2014/main" id="{D6C27C89-9321-46FD-98CD-BB8B61947F31}"/>
+              </a:ext>
+            </a:extLst>
+          </p:cNvPr>
+          <p:cNvPicPr>
+            <a:picLocks noGrp="1" noChangeAspect="1"/>
+          </p:cNvPicPr>
+          <p:nvPr>
+            <p:ph idx="1"/>
+          </p:nvPr>
+        </p:nvPicPr>
+        <p:blipFill>
+          <a:blip r:embed="rId2">
+            <a:extLst>
+              <a:ext uri="{28A0092B-C50C-407E-A947-70E740481C1C}">
+                <a14:useLocalDpi xmlns:a14="http://schemas.microsoft.com/office/drawing/2010/main" val="0"/>
+              </a:ext>
+            </a:extLst>
+          </a:blip>
+          <a:stretch>
+            <a:fillRect/>
+          </a:stretch>
+        </p:blipFill>
+        <p:spPr>
+          <a:xfrm>
+            <a:off x="3232944" y="1825625"/>
+            <a:ext cx="4351338" cy="4351338"/>
+          </a:xfrm>
+        </p:spPr>
+      </p:pic>
+      <p:sp>
+        <p:nvSpPr>
+          <p:cNvPr id="5" name="Slide Number Placeholder 4">
+            <a:extLst>
+              <a:ext uri="{FF2B5EF4-FFF2-40B4-BE49-F238E27FC236}">
+                <a16:creationId xmlns:a16="http://schemas.microsoft.com/office/drawing/2014/main" id="{0B2D747E-D315-4B21-B3C5-00326E03159E}"/>
+              </a:ext>
+            </a:extLst>
+          </p:cNvPr>
+          <p:cNvSpPr>
+            <a:spLocks noGrp="1"/>
+          </p:cNvSpPr>
+          <p:nvPr>
+            <p:ph type="sldNum" sz="quarter" idx="12"/>
+          </p:nvPr>
+        </p:nvSpPr>
+        <p:spPr/>
+        <p:txBody>
+          <a:bodyPr/>
+          <a:lstStyle/>
+          <a:p>
+            <a:fld id="{398E2006-4605-47E0-9E9E-568C88B46C2C}" type="slidenum">
+              <a:rPr lang="en-US" smtClean="0"/>
+              <a:t>10</a:t>
+            </a:fld>
+            <a:r>
+              <a:rPr lang="hr-HR" dirty="0"/>
+              <a:t> /24</a:t>
+            </a:r>
+            <a:endParaRPr lang="en-US" dirty="0"/>
+          </a:p>
+        </p:txBody>
+      </p:sp>
+      <p:sp>
+        <p:nvSpPr>
+          <p:cNvPr id="3" name="Content Placeholder 2">
+            <a:extLst>
+              <a:ext uri="{FF2B5EF4-FFF2-40B4-BE49-F238E27FC236}">
+                <a16:creationId xmlns:a16="http://schemas.microsoft.com/office/drawing/2014/main" id="{91F92366-5E58-4A90-B381-C43B4EB0E0B6}"/>
+              </a:ext>
+            </a:extLst>
+          </p:cNvPr>
+          <p:cNvSpPr>
+            <a:spLocks noGrp="1"/>
+          </p:cNvSpPr>
+          <p:nvPr>
+            <p:ph sz="quarter" idx="16"/>
+          </p:nvPr>
+        </p:nvSpPr>
+        <p:spPr/>
+        <p:txBody>
+          <a:bodyPr/>
+          <a:lstStyle/>
+          <a:p>
+            <a:pPr>
+              <a:spcAft>
+                <a:spcPts val="600"/>
+              </a:spcAft>
+            </a:pPr>
+            <a:r>
+              <a:rPr lang="en-US" dirty="0" err="1"/>
+              <a:t>Uvod</a:t>
+            </a:r>
+            <a:endParaRPr lang="en-US" dirty="0"/>
+          </a:p>
+          <a:p>
+            <a:pPr>
+              <a:spcAft>
+                <a:spcPts val="600"/>
+              </a:spcAft>
+            </a:pPr>
+            <a:r>
+              <a:rPr lang="en-US" dirty="0" err="1"/>
+              <a:t>Detekcija</a:t>
+            </a:r>
+            <a:r>
+              <a:rPr lang="en-US" dirty="0"/>
+              <a:t> </a:t>
+            </a:r>
+            <a:r>
+              <a:rPr lang="en-US" dirty="0" err="1"/>
+              <a:t>tablice</a:t>
+            </a:r>
+            <a:endParaRPr lang="en-US" dirty="0"/>
+          </a:p>
+          <a:p>
+            <a:pPr>
+              <a:spcAft>
+                <a:spcPts val="600"/>
+              </a:spcAft>
+            </a:pPr>
+            <a:r>
+              <a:rPr lang="en-US" sz="1600" b="1" dirty="0" err="1"/>
+              <a:t>Zna</a:t>
+            </a:r>
+            <a:r>
+              <a:rPr lang="hr-HR" sz="1600" b="1" dirty="0" err="1"/>
+              <a:t>čajke</a:t>
+            </a:r>
+            <a:endParaRPr lang="hr-HR" sz="1600" b="1" dirty="0"/>
+          </a:p>
+          <a:p>
+            <a:pPr>
+              <a:spcAft>
+                <a:spcPts val="600"/>
+              </a:spcAft>
+            </a:pPr>
+            <a:r>
+              <a:rPr lang="hr-HR" dirty="0"/>
+              <a:t>Klasifikacija</a:t>
+            </a:r>
+          </a:p>
+          <a:p>
+            <a:pPr>
+              <a:spcAft>
+                <a:spcPts val="600"/>
+              </a:spcAft>
+            </a:pPr>
+            <a:r>
+              <a:rPr lang="hr-HR" dirty="0"/>
+              <a:t>Rekonstrukcija tablice</a:t>
+            </a:r>
+          </a:p>
+          <a:p>
+            <a:pPr>
+              <a:spcAft>
+                <a:spcPts val="600"/>
+              </a:spcAft>
+            </a:pPr>
+            <a:r>
+              <a:rPr lang="hr-HR" dirty="0"/>
+              <a:t>Usporedba rezultata</a:t>
+            </a:r>
+          </a:p>
+          <a:p>
+            <a:endParaRPr lang="en-US" dirty="0"/>
+          </a:p>
+          <a:p>
+            <a:endParaRPr lang="en-US" dirty="0"/>
+          </a:p>
+        </p:txBody>
+      </p:sp>
+    </p:spTree>
+    <p:extLst>
+      <p:ext uri="{BB962C8B-B14F-4D97-AF65-F5344CB8AC3E}">
+        <p14:creationId xmlns:p14="http://schemas.microsoft.com/office/powerpoint/2010/main" val="3444944612"/>
+      </p:ext>
+    </p:extLst>
+  </p:cSld>
+  <p:clrMapOvr>
+    <a:masterClrMapping/>
+  </p:clrMapOvr>
+  <p:transition>
+    <p:fade/>
+  </p:transition>
+</p:sld>
+</file>
+
+<file path=ppt/slides/slide11.xml><?xml version="1.0" encoding="utf-8"?>
+<p:sld xmlns:a="http://schemas.openxmlformats.org/drawingml/2006/main" xmlns:r="http://schemas.openxmlformats.org/officeDocument/2006/relationships" xmlns:p="http://schemas.openxmlformats.org/presentationml/2006/main">
+  <p:cSld>
+    <p:spTree>
+      <p:nvGrpSpPr>
+        <p:cNvPr id="1" name=""/>
+        <p:cNvGrpSpPr/>
+        <p:nvPr/>
+      </p:nvGrpSpPr>
+      <p:grpSpPr>
+        <a:xfrm>
+          <a:off x="0" y="0"/>
+          <a:ext cx="0" cy="0"/>
+          <a:chOff x="0" y="0"/>
+          <a:chExt cx="0" cy="0"/>
+        </a:xfrm>
+      </p:grpSpPr>
+      <p:sp>
+        <p:nvSpPr>
+          <p:cNvPr id="2" name="Title 1">
+            <a:extLst>
+              <a:ext uri="{FF2B5EF4-FFF2-40B4-BE49-F238E27FC236}">
+                <a16:creationId xmlns:a16="http://schemas.microsoft.com/office/drawing/2014/main" id="{DB0F8823-BBC1-4462-8354-5D15EB8A8A51}"/>
+              </a:ext>
+            </a:extLst>
+          </p:cNvPr>
+          <p:cNvSpPr>
+            <a:spLocks noGrp="1"/>
+          </p:cNvSpPr>
+          <p:nvPr>
+            <p:ph type="title"/>
+          </p:nvPr>
+        </p:nvSpPr>
+        <p:spPr/>
+        <p:txBody>
+          <a:bodyPr/>
+          <a:lstStyle/>
+          <a:p>
+            <a:r>
+              <a:rPr lang="hr-HR" dirty="0"/>
+              <a:t>Značajke</a:t>
+            </a:r>
+            <a:endParaRPr lang="en-US" dirty="0"/>
+          </a:p>
+        </p:txBody>
+      </p:sp>
+      <p:pic>
+        <p:nvPicPr>
+          <p:cNvPr id="6" name="Content Placeholder 5" descr="A screenshot of a cell phone&#10;&#10;Description generated with high confidence">
+            <a:extLst>
+              <a:ext uri="{FF2B5EF4-FFF2-40B4-BE49-F238E27FC236}">
+                <a16:creationId xmlns:a16="http://schemas.microsoft.com/office/drawing/2014/main" id="{30A096DD-C091-44F9-8345-E87F587EA5B8}"/>
+              </a:ext>
+            </a:extLst>
+          </p:cNvPr>
+          <p:cNvPicPr>
+            <a:picLocks noGrp="1" noChangeAspect="1"/>
+          </p:cNvPicPr>
+          <p:nvPr>
+            <p:ph sz="half" idx="1"/>
+          </p:nvPr>
+        </p:nvPicPr>
+        <p:blipFill>
+          <a:blip r:embed="rId2">
+            <a:extLst>
+              <a:ext uri="{28A0092B-C50C-407E-A947-70E740481C1C}">
+                <a14:useLocalDpi xmlns:a14="http://schemas.microsoft.com/office/drawing/2010/main" val="0"/>
+              </a:ext>
+            </a:extLst>
+          </a:blip>
+          <a:stretch>
+            <a:fillRect/>
+          </a:stretch>
+        </p:blipFill>
+        <p:spPr>
+          <a:xfrm>
+            <a:off x="2784475" y="3144044"/>
+            <a:ext cx="1714500" cy="1714500"/>
+          </a:xfrm>
+        </p:spPr>
+      </p:pic>
+      <p:pic>
+        <p:nvPicPr>
+          <p:cNvPr id="9" name="Content Placeholder 8" descr="A picture containing clipart&#10;&#10;Description generated with high confidence">
+            <a:extLst>
+              <a:ext uri="{FF2B5EF4-FFF2-40B4-BE49-F238E27FC236}">
+                <a16:creationId xmlns:a16="http://schemas.microsoft.com/office/drawing/2014/main" id="{3401E8C4-CD26-41D6-996F-7D7B4FD87A2B}"/>
+              </a:ext>
+            </a:extLst>
+          </p:cNvPr>
+          <p:cNvPicPr>
+            <a:picLocks noGrp="1" noChangeAspect="1"/>
+          </p:cNvPicPr>
+          <p:nvPr>
+            <p:ph sz="half" idx="2"/>
+          </p:nvPr>
+        </p:nvPicPr>
+        <p:blipFill>
+          <a:blip r:embed="rId3">
+            <a:extLst>
+              <a:ext uri="{28A0092B-C50C-407E-A947-70E740481C1C}">
+                <a14:useLocalDpi xmlns:a14="http://schemas.microsoft.com/office/drawing/2010/main" val="0"/>
+              </a:ext>
+            </a:extLst>
+          </a:blip>
+          <a:stretch>
+            <a:fillRect/>
+          </a:stretch>
+        </p:blipFill>
+        <p:spPr>
+          <a:xfrm>
+            <a:off x="6317456" y="3144044"/>
+            <a:ext cx="1714500" cy="1714500"/>
+          </a:xfrm>
+        </p:spPr>
+      </p:pic>
+      <p:sp>
+        <p:nvSpPr>
+          <p:cNvPr id="4" name="Slide Number Placeholder 3">
+            <a:extLst>
+              <a:ext uri="{FF2B5EF4-FFF2-40B4-BE49-F238E27FC236}">
+                <a16:creationId xmlns:a16="http://schemas.microsoft.com/office/drawing/2014/main" id="{77865586-8327-418C-8846-5D2AFAA7565F}"/>
+              </a:ext>
+            </a:extLst>
+          </p:cNvPr>
+          <p:cNvSpPr>
+            <a:spLocks noGrp="1"/>
+          </p:cNvSpPr>
+          <p:nvPr>
+            <p:ph type="sldNum" sz="quarter" idx="12"/>
+          </p:nvPr>
+        </p:nvSpPr>
+        <p:spPr/>
+        <p:txBody>
+          <a:bodyPr/>
+          <a:lstStyle/>
+          <a:p>
+            <a:fld id="{866E3E7E-7125-49CF-9242-D036CBAD6528}" type="slidenum">
+              <a:rPr lang="en-US" sz="1600" smtClean="0"/>
+              <a:pPr/>
+              <a:t>11</a:t>
+            </a:fld>
+            <a:r>
+              <a:rPr lang="hr-HR" sz="1600" dirty="0"/>
+              <a:t> /24</a:t>
+            </a:r>
+            <a:endParaRPr lang="en-US" sz="1600" dirty="0"/>
+          </a:p>
+        </p:txBody>
+      </p:sp>
+      <p:sp>
+        <p:nvSpPr>
+          <p:cNvPr id="3" name="Content Placeholder 2">
+            <a:extLst>
+              <a:ext uri="{FF2B5EF4-FFF2-40B4-BE49-F238E27FC236}">
+                <a16:creationId xmlns:a16="http://schemas.microsoft.com/office/drawing/2014/main" id="{51E1C80B-7848-4A9A-A373-B470FF2A67DA}"/>
+              </a:ext>
+            </a:extLst>
+          </p:cNvPr>
+          <p:cNvSpPr>
+            <a:spLocks noGrp="1"/>
+          </p:cNvSpPr>
+          <p:nvPr>
+            <p:ph sz="quarter" idx="16"/>
+          </p:nvPr>
+        </p:nvSpPr>
+        <p:spPr/>
+        <p:txBody>
+          <a:bodyPr/>
+          <a:lstStyle/>
+          <a:p>
+            <a:pPr>
+              <a:spcAft>
+                <a:spcPts val="600"/>
+              </a:spcAft>
+            </a:pPr>
+            <a:r>
+              <a:rPr lang="en-US" dirty="0" err="1"/>
+              <a:t>Uvod</a:t>
+            </a:r>
+            <a:endParaRPr lang="en-US" dirty="0"/>
+          </a:p>
+          <a:p>
+            <a:pPr>
+              <a:spcAft>
+                <a:spcPts val="600"/>
+              </a:spcAft>
+            </a:pPr>
+            <a:r>
+              <a:rPr lang="en-US" dirty="0" err="1"/>
+              <a:t>Detekcija</a:t>
+            </a:r>
+            <a:r>
+              <a:rPr lang="en-US" dirty="0"/>
+              <a:t> </a:t>
+            </a:r>
+            <a:r>
+              <a:rPr lang="en-US" dirty="0" err="1"/>
+              <a:t>tablice</a:t>
+            </a:r>
+            <a:endParaRPr lang="en-US" dirty="0"/>
+          </a:p>
+          <a:p>
+            <a:pPr>
+              <a:spcAft>
+                <a:spcPts val="600"/>
+              </a:spcAft>
+            </a:pPr>
+            <a:r>
+              <a:rPr lang="en-US" sz="1600" b="1" dirty="0" err="1"/>
+              <a:t>Zna</a:t>
+            </a:r>
+            <a:r>
+              <a:rPr lang="hr-HR" sz="1600" b="1" dirty="0" err="1"/>
+              <a:t>čajke</a:t>
+            </a:r>
+            <a:endParaRPr lang="hr-HR" sz="1600" b="1" dirty="0"/>
+          </a:p>
+          <a:p>
+            <a:pPr>
+              <a:spcAft>
+                <a:spcPts val="600"/>
+              </a:spcAft>
+            </a:pPr>
+            <a:r>
+              <a:rPr lang="hr-HR" dirty="0"/>
+              <a:t>Klasifikacija</a:t>
+            </a:r>
+          </a:p>
+          <a:p>
+            <a:pPr>
+              <a:spcAft>
+                <a:spcPts val="600"/>
+              </a:spcAft>
+            </a:pPr>
+            <a:r>
+              <a:rPr lang="hr-HR" dirty="0"/>
+              <a:t>Rekonstrukcija tablice</a:t>
+            </a:r>
+          </a:p>
+          <a:p>
+            <a:pPr>
+              <a:spcAft>
+                <a:spcPts val="600"/>
+              </a:spcAft>
+            </a:pPr>
+            <a:r>
+              <a:rPr lang="hr-HR" dirty="0"/>
+              <a:t>Usporedba rezultata</a:t>
+            </a:r>
+          </a:p>
+          <a:p>
+            <a:endParaRPr lang="en-US" dirty="0"/>
+          </a:p>
+          <a:p>
+            <a:endParaRPr lang="en-US" dirty="0"/>
+          </a:p>
+        </p:txBody>
+      </p:sp>
+    </p:spTree>
+    <p:extLst>
+      <p:ext uri="{BB962C8B-B14F-4D97-AF65-F5344CB8AC3E}">
+        <p14:creationId xmlns:p14="http://schemas.microsoft.com/office/powerpoint/2010/main" val="1497902784"/>
+      </p:ext>
+    </p:extLst>
+  </p:cSld>
+  <p:clrMapOvr>
+    <a:masterClrMapping/>
+  </p:clrMapOvr>
+  <p:transition>
+    <p:fade/>
+  </p:transition>
+</p:sld>
+</file>
+
+<file path=ppt/slides/slide12.xml><?xml version="1.0" encoding="utf-8"?>
+<p:sld xmlns:a="http://schemas.openxmlformats.org/drawingml/2006/main" xmlns:r="http://schemas.openxmlformats.org/officeDocument/2006/relationships" xmlns:p="http://schemas.openxmlformats.org/presentationml/2006/main">
+  <p:cSld>
+    <p:spTree>
+      <p:nvGrpSpPr>
+        <p:cNvPr id="1" name=""/>
+        <p:cNvGrpSpPr/>
+        <p:nvPr/>
+      </p:nvGrpSpPr>
+      <p:grpSpPr>
+        <a:xfrm>
+          <a:off x="0" y="0"/>
+          <a:ext cx="0" cy="0"/>
+          <a:chOff x="0" y="0"/>
+          <a:chExt cx="0" cy="0"/>
+        </a:xfrm>
+      </p:grpSpPr>
+      <p:sp>
+        <p:nvSpPr>
+          <p:cNvPr id="6" name="Title 5">
+            <a:extLst>
+              <a:ext uri="{FF2B5EF4-FFF2-40B4-BE49-F238E27FC236}">
+                <a16:creationId xmlns:a16="http://schemas.microsoft.com/office/drawing/2014/main" id="{4FE84CDD-634F-48EE-921A-F5C7E4F7125F}"/>
+              </a:ext>
+            </a:extLst>
+          </p:cNvPr>
+          <p:cNvSpPr>
+            <a:spLocks noGrp="1"/>
+          </p:cNvSpPr>
+          <p:nvPr>
+            <p:ph type="title"/>
+          </p:nvPr>
+        </p:nvSpPr>
+        <p:spPr/>
+        <p:txBody>
+          <a:bodyPr/>
+          <a:lstStyle/>
+          <a:p>
+            <a:r>
+              <a:rPr lang="hr-HR" dirty="0"/>
+              <a:t>Neuronska mreža</a:t>
+            </a:r>
+            <a:endParaRPr lang="en-US" dirty="0"/>
+          </a:p>
+        </p:txBody>
+      </p:sp>
+      <p:pic>
+        <p:nvPicPr>
+          <p:cNvPr id="9" name="Content Placeholder 8">
+            <a:extLst>
+              <a:ext uri="{FF2B5EF4-FFF2-40B4-BE49-F238E27FC236}">
+                <a16:creationId xmlns:a16="http://schemas.microsoft.com/office/drawing/2014/main" id="{0B97B82F-9687-4B3C-BBE8-01075B14ECB1}"/>
+              </a:ext>
+            </a:extLst>
+          </p:cNvPr>
+          <p:cNvPicPr>
+            <a:picLocks noGrp="1" noChangeAspect="1"/>
+          </p:cNvPicPr>
+          <p:nvPr>
+            <p:ph idx="1"/>
+          </p:nvPr>
+        </p:nvPicPr>
+        <p:blipFill>
+          <a:blip r:embed="rId2">
+            <a:extLst>
+              <a:ext uri="{28A0092B-C50C-407E-A947-70E740481C1C}">
+                <a14:useLocalDpi xmlns:a14="http://schemas.microsoft.com/office/drawing/2010/main" val="0"/>
+              </a:ext>
+            </a:extLst>
+          </a:blip>
+          <a:stretch>
+            <a:fillRect/>
+          </a:stretch>
+        </p:blipFill>
+        <p:spPr>
+          <a:xfrm>
+            <a:off x="1973263" y="2265870"/>
+            <a:ext cx="6870700" cy="3470847"/>
+          </a:xfrm>
+        </p:spPr>
+      </p:pic>
+      <p:sp>
+        <p:nvSpPr>
+          <p:cNvPr id="5" name="Slide Number Placeholder 4">
+            <a:extLst>
+              <a:ext uri="{FF2B5EF4-FFF2-40B4-BE49-F238E27FC236}">
+                <a16:creationId xmlns:a16="http://schemas.microsoft.com/office/drawing/2014/main" id="{C9286C51-F51D-45B6-BB35-78FEF4937AE3}"/>
+              </a:ext>
+            </a:extLst>
+          </p:cNvPr>
+          <p:cNvSpPr>
+            <a:spLocks noGrp="1"/>
+          </p:cNvSpPr>
+          <p:nvPr>
+            <p:ph type="sldNum" sz="quarter" idx="12"/>
+          </p:nvPr>
+        </p:nvSpPr>
+        <p:spPr/>
+        <p:txBody>
+          <a:bodyPr/>
+          <a:lstStyle/>
+          <a:p>
+            <a:fld id="{398E2006-4605-47E0-9E9E-568C88B46C2C}" type="slidenum">
+              <a:rPr lang="en-US" smtClean="0"/>
+              <a:t>12</a:t>
+            </a:fld>
+            <a:r>
+              <a:rPr lang="hr-HR" dirty="0"/>
+              <a:t> /24</a:t>
+            </a:r>
+            <a:endParaRPr lang="en-US" dirty="0"/>
+          </a:p>
+        </p:txBody>
+      </p:sp>
+      <p:sp>
+        <p:nvSpPr>
+          <p:cNvPr id="2" name="Content Placeholder 1">
+            <a:extLst>
+              <a:ext uri="{FF2B5EF4-FFF2-40B4-BE49-F238E27FC236}">
+                <a16:creationId xmlns:a16="http://schemas.microsoft.com/office/drawing/2014/main" id="{CEC35D7A-E780-419A-9178-224A36F41D28}"/>
+              </a:ext>
+            </a:extLst>
+          </p:cNvPr>
+          <p:cNvSpPr>
+            <a:spLocks noGrp="1"/>
+          </p:cNvSpPr>
+          <p:nvPr>
+            <p:ph sz="quarter" idx="16"/>
+          </p:nvPr>
+        </p:nvSpPr>
+        <p:spPr/>
+        <p:txBody>
+          <a:bodyPr/>
+          <a:lstStyle/>
+          <a:p>
+            <a:pPr>
+              <a:spcAft>
+                <a:spcPts val="600"/>
+              </a:spcAft>
+            </a:pPr>
+            <a:r>
+              <a:rPr lang="en-US" dirty="0" err="1"/>
+              <a:t>Uvod</a:t>
+            </a:r>
+            <a:endParaRPr lang="en-US" dirty="0"/>
+          </a:p>
+          <a:p>
+            <a:pPr>
+              <a:spcAft>
+                <a:spcPts val="600"/>
+              </a:spcAft>
+            </a:pPr>
+            <a:r>
+              <a:rPr lang="en-US" dirty="0" err="1"/>
+              <a:t>Detekcija</a:t>
+            </a:r>
+            <a:r>
+              <a:rPr lang="en-US" dirty="0"/>
+              <a:t> </a:t>
+            </a:r>
+            <a:r>
+              <a:rPr lang="en-US" dirty="0" err="1"/>
+              <a:t>tablice</a:t>
+            </a:r>
+            <a:endParaRPr lang="en-US" dirty="0"/>
+          </a:p>
+          <a:p>
+            <a:pPr>
+              <a:spcAft>
+                <a:spcPts val="600"/>
+              </a:spcAft>
+            </a:pPr>
+            <a:r>
+              <a:rPr lang="en-US" dirty="0" err="1"/>
+              <a:t>Zna</a:t>
+            </a:r>
+            <a:r>
+              <a:rPr lang="hr-HR" dirty="0" err="1"/>
+              <a:t>čajke</a:t>
+            </a:r>
+            <a:endParaRPr lang="hr-HR" dirty="0"/>
+          </a:p>
+          <a:p>
+            <a:pPr>
+              <a:spcAft>
+                <a:spcPts val="600"/>
+              </a:spcAft>
+            </a:pPr>
+            <a:r>
+              <a:rPr lang="hr-HR" sz="1600" b="1" dirty="0"/>
+              <a:t>Klasifikacija</a:t>
+            </a:r>
+          </a:p>
+          <a:p>
+            <a:pPr>
+              <a:spcAft>
+                <a:spcPts val="600"/>
+              </a:spcAft>
+            </a:pPr>
+            <a:r>
+              <a:rPr lang="hr-HR" dirty="0"/>
+              <a:t>Rekonstrukcija tablice</a:t>
+            </a:r>
+          </a:p>
+          <a:p>
+            <a:pPr>
+              <a:spcAft>
+                <a:spcPts val="600"/>
+              </a:spcAft>
+            </a:pPr>
+            <a:r>
+              <a:rPr lang="hr-HR" dirty="0"/>
+              <a:t>Usporedba rezultata</a:t>
+            </a:r>
+          </a:p>
+          <a:p>
+            <a:endParaRPr lang="en-US" dirty="0"/>
+          </a:p>
+          <a:p>
+            <a:endParaRPr lang="en-US" dirty="0"/>
+          </a:p>
+        </p:txBody>
+      </p:sp>
+    </p:spTree>
+    <p:extLst>
+      <p:ext uri="{BB962C8B-B14F-4D97-AF65-F5344CB8AC3E}">
+        <p14:creationId xmlns:p14="http://schemas.microsoft.com/office/powerpoint/2010/main" val="3358277502"/>
+      </p:ext>
+    </p:extLst>
+  </p:cSld>
+  <p:clrMapOvr>
+    <a:masterClrMapping/>
+  </p:clrMapOvr>
+  <p:transition>
+    <p:fade/>
+  </p:transition>
+</p:sld>
+</file>
+
+<file path=ppt/slides/slide13.xml><?xml version="1.0" encoding="utf-8"?>
+<p:sld xmlns:a="http://schemas.openxmlformats.org/drawingml/2006/main" xmlns:r="http://schemas.openxmlformats.org/officeDocument/2006/relationships" xmlns:p="http://schemas.openxmlformats.org/presentationml/2006/main">
+  <p:cSld>
+    <p:spTree>
+      <p:nvGrpSpPr>
+        <p:cNvPr id="1" name=""/>
+        <p:cNvGrpSpPr/>
+        <p:nvPr/>
+      </p:nvGrpSpPr>
+      <p:grpSpPr>
+        <a:xfrm>
+          <a:off x="0" y="0"/>
+          <a:ext cx="0" cy="0"/>
+          <a:chOff x="0" y="0"/>
+          <a:chExt cx="0" cy="0"/>
+        </a:xfrm>
+      </p:grpSpPr>
+      <p:sp>
+        <p:nvSpPr>
+          <p:cNvPr id="6" name="Title 5">
+            <a:extLst>
+              <a:ext uri="{FF2B5EF4-FFF2-40B4-BE49-F238E27FC236}">
+                <a16:creationId xmlns:a16="http://schemas.microsoft.com/office/drawing/2014/main" id="{4FE84CDD-634F-48EE-921A-F5C7E4F7125F}"/>
+              </a:ext>
+            </a:extLst>
+          </p:cNvPr>
+          <p:cNvSpPr>
+            <a:spLocks noGrp="1"/>
+          </p:cNvSpPr>
+          <p:nvPr>
+            <p:ph type="title"/>
+          </p:nvPr>
+        </p:nvSpPr>
+        <p:spPr/>
+        <p:txBody>
+          <a:bodyPr/>
+          <a:lstStyle/>
+          <a:p>
+            <a:r>
+              <a:rPr lang="hr-HR" dirty="0"/>
+              <a:t>Neuronska mreža</a:t>
+            </a:r>
+            <a:endParaRPr lang="en-US" dirty="0"/>
+          </a:p>
+        </p:txBody>
+      </p:sp>
+      <p:pic>
+        <p:nvPicPr>
+          <p:cNvPr id="7" name="Content Placeholder 6">
+            <a:extLst>
+              <a:ext uri="{FF2B5EF4-FFF2-40B4-BE49-F238E27FC236}">
+                <a16:creationId xmlns:a16="http://schemas.microsoft.com/office/drawing/2014/main" id="{F15E954E-94D1-4638-8050-655EDADE806C}"/>
+              </a:ext>
+            </a:extLst>
+          </p:cNvPr>
+          <p:cNvPicPr>
+            <a:picLocks noGrp="1" noChangeAspect="1"/>
+          </p:cNvPicPr>
+          <p:nvPr>
+            <p:ph idx="1"/>
+          </p:nvPr>
+        </p:nvPicPr>
+        <p:blipFill>
+          <a:blip r:embed="rId2">
+            <a:extLst>
+              <a:ext uri="{28A0092B-C50C-407E-A947-70E740481C1C}">
+                <a14:useLocalDpi xmlns:a14="http://schemas.microsoft.com/office/drawing/2010/main" val="0"/>
+              </a:ext>
+            </a:extLst>
+          </a:blip>
+          <a:stretch>
+            <a:fillRect/>
+          </a:stretch>
+        </p:blipFill>
+        <p:spPr>
+          <a:xfrm>
+            <a:off x="2736477" y="2315133"/>
+            <a:ext cx="5344271" cy="3372321"/>
+          </a:xfrm>
+        </p:spPr>
+      </p:pic>
+      <p:sp>
+        <p:nvSpPr>
+          <p:cNvPr id="5" name="Slide Number Placeholder 4">
+            <a:extLst>
+              <a:ext uri="{FF2B5EF4-FFF2-40B4-BE49-F238E27FC236}">
+                <a16:creationId xmlns:a16="http://schemas.microsoft.com/office/drawing/2014/main" id="{C9286C51-F51D-45B6-BB35-78FEF4937AE3}"/>
+              </a:ext>
+            </a:extLst>
+          </p:cNvPr>
+          <p:cNvSpPr>
+            <a:spLocks noGrp="1"/>
+          </p:cNvSpPr>
+          <p:nvPr>
+            <p:ph type="sldNum" sz="quarter" idx="12"/>
+          </p:nvPr>
+        </p:nvSpPr>
+        <p:spPr/>
+        <p:txBody>
+          <a:bodyPr/>
+          <a:lstStyle/>
+          <a:p>
+            <a:fld id="{398E2006-4605-47E0-9E9E-568C88B46C2C}" type="slidenum">
+              <a:rPr lang="en-US" smtClean="0"/>
+              <a:t>13</a:t>
+            </a:fld>
+            <a:r>
+              <a:rPr lang="hr-HR" dirty="0"/>
+              <a:t> /24</a:t>
+            </a:r>
+            <a:endParaRPr lang="en-US" dirty="0"/>
+          </a:p>
+        </p:txBody>
+      </p:sp>
+      <p:sp>
+        <p:nvSpPr>
+          <p:cNvPr id="2" name="Content Placeholder 1">
+            <a:extLst>
+              <a:ext uri="{FF2B5EF4-FFF2-40B4-BE49-F238E27FC236}">
+                <a16:creationId xmlns:a16="http://schemas.microsoft.com/office/drawing/2014/main" id="{90D53F58-FCB2-49EF-ABCA-AFA633A0463D}"/>
+              </a:ext>
+            </a:extLst>
+          </p:cNvPr>
+          <p:cNvSpPr>
+            <a:spLocks noGrp="1"/>
+          </p:cNvSpPr>
+          <p:nvPr>
+            <p:ph sz="quarter" idx="16"/>
+          </p:nvPr>
+        </p:nvSpPr>
+        <p:spPr/>
+        <p:txBody>
+          <a:bodyPr/>
+          <a:lstStyle/>
+          <a:p>
+            <a:pPr>
+              <a:spcAft>
+                <a:spcPts val="600"/>
+              </a:spcAft>
+            </a:pPr>
+            <a:r>
+              <a:rPr lang="en-US" dirty="0" err="1"/>
+              <a:t>Uvod</a:t>
+            </a:r>
+            <a:endParaRPr lang="en-US" dirty="0"/>
+          </a:p>
+          <a:p>
+            <a:pPr>
+              <a:spcAft>
+                <a:spcPts val="600"/>
+              </a:spcAft>
+            </a:pPr>
+            <a:r>
+              <a:rPr lang="en-US" dirty="0" err="1"/>
+              <a:t>Detekcija</a:t>
+            </a:r>
+            <a:r>
+              <a:rPr lang="en-US" dirty="0"/>
+              <a:t> </a:t>
+            </a:r>
+            <a:r>
+              <a:rPr lang="en-US" dirty="0" err="1"/>
+              <a:t>tablice</a:t>
+            </a:r>
+            <a:endParaRPr lang="en-US" dirty="0"/>
+          </a:p>
+          <a:p>
+            <a:pPr>
+              <a:spcAft>
+                <a:spcPts val="600"/>
+              </a:spcAft>
+            </a:pPr>
+            <a:r>
+              <a:rPr lang="en-US" dirty="0" err="1"/>
+              <a:t>Zna</a:t>
+            </a:r>
+            <a:r>
+              <a:rPr lang="hr-HR" dirty="0" err="1"/>
+              <a:t>čajke</a:t>
+            </a:r>
+            <a:endParaRPr lang="hr-HR" dirty="0"/>
+          </a:p>
+          <a:p>
+            <a:pPr>
+              <a:spcAft>
+                <a:spcPts val="600"/>
+              </a:spcAft>
+            </a:pPr>
+            <a:r>
+              <a:rPr lang="hr-HR" sz="1600" b="1" dirty="0"/>
+              <a:t>Klasifikacija</a:t>
+            </a:r>
+          </a:p>
+          <a:p>
+            <a:pPr>
+              <a:spcAft>
+                <a:spcPts val="600"/>
+              </a:spcAft>
+            </a:pPr>
+            <a:r>
+              <a:rPr lang="hr-HR" dirty="0"/>
+              <a:t>Rekonstrukcija tablice</a:t>
+            </a:r>
+          </a:p>
+          <a:p>
+            <a:pPr>
+              <a:spcAft>
+                <a:spcPts val="600"/>
+              </a:spcAft>
+            </a:pPr>
+            <a:r>
+              <a:rPr lang="hr-HR" dirty="0"/>
+              <a:t>Usporedba rezultata</a:t>
+            </a:r>
+          </a:p>
+          <a:p>
+            <a:endParaRPr lang="en-US" dirty="0"/>
+          </a:p>
+          <a:p>
+            <a:endParaRPr lang="en-US" dirty="0"/>
+          </a:p>
+        </p:txBody>
+      </p:sp>
+    </p:spTree>
+    <p:extLst>
+      <p:ext uri="{BB962C8B-B14F-4D97-AF65-F5344CB8AC3E}">
+        <p14:creationId xmlns:p14="http://schemas.microsoft.com/office/powerpoint/2010/main" val="149447776"/>
+      </p:ext>
+    </p:extLst>
+  </p:cSld>
+  <p:clrMapOvr>
+    <a:masterClrMapping/>
+  </p:clrMapOvr>
+  <p:transition>
+    <p:fade/>
+  </p:transition>
+</p:sld>
+</file>
+
+<file path=ppt/slides/slide14.xml><?xml version="1.0" encoding="utf-8"?>
+<p:sld xmlns:a="http://schemas.openxmlformats.org/drawingml/2006/main" xmlns:r="http://schemas.openxmlformats.org/officeDocument/2006/relationships" xmlns:p="http://schemas.openxmlformats.org/presentationml/2006/main">
+  <p:cSld>
+    <p:spTree>
+      <p:nvGrpSpPr>
+        <p:cNvPr id="1" name=""/>
+        <p:cNvGrpSpPr/>
+        <p:nvPr/>
+      </p:nvGrpSpPr>
+      <p:grpSpPr>
+        <a:xfrm>
+          <a:off x="0" y="0"/>
+          <a:ext cx="0" cy="0"/>
+          <a:chOff x="0" y="0"/>
+          <a:chExt cx="0" cy="0"/>
+        </a:xfrm>
+      </p:grpSpPr>
+      <p:sp>
+        <p:nvSpPr>
+          <p:cNvPr id="2" name="Title 1">
+            <a:extLst>
+              <a:ext uri="{FF2B5EF4-FFF2-40B4-BE49-F238E27FC236}">
+                <a16:creationId xmlns:a16="http://schemas.microsoft.com/office/drawing/2014/main" id="{BD5EF981-DC50-4904-960E-2DA7E8A06A14}"/>
+              </a:ext>
+            </a:extLst>
+          </p:cNvPr>
+          <p:cNvSpPr>
+            <a:spLocks noGrp="1"/>
+          </p:cNvSpPr>
+          <p:nvPr>
+            <p:ph type="title"/>
+          </p:nvPr>
+        </p:nvSpPr>
+        <p:spPr/>
+        <p:txBody>
+          <a:bodyPr/>
+          <a:lstStyle/>
+          <a:p>
+            <a:r>
+              <a:rPr lang="hr-HR" dirty="0"/>
+              <a:t>Algoritam </a:t>
+            </a:r>
+            <a:r>
+              <a:rPr lang="hr-HR" dirty="0" err="1"/>
+              <a:t>AdaBoost</a:t>
+            </a:r>
+            <a:endParaRPr lang="en-US" dirty="0"/>
+          </a:p>
+        </p:txBody>
+      </p:sp>
+      <p:sp>
+        <p:nvSpPr>
+          <p:cNvPr id="3" name="Content Placeholder 2">
+            <a:extLst>
+              <a:ext uri="{FF2B5EF4-FFF2-40B4-BE49-F238E27FC236}">
+                <a16:creationId xmlns:a16="http://schemas.microsoft.com/office/drawing/2014/main" id="{075E20CE-C24C-4CF1-9BB0-5B4F9EFF92C7}"/>
+              </a:ext>
+            </a:extLst>
+          </p:cNvPr>
+          <p:cNvSpPr>
+            <a:spLocks noGrp="1"/>
+          </p:cNvSpPr>
+          <p:nvPr>
+            <p:ph idx="1"/>
+          </p:nvPr>
+        </p:nvSpPr>
+        <p:spPr/>
+        <p:txBody>
+          <a:bodyPr/>
+          <a:lstStyle/>
+          <a:p>
+            <a:r>
+              <a:rPr lang="en-US" dirty="0" err="1"/>
+              <a:t>Razlikuje</a:t>
+            </a:r>
+            <a:r>
+              <a:rPr lang="en-US" dirty="0"/>
+              <a:t> </a:t>
+            </a:r>
+            <a:r>
+              <a:rPr lang="en-US" dirty="0" err="1"/>
+              <a:t>slabi</a:t>
+            </a:r>
+            <a:r>
+              <a:rPr lang="en-US" dirty="0"/>
+              <a:t> </a:t>
+            </a:r>
+            <a:r>
+              <a:rPr lang="en-US" dirty="0" err="1"/>
+              <a:t>i</a:t>
+            </a:r>
+            <a:r>
+              <a:rPr lang="en-US" dirty="0"/>
+              <a:t> </a:t>
+            </a:r>
+            <a:r>
+              <a:rPr lang="en-US" dirty="0" err="1"/>
+              <a:t>jaki</a:t>
+            </a:r>
+            <a:r>
+              <a:rPr lang="en-US" dirty="0"/>
+              <a:t> </a:t>
+            </a:r>
+            <a:r>
+              <a:rPr lang="en-US" dirty="0" err="1"/>
+              <a:t>klasifikator</a:t>
+            </a:r>
+            <a:r>
+              <a:rPr lang="en-US" dirty="0"/>
+              <a:t>.</a:t>
+            </a:r>
+          </a:p>
+          <a:p>
+            <a:r>
+              <a:rPr lang="en-US" dirty="0" err="1"/>
+              <a:t>Cilj</a:t>
+            </a:r>
+            <a:r>
+              <a:rPr lang="en-US" dirty="0"/>
+              <a:t> </a:t>
+            </a:r>
+            <a:r>
+              <a:rPr lang="en-US" dirty="0" err="1"/>
+              <a:t>je</a:t>
+            </a:r>
+            <a:r>
+              <a:rPr lang="en-US" dirty="0"/>
+              <a:t> </a:t>
+            </a:r>
+            <a:r>
+              <a:rPr lang="en-US" dirty="0" err="1"/>
+              <a:t>izgraditi</a:t>
+            </a:r>
+            <a:r>
+              <a:rPr lang="en-US" dirty="0"/>
+              <a:t> </a:t>
+            </a:r>
+            <a:r>
+              <a:rPr lang="en-US" dirty="0" err="1"/>
+              <a:t>jaki</a:t>
+            </a:r>
+            <a:r>
+              <a:rPr lang="en-US" dirty="0"/>
+              <a:t> </a:t>
+            </a:r>
+            <a:r>
+              <a:rPr lang="en-US" dirty="0" err="1"/>
+              <a:t>klasifikator</a:t>
+            </a:r>
+            <a:r>
+              <a:rPr lang="en-US" dirty="0"/>
+              <a:t> </a:t>
+            </a:r>
+            <a:r>
+              <a:rPr lang="en-US" dirty="0" err="1"/>
+              <a:t>kori</a:t>
+            </a:r>
+            <a:r>
+              <a:rPr lang="hr-HR" dirty="0" err="1"/>
+              <a:t>štenjem</a:t>
+            </a:r>
+            <a:r>
+              <a:rPr lang="hr-HR" dirty="0"/>
+              <a:t> više slabih </a:t>
+            </a:r>
+            <a:r>
+              <a:rPr lang="hr-HR" dirty="0" err="1"/>
+              <a:t>klasifikatora</a:t>
+            </a:r>
+            <a:r>
+              <a:rPr lang="hr-HR" dirty="0"/>
+              <a:t>.</a:t>
+            </a:r>
+          </a:p>
+          <a:p>
+            <a:r>
+              <a:rPr lang="hr-HR" dirty="0"/>
+              <a:t>Svaki slabi </a:t>
+            </a:r>
+            <a:r>
+              <a:rPr lang="hr-HR" dirty="0" err="1"/>
+              <a:t>klasifikator</a:t>
+            </a:r>
+            <a:r>
+              <a:rPr lang="hr-HR" dirty="0"/>
+              <a:t> doprinosi ovisno o ukupnoj grešci.</a:t>
+            </a:r>
+            <a:endParaRPr lang="en-US" dirty="0"/>
+          </a:p>
+        </p:txBody>
+      </p:sp>
+      <p:sp>
+        <p:nvSpPr>
+          <p:cNvPr id="4" name="Slide Number Placeholder 3">
+            <a:extLst>
+              <a:ext uri="{FF2B5EF4-FFF2-40B4-BE49-F238E27FC236}">
+                <a16:creationId xmlns:a16="http://schemas.microsoft.com/office/drawing/2014/main" id="{43A55F56-B491-4AB2-87CA-ACA16AEB594A}"/>
+              </a:ext>
+            </a:extLst>
+          </p:cNvPr>
+          <p:cNvSpPr>
+            <a:spLocks noGrp="1"/>
+          </p:cNvSpPr>
+          <p:nvPr>
+            <p:ph type="sldNum" sz="quarter" idx="12"/>
+          </p:nvPr>
+        </p:nvSpPr>
+        <p:spPr/>
+        <p:txBody>
+          <a:bodyPr/>
+          <a:lstStyle/>
+          <a:p>
+            <a:fld id="{866E3E7E-7125-49CF-9242-D036CBAD6528}" type="slidenum">
+              <a:rPr lang="en-US" smtClean="0"/>
+              <a:pPr/>
+              <a:t>14</a:t>
+            </a:fld>
+            <a:r>
+              <a:rPr lang="hr-HR" dirty="0"/>
+              <a:t> /24</a:t>
+            </a:r>
+            <a:endParaRPr lang="en-US" dirty="0"/>
+          </a:p>
+        </p:txBody>
+      </p:sp>
+      <p:sp>
+        <p:nvSpPr>
+          <p:cNvPr id="5" name="Content Placeholder 4">
+            <a:extLst>
+              <a:ext uri="{FF2B5EF4-FFF2-40B4-BE49-F238E27FC236}">
+                <a16:creationId xmlns:a16="http://schemas.microsoft.com/office/drawing/2014/main" id="{F73430A0-4D9C-4B39-820B-89607EB6678C}"/>
+              </a:ext>
+            </a:extLst>
+          </p:cNvPr>
+          <p:cNvSpPr>
+            <a:spLocks noGrp="1"/>
+          </p:cNvSpPr>
+          <p:nvPr>
+            <p:ph sz="quarter" idx="16"/>
+          </p:nvPr>
+        </p:nvSpPr>
+        <p:spPr/>
+        <p:txBody>
+          <a:bodyPr/>
+          <a:lstStyle/>
+          <a:p>
+            <a:pPr>
+              <a:spcAft>
+                <a:spcPts val="600"/>
+              </a:spcAft>
+            </a:pPr>
+            <a:r>
+              <a:rPr lang="en-US" dirty="0" err="1"/>
+              <a:t>Uvod</a:t>
+            </a:r>
+            <a:endParaRPr lang="en-US" dirty="0"/>
+          </a:p>
+          <a:p>
+            <a:pPr>
+              <a:spcAft>
+                <a:spcPts val="600"/>
+              </a:spcAft>
+            </a:pPr>
+            <a:r>
+              <a:rPr lang="en-US" dirty="0" err="1"/>
+              <a:t>Detekcija</a:t>
+            </a:r>
+            <a:r>
+              <a:rPr lang="en-US" dirty="0"/>
+              <a:t> </a:t>
+            </a:r>
+            <a:r>
+              <a:rPr lang="en-US" dirty="0" err="1"/>
+              <a:t>tablice</a:t>
+            </a:r>
+            <a:endParaRPr lang="en-US" dirty="0"/>
+          </a:p>
+          <a:p>
+            <a:pPr>
+              <a:spcAft>
+                <a:spcPts val="600"/>
+              </a:spcAft>
+            </a:pPr>
+            <a:r>
+              <a:rPr lang="en-US" dirty="0" err="1"/>
+              <a:t>Zna</a:t>
+            </a:r>
+            <a:r>
+              <a:rPr lang="hr-HR" dirty="0" err="1"/>
+              <a:t>čajke</a:t>
+            </a:r>
+            <a:endParaRPr lang="hr-HR" dirty="0"/>
+          </a:p>
+          <a:p>
+            <a:pPr>
+              <a:spcAft>
+                <a:spcPts val="600"/>
+              </a:spcAft>
+            </a:pPr>
+            <a:r>
+              <a:rPr lang="hr-HR" sz="1600" b="1" dirty="0"/>
+              <a:t>Klasifikacija</a:t>
+            </a:r>
+          </a:p>
+          <a:p>
+            <a:pPr>
+              <a:spcAft>
+                <a:spcPts val="600"/>
+              </a:spcAft>
+            </a:pPr>
+            <a:r>
+              <a:rPr lang="hr-HR" dirty="0"/>
+              <a:t>Rekonstrukcija tablice</a:t>
+            </a:r>
+          </a:p>
+          <a:p>
+            <a:pPr>
+              <a:spcAft>
+                <a:spcPts val="600"/>
+              </a:spcAft>
+            </a:pPr>
+            <a:r>
+              <a:rPr lang="hr-HR" dirty="0"/>
+              <a:t>Usporedba rezultata</a:t>
+            </a:r>
+          </a:p>
+          <a:p>
+            <a:endParaRPr lang="en-US" dirty="0"/>
+          </a:p>
+          <a:p>
+            <a:endParaRPr lang="en-US" dirty="0"/>
+          </a:p>
+        </p:txBody>
+      </p:sp>
+    </p:spTree>
+    <p:extLst>
+      <p:ext uri="{BB962C8B-B14F-4D97-AF65-F5344CB8AC3E}">
+        <p14:creationId xmlns:p14="http://schemas.microsoft.com/office/powerpoint/2010/main" val="515305519"/>
+      </p:ext>
+    </p:extLst>
+  </p:cSld>
+  <p:clrMapOvr>
+    <a:masterClrMapping/>
+  </p:clrMapOvr>
+  <p:transition>
+    <p:fade/>
+  </p:transition>
+  <p:timing>
+    <p:tnLst>
+      <p:par>
+        <p:cTn id="1" dur="indefinite" restart="never" nodeType="tmRoot">
+          <p:childTnLst>
+            <p:seq concurrent="1" nextAc="seek">
+              <p:cTn id="2" dur="indefinite" nodeType="mainSeq">
+                <p:childTnLst>
+                  <p:par>
+                    <p:cTn id="3" fill="hold">
+                      <p:stCondLst>
+                        <p:cond delay="indefinite"/>
+                      </p:stCondLst>
+                      <p:childTnLst>
+                        <p:par>
+                          <p:cTn id="4" fill="hold">
+                            <p:stCondLst>
+                              <p:cond delay="0"/>
+                            </p:stCondLst>
+                            <p:childTnLst>
+                              <p:par>
+                                <p:cTn id="5" presetID="10" presetClass="entr" presetSubtype="0" fill="hold" grpId="0" nodeType="clickEffect">
+                                  <p:stCondLst>
+                                    <p:cond delay="0"/>
+                                  </p:stCondLst>
+                                  <p:childTnLst>
+                                    <p:set>
+                                      <p:cBhvr>
+                                        <p:cTn id="6" dur="1" fill="hold">
+                                          <p:stCondLst>
+                                            <p:cond delay="0"/>
+                                          </p:stCondLst>
+                                        </p:cTn>
+                                        <p:tgtEl>
+                                          <p:spTgt spid="3">
+                                            <p:txEl>
+                                              <p:pRg st="0" end="0"/>
+                                            </p:txEl>
+                                          </p:spTgt>
+                                        </p:tgtEl>
+                                        <p:attrNameLst>
+                                          <p:attrName>style.visibility</p:attrName>
+                                        </p:attrNameLst>
+                                      </p:cBhvr>
+                                      <p:to>
+                                        <p:strVal val="visible"/>
+                                      </p:to>
+                                    </p:set>
+                                    <p:animEffect transition="in" filter="fade">
+                                      <p:cBhvr>
+                                        <p:cTn id="7" dur="500"/>
+                                        <p:tgtEl>
+                                          <p:spTgt spid="3">
+                                            <p:txEl>
+                                              <p:pRg st="0" end="0"/>
+                                            </p:txEl>
+                                          </p:spTgt>
+                                        </p:tgtEl>
+                                      </p:cBhvr>
+                                    </p:animEffect>
+                                  </p:childTnLst>
+                                </p:cTn>
+                              </p:par>
+                            </p:childTnLst>
+                          </p:cTn>
+                        </p:par>
+                      </p:childTnLst>
+                    </p:cTn>
+                  </p:par>
+                  <p:par>
+                    <p:cTn id="8" fill="hold">
+                      <p:stCondLst>
+                        <p:cond delay="indefinite"/>
+                      </p:stCondLst>
+                      <p:childTnLst>
+                        <p:par>
+                          <p:cTn id="9" fill="hold">
+                            <p:stCondLst>
+                              <p:cond delay="0"/>
+                            </p:stCondLst>
+                            <p:childTnLst>
+                              <p:par>
+                                <p:cTn id="10" presetID="10" presetClass="entr" presetSubtype="0" fill="hold" grpId="0" nodeType="clickEffect">
+                                  <p:stCondLst>
+                                    <p:cond delay="0"/>
+                                  </p:stCondLst>
+                                  <p:childTnLst>
+                                    <p:set>
+                                      <p:cBhvr>
+                                        <p:cTn id="11" dur="1" fill="hold">
+                                          <p:stCondLst>
+                                            <p:cond delay="0"/>
+                                          </p:stCondLst>
+                                        </p:cTn>
+                                        <p:tgtEl>
+                                          <p:spTgt spid="3">
+                                            <p:txEl>
+                                              <p:pRg st="1" end="1"/>
+                                            </p:txEl>
+                                          </p:spTgt>
+                                        </p:tgtEl>
+                                        <p:attrNameLst>
+                                          <p:attrName>style.visibility</p:attrName>
+                                        </p:attrNameLst>
+                                      </p:cBhvr>
+                                      <p:to>
+                                        <p:strVal val="visible"/>
+                                      </p:to>
+                                    </p:set>
+                                    <p:animEffect transition="in" filter="fade">
+                                      <p:cBhvr>
+                                        <p:cTn id="12" dur="500"/>
+                                        <p:tgtEl>
+                                          <p:spTgt spid="3">
+                                            <p:txEl>
+                                              <p:pRg st="1" end="1"/>
+                                            </p:txEl>
+                                          </p:spTgt>
+                                        </p:tgtEl>
+                                      </p:cBhvr>
+                                    </p:animEffect>
+                                  </p:childTnLst>
+                                </p:cTn>
+                              </p:par>
+                            </p:childTnLst>
+                          </p:cTn>
+                        </p:par>
+                      </p:childTnLst>
+                    </p:cTn>
+                  </p:par>
+                  <p:par>
+                    <p:cTn id="13" fill="hold">
+                      <p:stCondLst>
+                        <p:cond delay="indefinite"/>
+                      </p:stCondLst>
+                      <p:childTnLst>
+                        <p:par>
+                          <p:cTn id="14" fill="hold">
+                            <p:stCondLst>
+                              <p:cond delay="0"/>
+                            </p:stCondLst>
+                            <p:childTnLst>
+                              <p:par>
+                                <p:cTn id="15" presetID="10" presetClass="entr" presetSubtype="0" fill="hold" grpId="0" nodeType="clickEffect">
+                                  <p:stCondLst>
+                                    <p:cond delay="0"/>
+                                  </p:stCondLst>
+                                  <p:childTnLst>
+                                    <p:set>
+                                      <p:cBhvr>
+                                        <p:cTn id="16" dur="1" fill="hold">
+                                          <p:stCondLst>
+                                            <p:cond delay="0"/>
+                                          </p:stCondLst>
+                                        </p:cTn>
+                                        <p:tgtEl>
+                                          <p:spTgt spid="3">
+                                            <p:txEl>
+                                              <p:pRg st="2" end="2"/>
+                                            </p:txEl>
+                                          </p:spTgt>
+                                        </p:tgtEl>
+                                        <p:attrNameLst>
+                                          <p:attrName>style.visibility</p:attrName>
+                                        </p:attrNameLst>
+                                      </p:cBhvr>
+                                      <p:to>
+                                        <p:strVal val="visible"/>
+                                      </p:to>
+                                    </p:set>
+                                    <p:animEffect transition="in" filter="fade">
+                                      <p:cBhvr>
+                                        <p:cTn id="17" dur="500"/>
+                                        <p:tgtEl>
+                                          <p:spTgt spid="3">
+                                            <p:txEl>
+                                              <p:pRg st="2" end="2"/>
+                                            </p:txEl>
+                                          </p:spTgt>
+                                        </p:tgtEl>
+                                      </p:cBhvr>
+                                    </p:animEffect>
+                                  </p:childTnLst>
+                                </p:cTn>
+                              </p:par>
+                            </p:childTnLst>
+                          </p:cTn>
+                        </p:par>
+                      </p:childTnLst>
+                    </p:cTn>
+                  </p:par>
+                </p:childTnLst>
+              </p:cTn>
+              <p:prevCondLst>
+                <p:cond evt="onPrev" delay="0">
+                  <p:tgtEl>
+                    <p:sldTgt/>
+                  </p:tgtEl>
+                </p:cond>
+              </p:prevCondLst>
+              <p:nextCondLst>
+                <p:cond evt="onNext" delay="0">
+                  <p:tgtEl>
+                    <p:sldTgt/>
+                  </p:tgtEl>
+                </p:cond>
+              </p:nextCondLst>
+            </p:seq>
+          </p:childTnLst>
+        </p:cTn>
+      </p:par>
+    </p:tnLst>
+    <p:bldLst>
+      <p:bldP spid="3" grpId="0" build="p"/>
+    </p:bldLst>
+  </p:timing>
+</p:sld>
+</file>
+
+<file path=ppt/slides/slide15.xml><?xml version="1.0" encoding="utf-8"?>
+<p:sld xmlns:a="http://schemas.openxmlformats.org/drawingml/2006/main" xmlns:r="http://schemas.openxmlformats.org/officeDocument/2006/relationships" xmlns:p="http://schemas.openxmlformats.org/presentationml/2006/main">
+  <p:cSld>
+    <p:spTree>
+      <p:nvGrpSpPr>
+        <p:cNvPr id="1" name=""/>
+        <p:cNvGrpSpPr/>
+        <p:nvPr/>
+      </p:nvGrpSpPr>
+      <p:grpSpPr>
+        <a:xfrm>
+          <a:off x="0" y="0"/>
+          <a:ext cx="0" cy="0"/>
+          <a:chOff x="0" y="0"/>
+          <a:chExt cx="0" cy="0"/>
+        </a:xfrm>
+      </p:grpSpPr>
+      <p:sp>
+        <p:nvSpPr>
+          <p:cNvPr id="2" name="Title 1">
+            <a:extLst>
+              <a:ext uri="{FF2B5EF4-FFF2-40B4-BE49-F238E27FC236}">
+                <a16:creationId xmlns:a16="http://schemas.microsoft.com/office/drawing/2014/main" id="{BD5EF981-DC50-4904-960E-2DA7E8A06A14}"/>
+              </a:ext>
+            </a:extLst>
+          </p:cNvPr>
+          <p:cNvSpPr>
+            <a:spLocks noGrp="1"/>
+          </p:cNvSpPr>
+          <p:nvPr>
+            <p:ph type="title"/>
+          </p:nvPr>
+        </p:nvSpPr>
+        <p:spPr/>
+        <p:txBody>
+          <a:bodyPr/>
+          <a:lstStyle/>
+          <a:p>
+            <a:r>
+              <a:rPr lang="en-US" dirty="0" err="1"/>
+              <a:t>Kombiniranje</a:t>
+            </a:r>
+            <a:r>
+              <a:rPr lang="en-US" dirty="0"/>
+              <a:t> </a:t>
+            </a:r>
+            <a:r>
+              <a:rPr lang="en-US" dirty="0" err="1"/>
+              <a:t>klasifikatora</a:t>
+            </a:r>
+            <a:endParaRPr lang="en-US" dirty="0"/>
+          </a:p>
+        </p:txBody>
+      </p:sp>
+      <p:sp>
+        <p:nvSpPr>
+          <p:cNvPr id="3" name="Content Placeholder 2">
+            <a:extLst>
+              <a:ext uri="{FF2B5EF4-FFF2-40B4-BE49-F238E27FC236}">
+                <a16:creationId xmlns:a16="http://schemas.microsoft.com/office/drawing/2014/main" id="{075E20CE-C24C-4CF1-9BB0-5B4F9EFF92C7}"/>
+              </a:ext>
+            </a:extLst>
+          </p:cNvPr>
+          <p:cNvSpPr>
+            <a:spLocks noGrp="1"/>
+          </p:cNvSpPr>
+          <p:nvPr>
+            <p:ph idx="1"/>
+          </p:nvPr>
+        </p:nvSpPr>
+        <p:spPr/>
+        <p:txBody>
+          <a:bodyPr/>
+          <a:lstStyle/>
+          <a:p>
+            <a:r>
+              <a:rPr lang="hr-HR" dirty="0"/>
+              <a:t>Kako iskoristiti brzinu algoritma </a:t>
+            </a:r>
+            <a:r>
+              <a:rPr lang="hr-HR" dirty="0" err="1"/>
+              <a:t>AdaBoost</a:t>
+            </a:r>
+            <a:r>
+              <a:rPr lang="hr-HR" dirty="0"/>
+              <a:t>, a pritom zadržati klasifikacijske mogućnosti neuronske mreže?</a:t>
+            </a:r>
+          </a:p>
+          <a:p>
+            <a:r>
+              <a:rPr lang="hr-HR" dirty="0"/>
+              <a:t>Kao ulaz neuronske mreže koriste se slike koje je </a:t>
+            </a:r>
+            <a:r>
+              <a:rPr lang="hr-HR" dirty="0" err="1"/>
+              <a:t>AdaBoost</a:t>
+            </a:r>
+            <a:r>
+              <a:rPr lang="hr-HR" dirty="0"/>
+              <a:t> </a:t>
+            </a:r>
+            <a:r>
+              <a:rPr lang="hr-HR" dirty="0" err="1"/>
+              <a:t>klasifikator</a:t>
+            </a:r>
+            <a:r>
+              <a:rPr lang="hr-HR" dirty="0"/>
+              <a:t> prepoznao kao vrhove ćelija.</a:t>
+            </a:r>
+            <a:endParaRPr lang="en-US" dirty="0"/>
+          </a:p>
+        </p:txBody>
+      </p:sp>
+      <p:sp>
+        <p:nvSpPr>
+          <p:cNvPr id="4" name="Slide Number Placeholder 3">
+            <a:extLst>
+              <a:ext uri="{FF2B5EF4-FFF2-40B4-BE49-F238E27FC236}">
+                <a16:creationId xmlns:a16="http://schemas.microsoft.com/office/drawing/2014/main" id="{43A55F56-B491-4AB2-87CA-ACA16AEB594A}"/>
+              </a:ext>
+            </a:extLst>
+          </p:cNvPr>
+          <p:cNvSpPr>
+            <a:spLocks noGrp="1"/>
+          </p:cNvSpPr>
+          <p:nvPr>
+            <p:ph type="sldNum" sz="quarter" idx="12"/>
+          </p:nvPr>
+        </p:nvSpPr>
+        <p:spPr/>
+        <p:txBody>
+          <a:bodyPr/>
+          <a:lstStyle/>
+          <a:p>
+            <a:fld id="{866E3E7E-7125-49CF-9242-D036CBAD6528}" type="slidenum">
+              <a:rPr lang="en-US" smtClean="0"/>
+              <a:pPr/>
+              <a:t>15</a:t>
+            </a:fld>
+            <a:r>
+              <a:rPr lang="hr-HR" dirty="0"/>
+              <a:t> /24</a:t>
+            </a:r>
+            <a:endParaRPr lang="en-US" dirty="0"/>
+          </a:p>
+        </p:txBody>
+      </p:sp>
+      <p:sp>
+        <p:nvSpPr>
+          <p:cNvPr id="5" name="Content Placeholder 4">
+            <a:extLst>
+              <a:ext uri="{FF2B5EF4-FFF2-40B4-BE49-F238E27FC236}">
+                <a16:creationId xmlns:a16="http://schemas.microsoft.com/office/drawing/2014/main" id="{7E44C9C1-F1B9-4963-B63C-D4CB62FA9F2E}"/>
+              </a:ext>
+            </a:extLst>
+          </p:cNvPr>
+          <p:cNvSpPr>
+            <a:spLocks noGrp="1"/>
+          </p:cNvSpPr>
+          <p:nvPr>
+            <p:ph sz="quarter" idx="16"/>
+          </p:nvPr>
+        </p:nvSpPr>
+        <p:spPr/>
+        <p:txBody>
+          <a:bodyPr/>
+          <a:lstStyle/>
+          <a:p>
+            <a:pPr>
+              <a:spcAft>
+                <a:spcPts val="600"/>
+              </a:spcAft>
+            </a:pPr>
+            <a:r>
+              <a:rPr lang="en-US" dirty="0" err="1"/>
+              <a:t>Uvod</a:t>
+            </a:r>
+            <a:endParaRPr lang="en-US" dirty="0"/>
+          </a:p>
+          <a:p>
+            <a:pPr>
+              <a:spcAft>
+                <a:spcPts val="600"/>
+              </a:spcAft>
+            </a:pPr>
+            <a:r>
+              <a:rPr lang="en-US" dirty="0" err="1"/>
+              <a:t>Detekcija</a:t>
+            </a:r>
+            <a:r>
+              <a:rPr lang="en-US" dirty="0"/>
+              <a:t> </a:t>
+            </a:r>
+            <a:r>
+              <a:rPr lang="en-US" dirty="0" err="1"/>
+              <a:t>tablice</a:t>
+            </a:r>
+            <a:endParaRPr lang="en-US" dirty="0"/>
+          </a:p>
+          <a:p>
+            <a:pPr>
+              <a:spcAft>
+                <a:spcPts val="600"/>
+              </a:spcAft>
+            </a:pPr>
+            <a:r>
+              <a:rPr lang="en-US" dirty="0" err="1"/>
+              <a:t>Zna</a:t>
+            </a:r>
+            <a:r>
+              <a:rPr lang="hr-HR" dirty="0" err="1"/>
+              <a:t>čajke</a:t>
+            </a:r>
+            <a:endParaRPr lang="hr-HR" dirty="0"/>
+          </a:p>
+          <a:p>
+            <a:pPr>
+              <a:spcAft>
+                <a:spcPts val="600"/>
+              </a:spcAft>
+            </a:pPr>
+            <a:r>
+              <a:rPr lang="hr-HR" sz="1600" b="1" dirty="0"/>
+              <a:t>Klasifikacija</a:t>
+            </a:r>
+            <a:endParaRPr lang="hr-HR" b="1" dirty="0"/>
+          </a:p>
+          <a:p>
+            <a:pPr>
+              <a:spcAft>
+                <a:spcPts val="600"/>
+              </a:spcAft>
+            </a:pPr>
+            <a:r>
+              <a:rPr lang="hr-HR" dirty="0"/>
+              <a:t>Rekonstrukcija tablice</a:t>
+            </a:r>
+          </a:p>
+          <a:p>
+            <a:pPr>
+              <a:spcAft>
+                <a:spcPts val="600"/>
+              </a:spcAft>
+            </a:pPr>
+            <a:r>
+              <a:rPr lang="hr-HR" dirty="0"/>
+              <a:t>Usporedba rezultata</a:t>
+            </a:r>
+          </a:p>
+          <a:p>
+            <a:endParaRPr lang="en-US" dirty="0"/>
+          </a:p>
+          <a:p>
+            <a:endParaRPr lang="en-US" dirty="0"/>
+          </a:p>
+        </p:txBody>
+      </p:sp>
+    </p:spTree>
+    <p:extLst>
+      <p:ext uri="{BB962C8B-B14F-4D97-AF65-F5344CB8AC3E}">
+        <p14:creationId xmlns:p14="http://schemas.microsoft.com/office/powerpoint/2010/main" val="2765078509"/>
+      </p:ext>
+    </p:extLst>
+  </p:cSld>
+  <p:clrMapOvr>
+    <a:masterClrMapping/>
+  </p:clrMapOvr>
+  <p:transition>
+    <p:fade/>
+  </p:transition>
+  <p:timing>
+    <p:tnLst>
+      <p:par>
+        <p:cTn id="1" dur="indefinite" restart="never" nodeType="tmRoot">
+          <p:childTnLst>
+            <p:seq concurrent="1" nextAc="seek">
+              <p:cTn id="2" dur="indefinite" nodeType="mainSeq">
+                <p:childTnLst>
+                  <p:par>
+                    <p:cTn id="3" fill="hold">
+                      <p:stCondLst>
+                        <p:cond delay="indefinite"/>
+                      </p:stCondLst>
+                      <p:childTnLst>
+                        <p:par>
+                          <p:cTn id="4" fill="hold">
+                            <p:stCondLst>
+                              <p:cond delay="0"/>
+                            </p:stCondLst>
+                            <p:childTnLst>
+                              <p:par>
+                                <p:cTn id="5" presetID="10" presetClass="entr" presetSubtype="0" fill="hold" grpId="0" nodeType="clickEffect">
+                                  <p:stCondLst>
+                                    <p:cond delay="0"/>
+                                  </p:stCondLst>
+                                  <p:childTnLst>
+                                    <p:set>
+                                      <p:cBhvr>
+                                        <p:cTn id="6" dur="1" fill="hold">
+                                          <p:stCondLst>
+                                            <p:cond delay="0"/>
+                                          </p:stCondLst>
+                                        </p:cTn>
+                                        <p:tgtEl>
+                                          <p:spTgt spid="3">
+                                            <p:txEl>
+                                              <p:pRg st="0" end="0"/>
+                                            </p:txEl>
+                                          </p:spTgt>
+                                        </p:tgtEl>
+                                        <p:attrNameLst>
+                                          <p:attrName>style.visibility</p:attrName>
+                                        </p:attrNameLst>
+                                      </p:cBhvr>
+                                      <p:to>
+                                        <p:strVal val="visible"/>
+                                      </p:to>
+                                    </p:set>
+                                    <p:animEffect transition="in" filter="fade">
+                                      <p:cBhvr>
+                                        <p:cTn id="7" dur="500"/>
+                                        <p:tgtEl>
+                                          <p:spTgt spid="3">
+                                            <p:txEl>
+                                              <p:pRg st="0" end="0"/>
+                                            </p:txEl>
+                                          </p:spTgt>
+                                        </p:tgtEl>
+                                      </p:cBhvr>
+                                    </p:animEffect>
+                                  </p:childTnLst>
+                                </p:cTn>
+                              </p:par>
+                            </p:childTnLst>
+                          </p:cTn>
+                        </p:par>
+                      </p:childTnLst>
+                    </p:cTn>
+                  </p:par>
+                  <p:par>
+                    <p:cTn id="8" fill="hold">
+                      <p:stCondLst>
+                        <p:cond delay="indefinite"/>
+                      </p:stCondLst>
+                      <p:childTnLst>
+                        <p:par>
+                          <p:cTn id="9" fill="hold">
+                            <p:stCondLst>
+                              <p:cond delay="0"/>
+                            </p:stCondLst>
+                            <p:childTnLst>
+                              <p:par>
+                                <p:cTn id="10" presetID="10" presetClass="entr" presetSubtype="0" fill="hold" grpId="0" nodeType="clickEffect">
+                                  <p:stCondLst>
+                                    <p:cond delay="0"/>
+                                  </p:stCondLst>
+                                  <p:childTnLst>
+                                    <p:set>
+                                      <p:cBhvr>
+                                        <p:cTn id="11" dur="1" fill="hold">
+                                          <p:stCondLst>
+                                            <p:cond delay="0"/>
+                                          </p:stCondLst>
+                                        </p:cTn>
+                                        <p:tgtEl>
+                                          <p:spTgt spid="3">
+                                            <p:txEl>
+                                              <p:pRg st="1" end="1"/>
+                                            </p:txEl>
+                                          </p:spTgt>
+                                        </p:tgtEl>
+                                        <p:attrNameLst>
+                                          <p:attrName>style.visibility</p:attrName>
+                                        </p:attrNameLst>
+                                      </p:cBhvr>
+                                      <p:to>
+                                        <p:strVal val="visible"/>
+                                      </p:to>
+                                    </p:set>
+                                    <p:animEffect transition="in" filter="fade">
+                                      <p:cBhvr>
+                                        <p:cTn id="12" dur="500"/>
+                                        <p:tgtEl>
+                                          <p:spTgt spid="3">
+                                            <p:txEl>
+                                              <p:pRg st="1" end="1"/>
+                                            </p:txEl>
+                                          </p:spTgt>
+                                        </p:tgtEl>
+                                      </p:cBhvr>
+                                    </p:animEffect>
+                                  </p:childTnLst>
+                                </p:cTn>
+                              </p:par>
+                            </p:childTnLst>
+                          </p:cTn>
+                        </p:par>
+                      </p:childTnLst>
+                    </p:cTn>
+                  </p:par>
+                </p:childTnLst>
+              </p:cTn>
+              <p:prevCondLst>
+                <p:cond evt="onPrev" delay="0">
+                  <p:tgtEl>
+                    <p:sldTgt/>
+                  </p:tgtEl>
+                </p:cond>
+              </p:prevCondLst>
+              <p:nextCondLst>
+                <p:cond evt="onNext" delay="0">
+                  <p:tgtEl>
+                    <p:sldTgt/>
+                  </p:tgtEl>
+                </p:cond>
+              </p:nextCondLst>
+            </p:seq>
+          </p:childTnLst>
+        </p:cTn>
+      </p:par>
+    </p:tnLst>
+    <p:bldLst>
+      <p:bldP spid="3" grpId="0" build="p"/>
+    </p:bldLst>
+  </p:timing>
+</p:sld>
+</file>
+
+<file path=ppt/slides/slide16.xml><?xml version="1.0" encoding="utf-8"?>
+<p:sld xmlns:a="http://schemas.openxmlformats.org/drawingml/2006/main" xmlns:r="http://schemas.openxmlformats.org/officeDocument/2006/relationships" xmlns:p="http://schemas.openxmlformats.org/presentationml/2006/main">
+  <p:cSld>
+    <p:spTree>
+      <p:nvGrpSpPr>
+        <p:cNvPr id="1" name=""/>
+        <p:cNvGrpSpPr/>
+        <p:nvPr/>
+      </p:nvGrpSpPr>
+      <p:grpSpPr>
+        <a:xfrm>
+          <a:off x="0" y="0"/>
+          <a:ext cx="0" cy="0"/>
+          <a:chOff x="0" y="0"/>
+          <a:chExt cx="0" cy="0"/>
+        </a:xfrm>
+      </p:grpSpPr>
+      <p:sp>
+        <p:nvSpPr>
+          <p:cNvPr id="2" name="Title 1">
+            <a:extLst>
+              <a:ext uri="{FF2B5EF4-FFF2-40B4-BE49-F238E27FC236}">
+                <a16:creationId xmlns:a16="http://schemas.microsoft.com/office/drawing/2014/main" id="{C0030E5D-DA00-4323-B0B1-D76D93DD74A5}"/>
+              </a:ext>
+            </a:extLst>
+          </p:cNvPr>
+          <p:cNvSpPr>
+            <a:spLocks noGrp="1"/>
+          </p:cNvSpPr>
+          <p:nvPr>
+            <p:ph type="title"/>
+          </p:nvPr>
+        </p:nvSpPr>
+        <p:spPr/>
+        <p:txBody>
+          <a:bodyPr/>
+          <a:lstStyle/>
+          <a:p>
+            <a:r>
+              <a:rPr lang="en-US" dirty="0" err="1"/>
+              <a:t>Rezultati</a:t>
+            </a:r>
+            <a:br>
+              <a:rPr lang="hr-HR" dirty="0"/>
+            </a:br>
+            <a:r>
+              <a:rPr lang="hr-HR" sz="2800" dirty="0"/>
+              <a:t>algoritam </a:t>
+            </a:r>
+            <a:r>
+              <a:rPr lang="hr-HR" sz="2800" dirty="0" err="1"/>
+              <a:t>AdaBoost</a:t>
+            </a:r>
+            <a:r>
+              <a:rPr lang="en-US" sz="2800" dirty="0"/>
+              <a:t> – 112.5ms</a:t>
+            </a:r>
+            <a:r>
+              <a:rPr lang="hr-HR" sz="2800" dirty="0"/>
+              <a:t> </a:t>
+            </a:r>
+            <a:endParaRPr lang="en-US" dirty="0"/>
+          </a:p>
+        </p:txBody>
+      </p:sp>
+      <p:pic>
+        <p:nvPicPr>
+          <p:cNvPr id="6" name="Content Placeholder 5" descr="A picture containing crossword puzzle, text&#10;&#10;Description generated with high confidence">
+            <a:extLst>
+              <a:ext uri="{FF2B5EF4-FFF2-40B4-BE49-F238E27FC236}">
+                <a16:creationId xmlns:a16="http://schemas.microsoft.com/office/drawing/2014/main" id="{F1DFB7B6-ABFA-429A-9E33-E31ECE985198}"/>
+              </a:ext>
+            </a:extLst>
+          </p:cNvPr>
+          <p:cNvPicPr>
+            <a:picLocks noGrp="1" noChangeAspect="1"/>
+          </p:cNvPicPr>
+          <p:nvPr>
+            <p:ph idx="1"/>
+          </p:nvPr>
+        </p:nvPicPr>
+        <p:blipFill>
+          <a:blip r:embed="rId2">
+            <a:extLst>
+              <a:ext uri="{28A0092B-C50C-407E-A947-70E740481C1C}">
+                <a14:useLocalDpi xmlns:a14="http://schemas.microsoft.com/office/drawing/2010/main" val="0"/>
+              </a:ext>
+            </a:extLst>
+          </a:blip>
+          <a:stretch>
+            <a:fillRect/>
+          </a:stretch>
+        </p:blipFill>
+        <p:spPr>
+          <a:xfrm>
+            <a:off x="2331971" y="1825625"/>
+            <a:ext cx="6153283" cy="4351338"/>
+          </a:xfrm>
+        </p:spPr>
+      </p:pic>
+      <p:sp>
+        <p:nvSpPr>
+          <p:cNvPr id="4" name="Slide Number Placeholder 3">
+            <a:extLst>
+              <a:ext uri="{FF2B5EF4-FFF2-40B4-BE49-F238E27FC236}">
+                <a16:creationId xmlns:a16="http://schemas.microsoft.com/office/drawing/2014/main" id="{433BF495-A03F-45B0-B1BD-3C0DDD6AA7FB}"/>
+              </a:ext>
+            </a:extLst>
+          </p:cNvPr>
+          <p:cNvSpPr>
+            <a:spLocks noGrp="1"/>
+          </p:cNvSpPr>
+          <p:nvPr>
+            <p:ph type="sldNum" sz="quarter" idx="12"/>
+          </p:nvPr>
+        </p:nvSpPr>
+        <p:spPr/>
+        <p:txBody>
+          <a:bodyPr/>
+          <a:lstStyle/>
+          <a:p>
+            <a:fld id="{866E3E7E-7125-49CF-9242-D036CBAD6528}" type="slidenum">
+              <a:rPr lang="en-US" smtClean="0"/>
+              <a:pPr/>
+              <a:t>16</a:t>
+            </a:fld>
+            <a:r>
+              <a:rPr lang="hr-HR" dirty="0"/>
+              <a:t> /24</a:t>
+            </a:r>
+            <a:endParaRPr lang="en-US" dirty="0"/>
+          </a:p>
+        </p:txBody>
+      </p:sp>
+      <p:sp>
+        <p:nvSpPr>
+          <p:cNvPr id="7" name="Content Placeholder 6">
+            <a:extLst>
+              <a:ext uri="{FF2B5EF4-FFF2-40B4-BE49-F238E27FC236}">
+                <a16:creationId xmlns:a16="http://schemas.microsoft.com/office/drawing/2014/main" id="{AB8A1B09-DD83-406F-B045-ECEC6FB82176}"/>
+              </a:ext>
+            </a:extLst>
+          </p:cNvPr>
+          <p:cNvSpPr>
+            <a:spLocks noGrp="1"/>
+          </p:cNvSpPr>
+          <p:nvPr>
+            <p:ph sz="quarter" idx="16"/>
+          </p:nvPr>
+        </p:nvSpPr>
+        <p:spPr/>
+        <p:txBody>
+          <a:bodyPr/>
+          <a:lstStyle/>
+          <a:p>
+            <a:pPr>
+              <a:spcAft>
+                <a:spcPts val="600"/>
+              </a:spcAft>
+            </a:pPr>
+            <a:r>
+              <a:rPr lang="en-US" dirty="0" err="1"/>
+              <a:t>Uvod</a:t>
+            </a:r>
+            <a:endParaRPr lang="en-US" dirty="0"/>
+          </a:p>
+          <a:p>
+            <a:pPr>
+              <a:spcAft>
+                <a:spcPts val="600"/>
+              </a:spcAft>
+            </a:pPr>
+            <a:r>
+              <a:rPr lang="en-US" dirty="0" err="1"/>
+              <a:t>Detekcija</a:t>
+            </a:r>
+            <a:r>
+              <a:rPr lang="en-US" dirty="0"/>
+              <a:t> </a:t>
+            </a:r>
+            <a:r>
+              <a:rPr lang="en-US" dirty="0" err="1"/>
+              <a:t>tablice</a:t>
+            </a:r>
+            <a:endParaRPr lang="en-US" dirty="0"/>
+          </a:p>
+          <a:p>
+            <a:pPr>
+              <a:spcAft>
+                <a:spcPts val="600"/>
+              </a:spcAft>
+            </a:pPr>
+            <a:r>
+              <a:rPr lang="en-US" dirty="0" err="1"/>
+              <a:t>Zna</a:t>
+            </a:r>
+            <a:r>
+              <a:rPr lang="hr-HR" dirty="0" err="1"/>
+              <a:t>čajke</a:t>
+            </a:r>
+            <a:endParaRPr lang="hr-HR" dirty="0"/>
+          </a:p>
+          <a:p>
+            <a:pPr>
+              <a:spcAft>
+                <a:spcPts val="600"/>
+              </a:spcAft>
+            </a:pPr>
+            <a:r>
+              <a:rPr lang="hr-HR" sz="1600" b="1" dirty="0"/>
+              <a:t>Klasifikacija</a:t>
+            </a:r>
+          </a:p>
+          <a:p>
+            <a:pPr>
+              <a:spcAft>
+                <a:spcPts val="600"/>
+              </a:spcAft>
+            </a:pPr>
+            <a:r>
+              <a:rPr lang="hr-HR" dirty="0"/>
+              <a:t>Rekonstrukcija tablice</a:t>
+            </a:r>
+          </a:p>
+          <a:p>
+            <a:pPr>
+              <a:spcAft>
+                <a:spcPts val="600"/>
+              </a:spcAft>
+            </a:pPr>
+            <a:r>
+              <a:rPr lang="hr-HR" dirty="0"/>
+              <a:t>Usporedba rezultata</a:t>
+            </a:r>
+          </a:p>
+          <a:p>
+            <a:endParaRPr lang="en-US" dirty="0"/>
+          </a:p>
+          <a:p>
+            <a:endParaRPr lang="en-US" dirty="0"/>
+          </a:p>
+        </p:txBody>
+      </p:sp>
+    </p:spTree>
+    <p:extLst>
+      <p:ext uri="{BB962C8B-B14F-4D97-AF65-F5344CB8AC3E}">
+        <p14:creationId xmlns:p14="http://schemas.microsoft.com/office/powerpoint/2010/main" val="2941748560"/>
+      </p:ext>
+    </p:extLst>
+  </p:cSld>
+  <p:clrMapOvr>
+    <a:masterClrMapping/>
+  </p:clrMapOvr>
+  <p:transition>
+    <p:fade/>
+  </p:transition>
+</p:sld>
+</file>
+
+<file path=ppt/slides/slide17.xml><?xml version="1.0" encoding="utf-8"?>
+<p:sld xmlns:a="http://schemas.openxmlformats.org/drawingml/2006/main" xmlns:r="http://schemas.openxmlformats.org/officeDocument/2006/relationships" xmlns:p="http://schemas.openxmlformats.org/presentationml/2006/main">
+  <p:cSld>
+    <p:spTree>
+      <p:nvGrpSpPr>
+        <p:cNvPr id="1" name=""/>
+        <p:cNvGrpSpPr/>
+        <p:nvPr/>
+      </p:nvGrpSpPr>
+      <p:grpSpPr>
+        <a:xfrm>
+          <a:off x="0" y="0"/>
+          <a:ext cx="0" cy="0"/>
+          <a:chOff x="0" y="0"/>
+          <a:chExt cx="0" cy="0"/>
+        </a:xfrm>
+      </p:grpSpPr>
+      <p:sp>
+        <p:nvSpPr>
+          <p:cNvPr id="2" name="Title 1">
+            <a:extLst>
+              <a:ext uri="{FF2B5EF4-FFF2-40B4-BE49-F238E27FC236}">
+                <a16:creationId xmlns:a16="http://schemas.microsoft.com/office/drawing/2014/main" id="{C0030E5D-DA00-4323-B0B1-D76D93DD74A5}"/>
+              </a:ext>
+            </a:extLst>
+          </p:cNvPr>
+          <p:cNvSpPr>
+            <a:spLocks noGrp="1"/>
+          </p:cNvSpPr>
+          <p:nvPr>
+            <p:ph type="title"/>
+          </p:nvPr>
+        </p:nvSpPr>
+        <p:spPr/>
+        <p:txBody>
+          <a:bodyPr>
+            <a:normAutofit/>
+          </a:bodyPr>
+          <a:lstStyle/>
+          <a:p>
+            <a:r>
+              <a:rPr lang="en-US" dirty="0" err="1"/>
+              <a:t>Rezultati</a:t>
+            </a:r>
+            <a:br>
+              <a:rPr lang="hr-HR" dirty="0"/>
+            </a:br>
+            <a:r>
+              <a:rPr lang="en-US" sz="2800" dirty="0" err="1"/>
+              <a:t>neuronska</a:t>
+            </a:r>
+            <a:r>
+              <a:rPr lang="en-US" sz="2800" dirty="0"/>
+              <a:t> </a:t>
+            </a:r>
+            <a:r>
+              <a:rPr lang="en-US" sz="2800" dirty="0" err="1"/>
+              <a:t>mre</a:t>
+            </a:r>
+            <a:r>
+              <a:rPr lang="hr-HR" sz="2800" dirty="0" err="1"/>
+              <a:t>ža</a:t>
+            </a:r>
+            <a:r>
+              <a:rPr lang="en-US" sz="2800" dirty="0"/>
+              <a:t> – 688.5ms</a:t>
+            </a:r>
+            <a:endParaRPr lang="en-US" dirty="0"/>
+          </a:p>
+        </p:txBody>
+      </p:sp>
+      <p:pic>
+        <p:nvPicPr>
+          <p:cNvPr id="6" name="Content Placeholder 5" descr="A screenshot of a cell phone&#10;&#10;Description generated with high confidence">
+            <a:extLst>
+              <a:ext uri="{FF2B5EF4-FFF2-40B4-BE49-F238E27FC236}">
+                <a16:creationId xmlns:a16="http://schemas.microsoft.com/office/drawing/2014/main" id="{6C937389-DE2B-4DF5-AFC5-57E29F0AF771}"/>
+              </a:ext>
+            </a:extLst>
+          </p:cNvPr>
+          <p:cNvPicPr>
+            <a:picLocks noGrp="1" noChangeAspect="1"/>
+          </p:cNvPicPr>
+          <p:nvPr>
+            <p:ph idx="1"/>
+          </p:nvPr>
+        </p:nvPicPr>
+        <p:blipFill>
+          <a:blip r:embed="rId2">
+            <a:extLst>
+              <a:ext uri="{28A0092B-C50C-407E-A947-70E740481C1C}">
+                <a14:useLocalDpi xmlns:a14="http://schemas.microsoft.com/office/drawing/2010/main" val="0"/>
+              </a:ext>
+            </a:extLst>
+          </a:blip>
+          <a:stretch>
+            <a:fillRect/>
+          </a:stretch>
+        </p:blipFill>
+        <p:spPr>
+          <a:xfrm>
+            <a:off x="2331971" y="1825625"/>
+            <a:ext cx="6153283" cy="4351338"/>
+          </a:xfrm>
+        </p:spPr>
+      </p:pic>
+      <p:sp>
+        <p:nvSpPr>
+          <p:cNvPr id="4" name="Slide Number Placeholder 3">
+            <a:extLst>
+              <a:ext uri="{FF2B5EF4-FFF2-40B4-BE49-F238E27FC236}">
+                <a16:creationId xmlns:a16="http://schemas.microsoft.com/office/drawing/2014/main" id="{433BF495-A03F-45B0-B1BD-3C0DDD6AA7FB}"/>
+              </a:ext>
+            </a:extLst>
+          </p:cNvPr>
+          <p:cNvSpPr>
+            <a:spLocks noGrp="1"/>
+          </p:cNvSpPr>
+          <p:nvPr>
+            <p:ph type="sldNum" sz="quarter" idx="12"/>
+          </p:nvPr>
+        </p:nvSpPr>
+        <p:spPr/>
+        <p:txBody>
+          <a:bodyPr/>
+          <a:lstStyle/>
+          <a:p>
+            <a:fld id="{866E3E7E-7125-49CF-9242-D036CBAD6528}" type="slidenum">
+              <a:rPr lang="en-US" smtClean="0"/>
+              <a:pPr/>
+              <a:t>17</a:t>
+            </a:fld>
+            <a:r>
+              <a:rPr lang="hr-HR" dirty="0"/>
+              <a:t> /24</a:t>
+            </a:r>
+            <a:endParaRPr lang="en-US" dirty="0"/>
+          </a:p>
+        </p:txBody>
+      </p:sp>
+      <p:sp>
+        <p:nvSpPr>
+          <p:cNvPr id="8" name="Content Placeholder 7">
+            <a:extLst>
+              <a:ext uri="{FF2B5EF4-FFF2-40B4-BE49-F238E27FC236}">
+                <a16:creationId xmlns:a16="http://schemas.microsoft.com/office/drawing/2014/main" id="{95E7A944-44FE-407A-9747-335C25167AB9}"/>
+              </a:ext>
+            </a:extLst>
+          </p:cNvPr>
+          <p:cNvSpPr>
+            <a:spLocks noGrp="1"/>
+          </p:cNvSpPr>
+          <p:nvPr>
+            <p:ph sz="quarter" idx="16"/>
+          </p:nvPr>
+        </p:nvSpPr>
+        <p:spPr/>
+        <p:txBody>
+          <a:bodyPr/>
+          <a:lstStyle/>
+          <a:p>
+            <a:pPr>
+              <a:spcAft>
+                <a:spcPts val="600"/>
+              </a:spcAft>
+            </a:pPr>
+            <a:r>
+              <a:rPr lang="en-US" dirty="0" err="1"/>
+              <a:t>Uvod</a:t>
+            </a:r>
+            <a:endParaRPr lang="en-US" dirty="0"/>
+          </a:p>
+          <a:p>
+            <a:pPr>
+              <a:spcAft>
+                <a:spcPts val="600"/>
+              </a:spcAft>
+            </a:pPr>
+            <a:r>
+              <a:rPr lang="en-US" dirty="0" err="1"/>
+              <a:t>Detekcija</a:t>
+            </a:r>
+            <a:r>
+              <a:rPr lang="en-US" dirty="0"/>
+              <a:t> </a:t>
+            </a:r>
+            <a:r>
+              <a:rPr lang="en-US" dirty="0" err="1"/>
+              <a:t>tablice</a:t>
+            </a:r>
+            <a:endParaRPr lang="en-US" dirty="0"/>
+          </a:p>
+          <a:p>
+            <a:pPr>
+              <a:spcAft>
+                <a:spcPts val="600"/>
+              </a:spcAft>
+            </a:pPr>
+            <a:r>
+              <a:rPr lang="en-US" dirty="0" err="1"/>
+              <a:t>Zna</a:t>
+            </a:r>
+            <a:r>
+              <a:rPr lang="hr-HR" dirty="0" err="1"/>
+              <a:t>čajke</a:t>
+            </a:r>
+            <a:endParaRPr lang="hr-HR" dirty="0"/>
+          </a:p>
+          <a:p>
+            <a:pPr>
+              <a:spcAft>
+                <a:spcPts val="600"/>
+              </a:spcAft>
+            </a:pPr>
+            <a:r>
+              <a:rPr lang="hr-HR" sz="1600" b="1" dirty="0"/>
+              <a:t>Klasifikacija</a:t>
+            </a:r>
+          </a:p>
+          <a:p>
+            <a:pPr>
+              <a:spcAft>
+                <a:spcPts val="600"/>
+              </a:spcAft>
+            </a:pPr>
+            <a:r>
+              <a:rPr lang="hr-HR" dirty="0"/>
+              <a:t>Rekonstrukcija tablice</a:t>
+            </a:r>
+          </a:p>
+          <a:p>
+            <a:pPr>
+              <a:spcAft>
+                <a:spcPts val="600"/>
+              </a:spcAft>
+            </a:pPr>
+            <a:r>
+              <a:rPr lang="hr-HR" dirty="0"/>
+              <a:t>Usporedba rezultata</a:t>
+            </a:r>
+          </a:p>
+          <a:p>
+            <a:endParaRPr lang="en-US" dirty="0"/>
+          </a:p>
+          <a:p>
+            <a:endParaRPr lang="en-US" dirty="0"/>
+          </a:p>
+        </p:txBody>
+      </p:sp>
+    </p:spTree>
+    <p:extLst>
+      <p:ext uri="{BB962C8B-B14F-4D97-AF65-F5344CB8AC3E}">
+        <p14:creationId xmlns:p14="http://schemas.microsoft.com/office/powerpoint/2010/main" val="370870755"/>
+      </p:ext>
+    </p:extLst>
+  </p:cSld>
+  <p:clrMapOvr>
+    <a:masterClrMapping/>
+  </p:clrMapOvr>
+  <p:transition>
+    <p:fade/>
+  </p:transition>
+</p:sld>
+</file>
+
+<file path=ppt/slides/slide18.xml><?xml version="1.0" encoding="utf-8"?>
+<p:sld xmlns:a="http://schemas.openxmlformats.org/drawingml/2006/main" xmlns:r="http://schemas.openxmlformats.org/officeDocument/2006/relationships" xmlns:p="http://schemas.openxmlformats.org/presentationml/2006/main">
+  <p:cSld>
+    <p:spTree>
+      <p:nvGrpSpPr>
+        <p:cNvPr id="1" name=""/>
+        <p:cNvGrpSpPr/>
+        <p:nvPr/>
+      </p:nvGrpSpPr>
+      <p:grpSpPr>
+        <a:xfrm>
+          <a:off x="0" y="0"/>
+          <a:ext cx="0" cy="0"/>
+          <a:chOff x="0" y="0"/>
+          <a:chExt cx="0" cy="0"/>
+        </a:xfrm>
+      </p:grpSpPr>
+      <p:sp>
+        <p:nvSpPr>
+          <p:cNvPr id="2" name="Title 1">
+            <a:extLst>
+              <a:ext uri="{FF2B5EF4-FFF2-40B4-BE49-F238E27FC236}">
+                <a16:creationId xmlns:a16="http://schemas.microsoft.com/office/drawing/2014/main" id="{C0030E5D-DA00-4323-B0B1-D76D93DD74A5}"/>
+              </a:ext>
+            </a:extLst>
+          </p:cNvPr>
+          <p:cNvSpPr>
+            <a:spLocks noGrp="1"/>
+          </p:cNvSpPr>
+          <p:nvPr>
+            <p:ph type="title"/>
+          </p:nvPr>
+        </p:nvSpPr>
+        <p:spPr/>
+        <p:txBody>
+          <a:bodyPr/>
+          <a:lstStyle/>
+          <a:p>
+            <a:r>
+              <a:rPr lang="en-US" dirty="0" err="1"/>
+              <a:t>Rezultati</a:t>
+            </a:r>
+            <a:br>
+              <a:rPr lang="hr-HR" dirty="0"/>
+            </a:br>
+            <a:r>
+              <a:rPr lang="hr-HR" sz="2800" dirty="0"/>
+              <a:t>kombinirani </a:t>
+            </a:r>
+            <a:r>
+              <a:rPr lang="hr-HR" sz="2800" dirty="0" err="1"/>
+              <a:t>klasifikator</a:t>
+            </a:r>
+            <a:r>
+              <a:rPr lang="en-US" sz="2800" dirty="0"/>
+              <a:t> – 413.9ms</a:t>
+            </a:r>
+            <a:endParaRPr lang="en-US" dirty="0"/>
+          </a:p>
+        </p:txBody>
+      </p:sp>
+      <p:pic>
+        <p:nvPicPr>
+          <p:cNvPr id="6" name="Content Placeholder 5">
+            <a:extLst>
+              <a:ext uri="{FF2B5EF4-FFF2-40B4-BE49-F238E27FC236}">
+                <a16:creationId xmlns:a16="http://schemas.microsoft.com/office/drawing/2014/main" id="{B21F5EF5-781D-4AD5-B393-90355D215379}"/>
+              </a:ext>
+            </a:extLst>
+          </p:cNvPr>
+          <p:cNvPicPr>
+            <a:picLocks noGrp="1" noChangeAspect="1"/>
+          </p:cNvPicPr>
+          <p:nvPr>
+            <p:ph idx="1"/>
+          </p:nvPr>
+        </p:nvPicPr>
+        <p:blipFill>
+          <a:blip r:embed="rId2">
+            <a:extLst>
+              <a:ext uri="{28A0092B-C50C-407E-A947-70E740481C1C}">
+                <a14:useLocalDpi xmlns:a14="http://schemas.microsoft.com/office/drawing/2010/main" val="0"/>
+              </a:ext>
+            </a:extLst>
+          </a:blip>
+          <a:stretch>
+            <a:fillRect/>
+          </a:stretch>
+        </p:blipFill>
+        <p:spPr>
+          <a:xfrm>
+            <a:off x="2331971" y="1825625"/>
+            <a:ext cx="6153283" cy="4351338"/>
+          </a:xfrm>
+        </p:spPr>
+      </p:pic>
+      <p:sp>
+        <p:nvSpPr>
+          <p:cNvPr id="4" name="Slide Number Placeholder 3">
+            <a:extLst>
+              <a:ext uri="{FF2B5EF4-FFF2-40B4-BE49-F238E27FC236}">
+                <a16:creationId xmlns:a16="http://schemas.microsoft.com/office/drawing/2014/main" id="{433BF495-A03F-45B0-B1BD-3C0DDD6AA7FB}"/>
+              </a:ext>
+            </a:extLst>
+          </p:cNvPr>
+          <p:cNvSpPr>
+            <a:spLocks noGrp="1"/>
+          </p:cNvSpPr>
+          <p:nvPr>
+            <p:ph type="sldNum" sz="quarter" idx="12"/>
+          </p:nvPr>
+        </p:nvSpPr>
+        <p:spPr/>
+        <p:txBody>
+          <a:bodyPr/>
+          <a:lstStyle/>
+          <a:p>
+            <a:fld id="{866E3E7E-7125-49CF-9242-D036CBAD6528}" type="slidenum">
+              <a:rPr lang="en-US" smtClean="0"/>
+              <a:pPr/>
+              <a:t>18</a:t>
+            </a:fld>
+            <a:r>
+              <a:rPr lang="hr-HR" dirty="0"/>
+              <a:t> /24</a:t>
+            </a:r>
+            <a:endParaRPr lang="en-US" dirty="0"/>
+          </a:p>
+        </p:txBody>
+      </p:sp>
+      <p:sp>
+        <p:nvSpPr>
+          <p:cNvPr id="7" name="Content Placeholder 6">
+            <a:extLst>
+              <a:ext uri="{FF2B5EF4-FFF2-40B4-BE49-F238E27FC236}">
+                <a16:creationId xmlns:a16="http://schemas.microsoft.com/office/drawing/2014/main" id="{FE933BC2-C339-473B-80DB-55BD6E12A6C1}"/>
+              </a:ext>
+            </a:extLst>
+          </p:cNvPr>
+          <p:cNvSpPr>
+            <a:spLocks noGrp="1"/>
+          </p:cNvSpPr>
+          <p:nvPr>
+            <p:ph sz="quarter" idx="16"/>
+          </p:nvPr>
+        </p:nvSpPr>
+        <p:spPr/>
+        <p:txBody>
+          <a:bodyPr/>
+          <a:lstStyle/>
+          <a:p>
+            <a:pPr>
+              <a:spcAft>
+                <a:spcPts val="600"/>
+              </a:spcAft>
+            </a:pPr>
+            <a:r>
+              <a:rPr lang="en-US" dirty="0" err="1"/>
+              <a:t>Uvod</a:t>
+            </a:r>
+            <a:endParaRPr lang="en-US" dirty="0"/>
+          </a:p>
+          <a:p>
+            <a:pPr>
+              <a:spcAft>
+                <a:spcPts val="600"/>
+              </a:spcAft>
+            </a:pPr>
+            <a:r>
+              <a:rPr lang="en-US" dirty="0" err="1"/>
+              <a:t>Detekcija</a:t>
+            </a:r>
+            <a:r>
+              <a:rPr lang="en-US" dirty="0"/>
+              <a:t> </a:t>
+            </a:r>
+            <a:r>
+              <a:rPr lang="en-US" dirty="0" err="1"/>
+              <a:t>tablice</a:t>
+            </a:r>
+            <a:endParaRPr lang="en-US" dirty="0"/>
+          </a:p>
+          <a:p>
+            <a:pPr>
+              <a:spcAft>
+                <a:spcPts val="600"/>
+              </a:spcAft>
+            </a:pPr>
+            <a:r>
+              <a:rPr lang="en-US" dirty="0" err="1"/>
+              <a:t>Zna</a:t>
+            </a:r>
+            <a:r>
+              <a:rPr lang="hr-HR" dirty="0" err="1"/>
+              <a:t>čajke</a:t>
+            </a:r>
+            <a:endParaRPr lang="hr-HR" dirty="0"/>
+          </a:p>
+          <a:p>
+            <a:pPr>
+              <a:spcAft>
+                <a:spcPts val="600"/>
+              </a:spcAft>
+            </a:pPr>
+            <a:r>
+              <a:rPr lang="hr-HR" sz="1600" b="1" dirty="0"/>
+              <a:t>Klasifikacija</a:t>
+            </a:r>
+          </a:p>
+          <a:p>
+            <a:pPr>
+              <a:spcAft>
+                <a:spcPts val="600"/>
+              </a:spcAft>
+            </a:pPr>
+            <a:r>
+              <a:rPr lang="hr-HR" dirty="0"/>
+              <a:t>Rekonstrukcija tablice</a:t>
+            </a:r>
+          </a:p>
+          <a:p>
+            <a:pPr>
+              <a:spcAft>
+                <a:spcPts val="600"/>
+              </a:spcAft>
+            </a:pPr>
+            <a:r>
+              <a:rPr lang="hr-HR" dirty="0"/>
+              <a:t>Usporedba rezultata</a:t>
+            </a:r>
+          </a:p>
+          <a:p>
+            <a:endParaRPr lang="en-US" dirty="0"/>
+          </a:p>
+          <a:p>
+            <a:endParaRPr lang="en-US" dirty="0"/>
+          </a:p>
+        </p:txBody>
+      </p:sp>
+    </p:spTree>
+    <p:extLst>
+      <p:ext uri="{BB962C8B-B14F-4D97-AF65-F5344CB8AC3E}">
+        <p14:creationId xmlns:p14="http://schemas.microsoft.com/office/powerpoint/2010/main" val="250633637"/>
+      </p:ext>
+    </p:extLst>
+  </p:cSld>
+  <p:clrMapOvr>
+    <a:masterClrMapping/>
+  </p:clrMapOvr>
+  <p:transition>
+    <p:fade/>
+  </p:transition>
+</p:sld>
+</file>
+
+<file path=ppt/slides/slide19.xml><?xml version="1.0" encoding="utf-8"?>
+<p:sld xmlns:a="http://schemas.openxmlformats.org/drawingml/2006/main" xmlns:r="http://schemas.openxmlformats.org/officeDocument/2006/relationships" xmlns:p="http://schemas.openxmlformats.org/presentationml/2006/main">
+  <p:cSld>
+    <p:spTree>
+      <p:nvGrpSpPr>
+        <p:cNvPr id="1" name=""/>
+        <p:cNvGrpSpPr/>
+        <p:nvPr/>
+      </p:nvGrpSpPr>
+      <p:grpSpPr>
+        <a:xfrm>
+          <a:off x="0" y="0"/>
+          <a:ext cx="0" cy="0"/>
+          <a:chOff x="0" y="0"/>
+          <a:chExt cx="0" cy="0"/>
+        </a:xfrm>
+      </p:grpSpPr>
+      <p:sp>
+        <p:nvSpPr>
+          <p:cNvPr id="2" name="Title 1">
+            <a:extLst>
+              <a:ext uri="{FF2B5EF4-FFF2-40B4-BE49-F238E27FC236}">
+                <a16:creationId xmlns:a16="http://schemas.microsoft.com/office/drawing/2014/main" id="{485F9998-2B23-4A52-8FC1-1862EC8F7368}"/>
+              </a:ext>
+            </a:extLst>
+          </p:cNvPr>
+          <p:cNvSpPr>
+            <a:spLocks noGrp="1"/>
+          </p:cNvSpPr>
+          <p:nvPr>
+            <p:ph type="title"/>
+          </p:nvPr>
+        </p:nvSpPr>
+        <p:spPr/>
+        <p:txBody>
+          <a:bodyPr/>
+          <a:lstStyle/>
+          <a:p>
+            <a:r>
+              <a:rPr lang="en-US" dirty="0" err="1"/>
+              <a:t>Rekonstrukcija</a:t>
+            </a:r>
+            <a:r>
+              <a:rPr lang="en-US" dirty="0"/>
+              <a:t> </a:t>
+            </a:r>
+            <a:r>
+              <a:rPr lang="en-US" dirty="0" err="1"/>
+              <a:t>tablice</a:t>
+            </a:r>
+            <a:endParaRPr lang="en-US" dirty="0"/>
+          </a:p>
+        </p:txBody>
+      </p:sp>
+      <p:sp>
+        <p:nvSpPr>
+          <p:cNvPr id="3" name="Content Placeholder 2">
+            <a:extLst>
+              <a:ext uri="{FF2B5EF4-FFF2-40B4-BE49-F238E27FC236}">
+                <a16:creationId xmlns:a16="http://schemas.microsoft.com/office/drawing/2014/main" id="{CF4DD1BD-16F6-47FF-B5EB-6DDA0D342BAF}"/>
+              </a:ext>
+            </a:extLst>
+          </p:cNvPr>
+          <p:cNvSpPr>
+            <a:spLocks noGrp="1"/>
+          </p:cNvSpPr>
+          <p:nvPr>
+            <p:ph idx="1"/>
+          </p:nvPr>
+        </p:nvSpPr>
+        <p:spPr/>
+        <p:txBody>
+          <a:bodyPr/>
+          <a:lstStyle/>
+          <a:p>
+            <a:r>
+              <a:rPr lang="hr-HR" dirty="0"/>
+              <a:t>Sortiranje točaka po koordinatama.</a:t>
+            </a:r>
+          </a:p>
+          <a:p>
+            <a:r>
+              <a:rPr lang="hr-HR" dirty="0"/>
+              <a:t>Grupiranje točaka po X i Y koordinatama kako bi se odredile linije.</a:t>
+            </a:r>
+          </a:p>
+          <a:p>
+            <a:r>
+              <a:rPr lang="hr-HR" dirty="0"/>
+              <a:t>Određivanje ćelija na temelju tako dobivenih linija.</a:t>
+            </a:r>
+          </a:p>
+          <a:p>
+            <a:endParaRPr lang="hr-HR" dirty="0"/>
+          </a:p>
+          <a:p>
+            <a:r>
+              <a:rPr lang="hr-HR" b="1" dirty="0"/>
+              <a:t>MANA:</a:t>
+            </a:r>
+            <a:r>
+              <a:rPr lang="hr-HR" dirty="0"/>
+              <a:t> nemogućnost rekonstrukcije tablica nepravilnih oblika.</a:t>
+            </a:r>
+          </a:p>
+        </p:txBody>
+      </p:sp>
+      <p:sp>
+        <p:nvSpPr>
+          <p:cNvPr id="4" name="Slide Number Placeholder 3">
+            <a:extLst>
+              <a:ext uri="{FF2B5EF4-FFF2-40B4-BE49-F238E27FC236}">
+                <a16:creationId xmlns:a16="http://schemas.microsoft.com/office/drawing/2014/main" id="{F7BF9411-0718-46C9-ADC8-D5ACE351074C}"/>
+              </a:ext>
+            </a:extLst>
+          </p:cNvPr>
+          <p:cNvSpPr>
+            <a:spLocks noGrp="1"/>
+          </p:cNvSpPr>
+          <p:nvPr>
+            <p:ph type="sldNum" sz="quarter" idx="12"/>
+          </p:nvPr>
+        </p:nvSpPr>
+        <p:spPr/>
+        <p:txBody>
+          <a:bodyPr/>
+          <a:lstStyle/>
+          <a:p>
+            <a:fld id="{866E3E7E-7125-49CF-9242-D036CBAD6528}" type="slidenum">
+              <a:rPr lang="en-US" smtClean="0"/>
+              <a:pPr/>
+              <a:t>19</a:t>
+            </a:fld>
+            <a:r>
+              <a:rPr lang="hr-HR" dirty="0"/>
+              <a:t> /24</a:t>
+            </a:r>
+            <a:endParaRPr lang="en-US" dirty="0"/>
+          </a:p>
+        </p:txBody>
+      </p:sp>
+      <p:sp>
+        <p:nvSpPr>
+          <p:cNvPr id="5" name="Content Placeholder 4">
+            <a:extLst>
+              <a:ext uri="{FF2B5EF4-FFF2-40B4-BE49-F238E27FC236}">
+                <a16:creationId xmlns:a16="http://schemas.microsoft.com/office/drawing/2014/main" id="{B89F4569-7101-46BB-B0AC-2FDD3A8FC86F}"/>
+              </a:ext>
+            </a:extLst>
+          </p:cNvPr>
+          <p:cNvSpPr>
+            <a:spLocks noGrp="1"/>
+          </p:cNvSpPr>
+          <p:nvPr>
+            <p:ph sz="quarter" idx="16"/>
+          </p:nvPr>
+        </p:nvSpPr>
+        <p:spPr>
+          <a:xfrm>
+            <a:off x="152400" y="1574800"/>
+            <a:ext cx="1435100" cy="3759200"/>
+          </a:xfrm>
+        </p:spPr>
+        <p:txBody>
+          <a:bodyPr/>
+          <a:lstStyle/>
+          <a:p>
+            <a:pPr>
+              <a:spcAft>
+                <a:spcPts val="600"/>
+              </a:spcAft>
+            </a:pPr>
+            <a:r>
+              <a:rPr lang="en-US" dirty="0" err="1"/>
+              <a:t>Uvod</a:t>
+            </a:r>
+            <a:endParaRPr lang="en-US" dirty="0"/>
+          </a:p>
+          <a:p>
+            <a:pPr>
+              <a:spcAft>
+                <a:spcPts val="600"/>
+              </a:spcAft>
+            </a:pPr>
+            <a:r>
+              <a:rPr lang="en-US" dirty="0" err="1"/>
+              <a:t>Detekcija</a:t>
+            </a:r>
+            <a:r>
+              <a:rPr lang="en-US" dirty="0"/>
+              <a:t> </a:t>
+            </a:r>
+            <a:r>
+              <a:rPr lang="en-US" dirty="0" err="1"/>
+              <a:t>tablice</a:t>
+            </a:r>
+            <a:endParaRPr lang="en-US" dirty="0"/>
+          </a:p>
+          <a:p>
+            <a:pPr>
+              <a:spcAft>
+                <a:spcPts val="600"/>
+              </a:spcAft>
+            </a:pPr>
+            <a:r>
+              <a:rPr lang="en-US" dirty="0" err="1"/>
+              <a:t>Zna</a:t>
+            </a:r>
+            <a:r>
+              <a:rPr lang="hr-HR" dirty="0" err="1"/>
+              <a:t>čajke</a:t>
+            </a:r>
+            <a:endParaRPr lang="hr-HR" dirty="0"/>
+          </a:p>
+          <a:p>
+            <a:pPr>
+              <a:spcAft>
+                <a:spcPts val="600"/>
+              </a:spcAft>
+            </a:pPr>
+            <a:r>
+              <a:rPr lang="hr-HR" dirty="0"/>
+              <a:t>Klasifikacija</a:t>
+            </a:r>
+          </a:p>
+          <a:p>
+            <a:pPr>
+              <a:spcAft>
+                <a:spcPts val="600"/>
+              </a:spcAft>
+            </a:pPr>
+            <a:r>
+              <a:rPr lang="hr-HR" sz="1600" b="1" dirty="0"/>
+              <a:t>Rekonstrukcija tablice</a:t>
+            </a:r>
+          </a:p>
+          <a:p>
+            <a:pPr>
+              <a:spcAft>
+                <a:spcPts val="600"/>
+              </a:spcAft>
+            </a:pPr>
+            <a:r>
+              <a:rPr lang="hr-HR" dirty="0"/>
+              <a:t>Usporedba rezultata</a:t>
+            </a:r>
+          </a:p>
+          <a:p>
+            <a:endParaRPr lang="en-US" dirty="0"/>
+          </a:p>
+          <a:p>
+            <a:endParaRPr lang="en-US" dirty="0"/>
+          </a:p>
+        </p:txBody>
+      </p:sp>
+    </p:spTree>
+    <p:extLst>
+      <p:ext uri="{BB962C8B-B14F-4D97-AF65-F5344CB8AC3E}">
+        <p14:creationId xmlns:p14="http://schemas.microsoft.com/office/powerpoint/2010/main" val="3564370293"/>
+      </p:ext>
+    </p:extLst>
+  </p:cSld>
+  <p:clrMapOvr>
+    <a:masterClrMapping/>
+  </p:clrMapOvr>
+  <p:transition>
+    <p:fade/>
+  </p:transition>
+  <p:timing>
+    <p:tnLst>
+      <p:par>
+        <p:cTn id="1" dur="indefinite" restart="never" nodeType="tmRoot">
+          <p:childTnLst>
+            <p:seq concurrent="1" nextAc="seek">
+              <p:cTn id="2" dur="indefinite" nodeType="mainSeq">
+                <p:childTnLst>
+                  <p:par>
+                    <p:cTn id="3" fill="hold">
+                      <p:stCondLst>
+                        <p:cond delay="indefinite"/>
+                      </p:stCondLst>
+                      <p:childTnLst>
+                        <p:par>
+                          <p:cTn id="4" fill="hold">
+                            <p:stCondLst>
+                              <p:cond delay="0"/>
+                            </p:stCondLst>
+                            <p:childTnLst>
+                              <p:par>
+                                <p:cTn id="5" presetID="10" presetClass="entr" presetSubtype="0" fill="hold" grpId="0" nodeType="clickEffect">
+                                  <p:stCondLst>
+                                    <p:cond delay="0"/>
+                                  </p:stCondLst>
+                                  <p:childTnLst>
+                                    <p:set>
+                                      <p:cBhvr>
+                                        <p:cTn id="6" dur="1" fill="hold">
+                                          <p:stCondLst>
+                                            <p:cond delay="0"/>
+                                          </p:stCondLst>
+                                        </p:cTn>
+                                        <p:tgtEl>
+                                          <p:spTgt spid="3">
+                                            <p:txEl>
+                                              <p:pRg st="0" end="0"/>
+                                            </p:txEl>
+                                          </p:spTgt>
+                                        </p:tgtEl>
+                                        <p:attrNameLst>
+                                          <p:attrName>style.visibility</p:attrName>
+                                        </p:attrNameLst>
+                                      </p:cBhvr>
+                                      <p:to>
+                                        <p:strVal val="visible"/>
+                                      </p:to>
+                                    </p:set>
+                                    <p:animEffect transition="in" filter="fade">
+                                      <p:cBhvr>
+                                        <p:cTn id="7" dur="500"/>
+                                        <p:tgtEl>
+                                          <p:spTgt spid="3">
+                                            <p:txEl>
+                                              <p:pRg st="0" end="0"/>
+                                            </p:txEl>
+                                          </p:spTgt>
+                                        </p:tgtEl>
+                                      </p:cBhvr>
+                                    </p:animEffect>
+                                  </p:childTnLst>
+                                </p:cTn>
+                              </p:par>
+                            </p:childTnLst>
+                          </p:cTn>
+                        </p:par>
+                      </p:childTnLst>
+                    </p:cTn>
+                  </p:par>
+                  <p:par>
+                    <p:cTn id="8" fill="hold">
+                      <p:stCondLst>
+                        <p:cond delay="indefinite"/>
+                      </p:stCondLst>
+                      <p:childTnLst>
+                        <p:par>
+                          <p:cTn id="9" fill="hold">
+                            <p:stCondLst>
+                              <p:cond delay="0"/>
+                            </p:stCondLst>
+                            <p:childTnLst>
+                              <p:par>
+                                <p:cTn id="10" presetID="10" presetClass="entr" presetSubtype="0" fill="hold" grpId="0" nodeType="clickEffect">
+                                  <p:stCondLst>
+                                    <p:cond delay="0"/>
+                                  </p:stCondLst>
+                                  <p:childTnLst>
+                                    <p:set>
+                                      <p:cBhvr>
+                                        <p:cTn id="11" dur="1" fill="hold">
+                                          <p:stCondLst>
+                                            <p:cond delay="0"/>
+                                          </p:stCondLst>
+                                        </p:cTn>
+                                        <p:tgtEl>
+                                          <p:spTgt spid="3">
+                                            <p:txEl>
+                                              <p:pRg st="1" end="1"/>
+                                            </p:txEl>
+                                          </p:spTgt>
+                                        </p:tgtEl>
+                                        <p:attrNameLst>
+                                          <p:attrName>style.visibility</p:attrName>
+                                        </p:attrNameLst>
+                                      </p:cBhvr>
+                                      <p:to>
+                                        <p:strVal val="visible"/>
+                                      </p:to>
+                                    </p:set>
+                                    <p:animEffect transition="in" filter="fade">
+                                      <p:cBhvr>
+                                        <p:cTn id="12" dur="500"/>
+                                        <p:tgtEl>
+                                          <p:spTgt spid="3">
+                                            <p:txEl>
+                                              <p:pRg st="1" end="1"/>
+                                            </p:txEl>
+                                          </p:spTgt>
+                                        </p:tgtEl>
+                                      </p:cBhvr>
+                                    </p:animEffect>
+                                  </p:childTnLst>
+                                </p:cTn>
+                              </p:par>
+                            </p:childTnLst>
+                          </p:cTn>
+                        </p:par>
+                      </p:childTnLst>
+                    </p:cTn>
+                  </p:par>
+                  <p:par>
+                    <p:cTn id="13" fill="hold">
+                      <p:stCondLst>
+                        <p:cond delay="indefinite"/>
+                      </p:stCondLst>
+                      <p:childTnLst>
+                        <p:par>
+                          <p:cTn id="14" fill="hold">
+                            <p:stCondLst>
+                              <p:cond delay="0"/>
+                            </p:stCondLst>
+                            <p:childTnLst>
+                              <p:par>
+                                <p:cTn id="15" presetID="10" presetClass="entr" presetSubtype="0" fill="hold" grpId="0" nodeType="clickEffect">
+                                  <p:stCondLst>
+                                    <p:cond delay="0"/>
+                                  </p:stCondLst>
+                                  <p:childTnLst>
+                                    <p:set>
+                                      <p:cBhvr>
+                                        <p:cTn id="16" dur="1" fill="hold">
+                                          <p:stCondLst>
+                                            <p:cond delay="0"/>
+                                          </p:stCondLst>
+                                        </p:cTn>
+                                        <p:tgtEl>
+                                          <p:spTgt spid="3">
+                                            <p:txEl>
+                                              <p:pRg st="2" end="2"/>
+                                            </p:txEl>
+                                          </p:spTgt>
+                                        </p:tgtEl>
+                                        <p:attrNameLst>
+                                          <p:attrName>style.visibility</p:attrName>
+                                        </p:attrNameLst>
+                                      </p:cBhvr>
+                                      <p:to>
+                                        <p:strVal val="visible"/>
+                                      </p:to>
+                                    </p:set>
+                                    <p:animEffect transition="in" filter="fade">
+                                      <p:cBhvr>
+                                        <p:cTn id="17" dur="500"/>
+                                        <p:tgtEl>
+                                          <p:spTgt spid="3">
+                                            <p:txEl>
+                                              <p:pRg st="2" end="2"/>
+                                            </p:txEl>
+                                          </p:spTgt>
+                                        </p:tgtEl>
+                                      </p:cBhvr>
+                                    </p:animEffect>
+                                  </p:childTnLst>
+                                </p:cTn>
+                              </p:par>
+                            </p:childTnLst>
+                          </p:cTn>
+                        </p:par>
+                      </p:childTnLst>
+                    </p:cTn>
+                  </p:par>
+                  <p:par>
+                    <p:cTn id="18" fill="hold">
+                      <p:stCondLst>
+                        <p:cond delay="indefinite"/>
+                      </p:stCondLst>
+                      <p:childTnLst>
+                        <p:par>
+                          <p:cTn id="19" fill="hold">
+                            <p:stCondLst>
+                              <p:cond delay="0"/>
+                            </p:stCondLst>
+                            <p:childTnLst>
+                              <p:par>
+                                <p:cTn id="20" presetID="10" presetClass="entr" presetSubtype="0" fill="hold" grpId="0" nodeType="clickEffect">
+                                  <p:stCondLst>
+                                    <p:cond delay="0"/>
+                                  </p:stCondLst>
+                                  <p:childTnLst>
+                                    <p:set>
+                                      <p:cBhvr>
+                                        <p:cTn id="21" dur="1" fill="hold">
+                                          <p:stCondLst>
+                                            <p:cond delay="0"/>
+                                          </p:stCondLst>
+                                        </p:cTn>
+                                        <p:tgtEl>
+                                          <p:spTgt spid="3">
+                                            <p:txEl>
+                                              <p:pRg st="4" end="4"/>
+                                            </p:txEl>
+                                          </p:spTgt>
+                                        </p:tgtEl>
+                                        <p:attrNameLst>
+                                          <p:attrName>style.visibility</p:attrName>
+                                        </p:attrNameLst>
+                                      </p:cBhvr>
+                                      <p:to>
+                                        <p:strVal val="visible"/>
+                                      </p:to>
+                                    </p:set>
+                                    <p:animEffect transition="in" filter="fade">
+                                      <p:cBhvr>
+                                        <p:cTn id="22" dur="500"/>
+                                        <p:tgtEl>
+                                          <p:spTgt spid="3">
+                                            <p:txEl>
+                                              <p:pRg st="4" end="4"/>
+                                            </p:txEl>
+                                          </p:spTgt>
+                                        </p:tgtEl>
+                                      </p:cBhvr>
+                                    </p:animEffect>
+                                  </p:childTnLst>
+                                </p:cTn>
+                              </p:par>
+                            </p:childTnLst>
+                          </p:cTn>
+                        </p:par>
+                      </p:childTnLst>
+                    </p:cTn>
+                  </p:par>
+                </p:childTnLst>
+              </p:cTn>
+              <p:prevCondLst>
+                <p:cond evt="onPrev" delay="0">
+                  <p:tgtEl>
+                    <p:sldTgt/>
+                  </p:tgtEl>
+                </p:cond>
+              </p:prevCondLst>
+              <p:nextCondLst>
+                <p:cond evt="onNext" delay="0">
+                  <p:tgtEl>
+                    <p:sldTgt/>
+                  </p:tgtEl>
+                </p:cond>
+              </p:nextCondLst>
+            </p:seq>
+          </p:childTnLst>
+        </p:cTn>
+      </p:par>
+    </p:tnLst>
+    <p:bldLst>
+      <p:bldP spid="3" grpId="0" build="p"/>
+    </p:bldLst>
+  </p:timing>
 </p:sld>
 </file>
 
@@ -3653,6 +8152,60 @@
           <a:bodyPr/>
           <a:lstStyle/>
           <a:p>
+            <a:r>
+              <a:rPr lang="en-US" dirty="0" err="1"/>
+              <a:t>Uvod</a:t>
+            </a:r>
+            <a:endParaRPr lang="en-US" dirty="0"/>
+          </a:p>
+          <a:p>
+            <a:r>
+              <a:rPr lang="en-US" dirty="0" err="1"/>
+              <a:t>Detekcija</a:t>
+            </a:r>
+            <a:r>
+              <a:rPr lang="en-US" dirty="0"/>
+              <a:t> </a:t>
+            </a:r>
+            <a:r>
+              <a:rPr lang="en-US" dirty="0" err="1"/>
+              <a:t>tablice</a:t>
+            </a:r>
+            <a:endParaRPr lang="en-US" dirty="0"/>
+          </a:p>
+          <a:p>
+            <a:r>
+              <a:rPr lang="en-US" dirty="0" err="1"/>
+              <a:t>Zna</a:t>
+            </a:r>
+            <a:r>
+              <a:rPr lang="hr-HR" dirty="0" err="1"/>
+              <a:t>čajke</a:t>
+            </a:r>
+            <a:endParaRPr lang="hr-HR" dirty="0"/>
+          </a:p>
+          <a:p>
+            <a:r>
+              <a:rPr lang="hr-HR" dirty="0"/>
+              <a:t>Klasifikacija</a:t>
+            </a:r>
+          </a:p>
+          <a:p>
+            <a:r>
+              <a:rPr lang="hr-HR" dirty="0"/>
+              <a:t>Rekonstrukcija tablice</a:t>
+            </a:r>
+          </a:p>
+          <a:p>
+            <a:r>
+              <a:rPr lang="hr-HR" dirty="0"/>
+              <a:t>Usporedba rezultata</a:t>
+            </a:r>
+          </a:p>
+          <a:p>
+            <a:endParaRPr lang="en-US" dirty="0"/>
+          </a:p>
+          <a:p>
             <a:endParaRPr lang="en-US" dirty="0"/>
           </a:p>
         </p:txBody>
@@ -3682,7 +8235,114 @@
               <a:rPr lang="en-US" smtClean="0"/>
               <a:t>2</a:t>
             </a:fld>
-            <a:endParaRPr lang="en-US" dirty="0"/>
+            <a:r>
+              <a:rPr lang="hr-HR"/>
+              <a:t> /24</a:t>
+            </a:r>
+            <a:endParaRPr lang="en-US" dirty="0"/>
+          </a:p>
+        </p:txBody>
+      </p:sp>
+      <p:sp>
+        <p:nvSpPr>
+          <p:cNvPr id="7" name="Content Placeholder 6">
+            <a:extLst>
+              <a:ext uri="{FF2B5EF4-FFF2-40B4-BE49-F238E27FC236}">
+                <a16:creationId xmlns:a16="http://schemas.microsoft.com/office/drawing/2014/main" id="{81A7C25F-D9AB-4E70-921F-C57AD1E78302}"/>
+              </a:ext>
+            </a:extLst>
+          </p:cNvPr>
+          <p:cNvSpPr>
+            <a:spLocks noGrp="1"/>
+          </p:cNvSpPr>
+          <p:nvPr>
+            <p:ph sz="quarter" idx="16"/>
+          </p:nvPr>
+        </p:nvSpPr>
+        <p:spPr/>
+        <p:txBody>
+          <a:bodyPr/>
+          <a:lstStyle/>
+          <a:p>
+            <a:pPr>
+              <a:spcAft>
+                <a:spcPts val="600"/>
+              </a:spcAft>
+            </a:pPr>
+            <a:r>
+              <a:rPr lang="en-US" sz="1600" b="1" dirty="0" err="1"/>
+              <a:t>Uvod</a:t>
+            </a:r>
+            <a:endParaRPr lang="en-US" b="1" dirty="0"/>
+          </a:p>
+          <a:p>
+            <a:pPr>
+              <a:spcAft>
+                <a:spcPts val="600"/>
+              </a:spcAft>
+            </a:pPr>
+            <a:r>
+              <a:rPr lang="en-US" dirty="0" err="1"/>
+              <a:t>Detekcija</a:t>
+            </a:r>
+            <a:r>
+              <a:rPr lang="en-US" dirty="0"/>
+              <a:t> </a:t>
+            </a:r>
+            <a:r>
+              <a:rPr lang="en-US" dirty="0" err="1"/>
+              <a:t>tablice</a:t>
+            </a:r>
+            <a:endParaRPr lang="en-US" dirty="0"/>
+          </a:p>
+          <a:p>
+            <a:pPr>
+              <a:spcAft>
+                <a:spcPts val="600"/>
+              </a:spcAft>
+            </a:pPr>
+            <a:r>
+              <a:rPr lang="en-US" dirty="0" err="1"/>
+              <a:t>Zna</a:t>
+            </a:r>
+            <a:r>
+              <a:rPr lang="hr-HR" dirty="0" err="1"/>
+              <a:t>čajke</a:t>
+            </a:r>
+            <a:endParaRPr lang="hr-HR" dirty="0"/>
+          </a:p>
+          <a:p>
+            <a:pPr>
+              <a:spcAft>
+                <a:spcPts val="600"/>
+              </a:spcAft>
+            </a:pPr>
+            <a:r>
+              <a:rPr lang="hr-HR" dirty="0"/>
+              <a:t>Klasifikacija</a:t>
+            </a:r>
+          </a:p>
+          <a:p>
+            <a:pPr>
+              <a:spcAft>
+                <a:spcPts val="600"/>
+              </a:spcAft>
+            </a:pPr>
+            <a:r>
+              <a:rPr lang="hr-HR" dirty="0"/>
+              <a:t>Rekonstrukcija tablice</a:t>
+            </a:r>
+          </a:p>
+          <a:p>
+            <a:pPr>
+              <a:spcAft>
+                <a:spcPts val="600"/>
+              </a:spcAft>
+            </a:pPr>
+            <a:r>
+              <a:rPr lang="hr-HR" dirty="0"/>
+              <a:t>Usporedba rezultata</a:t>
+            </a:r>
           </a:p>
         </p:txBody>
       </p:sp>
@@ -3696,6 +8356,1204 @@
   <p:clrMapOvr>
     <a:masterClrMapping/>
   </p:clrMapOvr>
+  <p:transition>
+    <p:fade/>
+  </p:transition>
+</p:sld>
+</file>
+
+<file path=ppt/slides/slide20.xml><?xml version="1.0" encoding="utf-8"?>
+<p:sld xmlns:a="http://schemas.openxmlformats.org/drawingml/2006/main" xmlns:r="http://schemas.openxmlformats.org/officeDocument/2006/relationships" xmlns:p="http://schemas.openxmlformats.org/presentationml/2006/main">
+  <p:cSld>
+    <p:spTree>
+      <p:nvGrpSpPr>
+        <p:cNvPr id="1" name=""/>
+        <p:cNvGrpSpPr/>
+        <p:nvPr/>
+      </p:nvGrpSpPr>
+      <p:grpSpPr>
+        <a:xfrm>
+          <a:off x="0" y="0"/>
+          <a:ext cx="0" cy="0"/>
+          <a:chOff x="0" y="0"/>
+          <a:chExt cx="0" cy="0"/>
+        </a:xfrm>
+      </p:grpSpPr>
+      <p:sp>
+        <p:nvSpPr>
+          <p:cNvPr id="2" name="Title 1">
+            <a:extLst>
+              <a:ext uri="{FF2B5EF4-FFF2-40B4-BE49-F238E27FC236}">
+                <a16:creationId xmlns:a16="http://schemas.microsoft.com/office/drawing/2014/main" id="{8BB2F37C-3390-49E2-A406-D9D54387A3A9}"/>
+              </a:ext>
+            </a:extLst>
+          </p:cNvPr>
+          <p:cNvSpPr>
+            <a:spLocks noGrp="1"/>
+          </p:cNvSpPr>
+          <p:nvPr>
+            <p:ph type="title"/>
+          </p:nvPr>
+        </p:nvSpPr>
+        <p:spPr/>
+        <p:txBody>
+          <a:bodyPr/>
+          <a:lstStyle/>
+          <a:p>
+            <a:r>
+              <a:rPr lang="en-US" dirty="0"/>
+              <a:t>Kori</a:t>
+            </a:r>
+            <a:r>
+              <a:rPr lang="hr-HR" dirty="0" err="1"/>
+              <a:t>štenje</a:t>
+            </a:r>
+            <a:r>
+              <a:rPr lang="hr-HR" dirty="0"/>
+              <a:t> prethodno stečenog znanja</a:t>
+            </a:r>
+            <a:endParaRPr lang="en-US" dirty="0"/>
+          </a:p>
+        </p:txBody>
+      </p:sp>
+      <p:sp>
+        <p:nvSpPr>
+          <p:cNvPr id="3" name="Content Placeholder 2">
+            <a:extLst>
+              <a:ext uri="{FF2B5EF4-FFF2-40B4-BE49-F238E27FC236}">
+                <a16:creationId xmlns:a16="http://schemas.microsoft.com/office/drawing/2014/main" id="{E9727B54-F81C-443D-A880-757DC105BAC6}"/>
+              </a:ext>
+            </a:extLst>
+          </p:cNvPr>
+          <p:cNvSpPr>
+            <a:spLocks noGrp="1"/>
+          </p:cNvSpPr>
+          <p:nvPr>
+            <p:ph idx="1"/>
+          </p:nvPr>
+        </p:nvSpPr>
+        <p:spPr/>
+        <p:txBody>
+          <a:bodyPr/>
+          <a:lstStyle/>
+          <a:p>
+            <a:r>
+              <a:rPr lang="hr-HR" dirty="0"/>
+              <a:t>Mogućnost ubrzavanja detekcije kod velikog skupa istih tablica.</a:t>
+            </a:r>
+          </a:p>
+          <a:p>
+            <a:r>
+              <a:rPr lang="hr-HR" dirty="0"/>
+              <a:t>Pretpostavlja se da se isti vrhovi nalaze na sličnim pozicijama.</a:t>
+            </a:r>
+          </a:p>
+          <a:p>
+            <a:r>
+              <a:rPr lang="hr-HR" dirty="0"/>
+              <a:t>Pretražuju se samo okoline prethodno detektiranih vrhova.</a:t>
+            </a:r>
+            <a:endParaRPr lang="en-US" dirty="0"/>
+          </a:p>
+        </p:txBody>
+      </p:sp>
+      <p:sp>
+        <p:nvSpPr>
+          <p:cNvPr id="4" name="Slide Number Placeholder 3">
+            <a:extLst>
+              <a:ext uri="{FF2B5EF4-FFF2-40B4-BE49-F238E27FC236}">
+                <a16:creationId xmlns:a16="http://schemas.microsoft.com/office/drawing/2014/main" id="{16B9E566-5812-4904-82B1-54FF467D57A6}"/>
+              </a:ext>
+            </a:extLst>
+          </p:cNvPr>
+          <p:cNvSpPr>
+            <a:spLocks noGrp="1"/>
+          </p:cNvSpPr>
+          <p:nvPr>
+            <p:ph type="sldNum" sz="quarter" idx="12"/>
+          </p:nvPr>
+        </p:nvSpPr>
+        <p:spPr/>
+        <p:txBody>
+          <a:bodyPr/>
+          <a:lstStyle/>
+          <a:p>
+            <a:fld id="{866E3E7E-7125-49CF-9242-D036CBAD6528}" type="slidenum">
+              <a:rPr lang="en-US" smtClean="0"/>
+              <a:pPr/>
+              <a:t>20</a:t>
+            </a:fld>
+            <a:r>
+              <a:rPr lang="hr-HR" dirty="0"/>
+              <a:t> /24</a:t>
+            </a:r>
+            <a:endParaRPr lang="en-US" dirty="0"/>
+          </a:p>
+        </p:txBody>
+      </p:sp>
+      <p:sp>
+        <p:nvSpPr>
+          <p:cNvPr id="5" name="Content Placeholder 4">
+            <a:extLst>
+              <a:ext uri="{FF2B5EF4-FFF2-40B4-BE49-F238E27FC236}">
+                <a16:creationId xmlns:a16="http://schemas.microsoft.com/office/drawing/2014/main" id="{BC54D198-5E5E-4791-98C5-5ADE9ED196D8}"/>
+              </a:ext>
+            </a:extLst>
+          </p:cNvPr>
+          <p:cNvSpPr>
+            <a:spLocks noGrp="1"/>
+          </p:cNvSpPr>
+          <p:nvPr>
+            <p:ph sz="quarter" idx="16"/>
+          </p:nvPr>
+        </p:nvSpPr>
+        <p:spPr>
+          <a:xfrm>
+            <a:off x="152400" y="1574800"/>
+            <a:ext cx="1473200" cy="3759200"/>
+          </a:xfrm>
+        </p:spPr>
+        <p:txBody>
+          <a:bodyPr/>
+          <a:lstStyle/>
+          <a:p>
+            <a:pPr>
+              <a:spcAft>
+                <a:spcPts val="600"/>
+              </a:spcAft>
+            </a:pPr>
+            <a:r>
+              <a:rPr lang="en-US" dirty="0" err="1"/>
+              <a:t>Uvod</a:t>
+            </a:r>
+            <a:endParaRPr lang="en-US" dirty="0"/>
+          </a:p>
+          <a:p>
+            <a:pPr>
+              <a:spcAft>
+                <a:spcPts val="600"/>
+              </a:spcAft>
+            </a:pPr>
+            <a:r>
+              <a:rPr lang="en-US" dirty="0" err="1"/>
+              <a:t>Detekcija</a:t>
+            </a:r>
+            <a:r>
+              <a:rPr lang="en-US" dirty="0"/>
+              <a:t> </a:t>
+            </a:r>
+            <a:r>
+              <a:rPr lang="en-US" dirty="0" err="1"/>
+              <a:t>tablice</a:t>
+            </a:r>
+            <a:endParaRPr lang="en-US" dirty="0"/>
+          </a:p>
+          <a:p>
+            <a:pPr>
+              <a:spcAft>
+                <a:spcPts val="600"/>
+              </a:spcAft>
+            </a:pPr>
+            <a:r>
+              <a:rPr lang="en-US" dirty="0" err="1"/>
+              <a:t>Zna</a:t>
+            </a:r>
+            <a:r>
+              <a:rPr lang="hr-HR" dirty="0" err="1"/>
+              <a:t>čajke</a:t>
+            </a:r>
+            <a:endParaRPr lang="hr-HR" dirty="0"/>
+          </a:p>
+          <a:p>
+            <a:pPr>
+              <a:spcAft>
+                <a:spcPts val="600"/>
+              </a:spcAft>
+            </a:pPr>
+            <a:r>
+              <a:rPr lang="hr-HR" dirty="0"/>
+              <a:t>Klasifikacija</a:t>
+            </a:r>
+          </a:p>
+          <a:p>
+            <a:pPr>
+              <a:spcAft>
+                <a:spcPts val="600"/>
+              </a:spcAft>
+            </a:pPr>
+            <a:r>
+              <a:rPr lang="hr-HR" sz="1600" b="1" dirty="0"/>
+              <a:t>Rekonstrukcija tablice</a:t>
+            </a:r>
+          </a:p>
+          <a:p>
+            <a:pPr>
+              <a:spcAft>
+                <a:spcPts val="600"/>
+              </a:spcAft>
+            </a:pPr>
+            <a:r>
+              <a:rPr lang="hr-HR" dirty="0"/>
+              <a:t>Usporedba rezultata</a:t>
+            </a:r>
+          </a:p>
+          <a:p>
+            <a:endParaRPr lang="en-US" dirty="0"/>
+          </a:p>
+          <a:p>
+            <a:endParaRPr lang="en-US" dirty="0"/>
+          </a:p>
+        </p:txBody>
+      </p:sp>
+    </p:spTree>
+    <p:extLst>
+      <p:ext uri="{BB962C8B-B14F-4D97-AF65-F5344CB8AC3E}">
+        <p14:creationId xmlns:p14="http://schemas.microsoft.com/office/powerpoint/2010/main" val="2076664084"/>
+      </p:ext>
+    </p:extLst>
+  </p:cSld>
+  <p:clrMapOvr>
+    <a:masterClrMapping/>
+  </p:clrMapOvr>
+  <p:transition>
+    <p:fade/>
+  </p:transition>
+  <p:timing>
+    <p:tnLst>
+      <p:par>
+        <p:cTn id="1" dur="indefinite" restart="never" nodeType="tmRoot">
+          <p:childTnLst>
+            <p:seq concurrent="1" nextAc="seek">
+              <p:cTn id="2" dur="indefinite" nodeType="mainSeq">
+                <p:childTnLst>
+                  <p:par>
+                    <p:cTn id="3" fill="hold">
+                      <p:stCondLst>
+                        <p:cond delay="indefinite"/>
+                      </p:stCondLst>
+                      <p:childTnLst>
+                        <p:par>
+                          <p:cTn id="4" fill="hold">
+                            <p:stCondLst>
+                              <p:cond delay="0"/>
+                            </p:stCondLst>
+                            <p:childTnLst>
+                              <p:par>
+                                <p:cTn id="5" presetID="10" presetClass="entr" presetSubtype="0" fill="hold" grpId="0" nodeType="clickEffect">
+                                  <p:stCondLst>
+                                    <p:cond delay="0"/>
+                                  </p:stCondLst>
+                                  <p:childTnLst>
+                                    <p:set>
+                                      <p:cBhvr>
+                                        <p:cTn id="6" dur="1" fill="hold">
+                                          <p:stCondLst>
+                                            <p:cond delay="0"/>
+                                          </p:stCondLst>
+                                        </p:cTn>
+                                        <p:tgtEl>
+                                          <p:spTgt spid="3">
+                                            <p:txEl>
+                                              <p:pRg st="0" end="0"/>
+                                            </p:txEl>
+                                          </p:spTgt>
+                                        </p:tgtEl>
+                                        <p:attrNameLst>
+                                          <p:attrName>style.visibility</p:attrName>
+                                        </p:attrNameLst>
+                                      </p:cBhvr>
+                                      <p:to>
+                                        <p:strVal val="visible"/>
+                                      </p:to>
+                                    </p:set>
+                                    <p:animEffect transition="in" filter="fade">
+                                      <p:cBhvr>
+                                        <p:cTn id="7" dur="500"/>
+                                        <p:tgtEl>
+                                          <p:spTgt spid="3">
+                                            <p:txEl>
+                                              <p:pRg st="0" end="0"/>
+                                            </p:txEl>
+                                          </p:spTgt>
+                                        </p:tgtEl>
+                                      </p:cBhvr>
+                                    </p:animEffect>
+                                  </p:childTnLst>
+                                </p:cTn>
+                              </p:par>
+                            </p:childTnLst>
+                          </p:cTn>
+                        </p:par>
+                      </p:childTnLst>
+                    </p:cTn>
+                  </p:par>
+                  <p:par>
+                    <p:cTn id="8" fill="hold">
+                      <p:stCondLst>
+                        <p:cond delay="indefinite"/>
+                      </p:stCondLst>
+                      <p:childTnLst>
+                        <p:par>
+                          <p:cTn id="9" fill="hold">
+                            <p:stCondLst>
+                              <p:cond delay="0"/>
+                            </p:stCondLst>
+                            <p:childTnLst>
+                              <p:par>
+                                <p:cTn id="10" presetID="10" presetClass="entr" presetSubtype="0" fill="hold" grpId="0" nodeType="clickEffect">
+                                  <p:stCondLst>
+                                    <p:cond delay="0"/>
+                                  </p:stCondLst>
+                                  <p:childTnLst>
+                                    <p:set>
+                                      <p:cBhvr>
+                                        <p:cTn id="11" dur="1" fill="hold">
+                                          <p:stCondLst>
+                                            <p:cond delay="0"/>
+                                          </p:stCondLst>
+                                        </p:cTn>
+                                        <p:tgtEl>
+                                          <p:spTgt spid="3">
+                                            <p:txEl>
+                                              <p:pRg st="1" end="1"/>
+                                            </p:txEl>
+                                          </p:spTgt>
+                                        </p:tgtEl>
+                                        <p:attrNameLst>
+                                          <p:attrName>style.visibility</p:attrName>
+                                        </p:attrNameLst>
+                                      </p:cBhvr>
+                                      <p:to>
+                                        <p:strVal val="visible"/>
+                                      </p:to>
+                                    </p:set>
+                                    <p:animEffect transition="in" filter="fade">
+                                      <p:cBhvr>
+                                        <p:cTn id="12" dur="500"/>
+                                        <p:tgtEl>
+                                          <p:spTgt spid="3">
+                                            <p:txEl>
+                                              <p:pRg st="1" end="1"/>
+                                            </p:txEl>
+                                          </p:spTgt>
+                                        </p:tgtEl>
+                                      </p:cBhvr>
+                                    </p:animEffect>
+                                  </p:childTnLst>
+                                </p:cTn>
+                              </p:par>
+                            </p:childTnLst>
+                          </p:cTn>
+                        </p:par>
+                      </p:childTnLst>
+                    </p:cTn>
+                  </p:par>
+                  <p:par>
+                    <p:cTn id="13" fill="hold">
+                      <p:stCondLst>
+                        <p:cond delay="indefinite"/>
+                      </p:stCondLst>
+                      <p:childTnLst>
+                        <p:par>
+                          <p:cTn id="14" fill="hold">
+                            <p:stCondLst>
+                              <p:cond delay="0"/>
+                            </p:stCondLst>
+                            <p:childTnLst>
+                              <p:par>
+                                <p:cTn id="15" presetID="10" presetClass="entr" presetSubtype="0" fill="hold" grpId="0" nodeType="clickEffect">
+                                  <p:stCondLst>
+                                    <p:cond delay="0"/>
+                                  </p:stCondLst>
+                                  <p:childTnLst>
+                                    <p:set>
+                                      <p:cBhvr>
+                                        <p:cTn id="16" dur="1" fill="hold">
+                                          <p:stCondLst>
+                                            <p:cond delay="0"/>
+                                          </p:stCondLst>
+                                        </p:cTn>
+                                        <p:tgtEl>
+                                          <p:spTgt spid="3">
+                                            <p:txEl>
+                                              <p:pRg st="2" end="2"/>
+                                            </p:txEl>
+                                          </p:spTgt>
+                                        </p:tgtEl>
+                                        <p:attrNameLst>
+                                          <p:attrName>style.visibility</p:attrName>
+                                        </p:attrNameLst>
+                                      </p:cBhvr>
+                                      <p:to>
+                                        <p:strVal val="visible"/>
+                                      </p:to>
+                                    </p:set>
+                                    <p:animEffect transition="in" filter="fade">
+                                      <p:cBhvr>
+                                        <p:cTn id="17" dur="500"/>
+                                        <p:tgtEl>
+                                          <p:spTgt spid="3">
+                                            <p:txEl>
+                                              <p:pRg st="2" end="2"/>
+                                            </p:txEl>
+                                          </p:spTgt>
+                                        </p:tgtEl>
+                                      </p:cBhvr>
+                                    </p:animEffect>
+                                  </p:childTnLst>
+                                </p:cTn>
+                              </p:par>
+                            </p:childTnLst>
+                          </p:cTn>
+                        </p:par>
+                      </p:childTnLst>
+                    </p:cTn>
+                  </p:par>
+                </p:childTnLst>
+              </p:cTn>
+              <p:prevCondLst>
+                <p:cond evt="onPrev" delay="0">
+                  <p:tgtEl>
+                    <p:sldTgt/>
+                  </p:tgtEl>
+                </p:cond>
+              </p:prevCondLst>
+              <p:nextCondLst>
+                <p:cond evt="onNext" delay="0">
+                  <p:tgtEl>
+                    <p:sldTgt/>
+                  </p:tgtEl>
+                </p:cond>
+              </p:nextCondLst>
+            </p:seq>
+          </p:childTnLst>
+        </p:cTn>
+      </p:par>
+    </p:tnLst>
+    <p:bldLst>
+      <p:bldP spid="3" grpId="0" build="p"/>
+    </p:bldLst>
+  </p:timing>
+</p:sld>
+</file>
+
+<file path=ppt/slides/slide21.xml><?xml version="1.0" encoding="utf-8"?>
+<p:sld xmlns:a="http://schemas.openxmlformats.org/drawingml/2006/main" xmlns:r="http://schemas.openxmlformats.org/officeDocument/2006/relationships" xmlns:p="http://schemas.openxmlformats.org/presentationml/2006/main">
+  <p:cSld>
+    <p:spTree>
+      <p:nvGrpSpPr>
+        <p:cNvPr id="1" name=""/>
+        <p:cNvGrpSpPr/>
+        <p:nvPr/>
+      </p:nvGrpSpPr>
+      <p:grpSpPr>
+        <a:xfrm>
+          <a:off x="0" y="0"/>
+          <a:ext cx="0" cy="0"/>
+          <a:chOff x="0" y="0"/>
+          <a:chExt cx="0" cy="0"/>
+        </a:xfrm>
+      </p:grpSpPr>
+      <p:sp>
+        <p:nvSpPr>
+          <p:cNvPr id="2" name="Title 1">
+            <a:extLst>
+              <a:ext uri="{FF2B5EF4-FFF2-40B4-BE49-F238E27FC236}">
+                <a16:creationId xmlns:a16="http://schemas.microsoft.com/office/drawing/2014/main" id="{BD3C2408-B10F-41D8-976C-0AEFC5292E78}"/>
+              </a:ext>
+            </a:extLst>
+          </p:cNvPr>
+          <p:cNvSpPr>
+            <a:spLocks noGrp="1"/>
+          </p:cNvSpPr>
+          <p:nvPr>
+            <p:ph type="title"/>
+          </p:nvPr>
+        </p:nvSpPr>
+        <p:spPr/>
+        <p:txBody>
+          <a:bodyPr/>
+          <a:lstStyle/>
+          <a:p>
+            <a:r>
+              <a:rPr lang="hr-HR" dirty="0"/>
+              <a:t>Usporedba vremena izvođenja</a:t>
+            </a:r>
+            <a:endParaRPr lang="en-US" dirty="0"/>
+          </a:p>
+        </p:txBody>
+      </p:sp>
+      <p:pic>
+        <p:nvPicPr>
+          <p:cNvPr id="12" name="Content Placeholder 11" descr="A screenshot of a cell phone&#10;&#10;Description generated with very high confidence">
+            <a:extLst>
+              <a:ext uri="{FF2B5EF4-FFF2-40B4-BE49-F238E27FC236}">
+                <a16:creationId xmlns:a16="http://schemas.microsoft.com/office/drawing/2014/main" id="{21AC087B-4FEA-448F-8F47-4CD8B45CDB25}"/>
+              </a:ext>
+            </a:extLst>
+          </p:cNvPr>
+          <p:cNvPicPr>
+            <a:picLocks noGrp="1" noChangeAspect="1"/>
+          </p:cNvPicPr>
+          <p:nvPr>
+            <p:ph idx="1"/>
+          </p:nvPr>
+        </p:nvPicPr>
+        <p:blipFill>
+          <a:blip r:embed="rId2">
+            <a:extLst>
+              <a:ext uri="{28A0092B-C50C-407E-A947-70E740481C1C}">
+                <a14:useLocalDpi xmlns:a14="http://schemas.microsoft.com/office/drawing/2010/main" val="0"/>
+              </a:ext>
+            </a:extLst>
+          </a:blip>
+          <a:stretch>
+            <a:fillRect/>
+          </a:stretch>
+        </p:blipFill>
+        <p:spPr>
+          <a:xfrm>
+            <a:off x="2393757" y="1825625"/>
+            <a:ext cx="6029711" cy="4351338"/>
+          </a:xfrm>
+        </p:spPr>
+      </p:pic>
+      <p:sp>
+        <p:nvSpPr>
+          <p:cNvPr id="4" name="Slide Number Placeholder 3">
+            <a:extLst>
+              <a:ext uri="{FF2B5EF4-FFF2-40B4-BE49-F238E27FC236}">
+                <a16:creationId xmlns:a16="http://schemas.microsoft.com/office/drawing/2014/main" id="{4CB1FAF3-9C0D-4F2B-A27A-2B0EB46BA9C8}"/>
+              </a:ext>
+            </a:extLst>
+          </p:cNvPr>
+          <p:cNvSpPr>
+            <a:spLocks noGrp="1"/>
+          </p:cNvSpPr>
+          <p:nvPr>
+            <p:ph type="sldNum" sz="quarter" idx="12"/>
+          </p:nvPr>
+        </p:nvSpPr>
+        <p:spPr/>
+        <p:txBody>
+          <a:bodyPr/>
+          <a:lstStyle/>
+          <a:p>
+            <a:fld id="{866E3E7E-7125-49CF-9242-D036CBAD6528}" type="slidenum">
+              <a:rPr lang="en-US" smtClean="0"/>
+              <a:pPr/>
+              <a:t>21</a:t>
+            </a:fld>
+            <a:r>
+              <a:rPr lang="hr-HR" dirty="0"/>
+              <a:t> /24</a:t>
+            </a:r>
+            <a:endParaRPr lang="en-US" dirty="0"/>
+          </a:p>
+        </p:txBody>
+      </p:sp>
+      <p:sp>
+        <p:nvSpPr>
+          <p:cNvPr id="13" name="Content Placeholder 12">
+            <a:extLst>
+              <a:ext uri="{FF2B5EF4-FFF2-40B4-BE49-F238E27FC236}">
+                <a16:creationId xmlns:a16="http://schemas.microsoft.com/office/drawing/2014/main" id="{C17B59BB-D29D-4561-9139-86CCA4F19B72}"/>
+              </a:ext>
+            </a:extLst>
+          </p:cNvPr>
+          <p:cNvSpPr>
+            <a:spLocks noGrp="1"/>
+          </p:cNvSpPr>
+          <p:nvPr>
+            <p:ph sz="quarter" idx="16"/>
+          </p:nvPr>
+        </p:nvSpPr>
+        <p:spPr/>
+        <p:txBody>
+          <a:bodyPr/>
+          <a:lstStyle/>
+          <a:p>
+            <a:pPr>
+              <a:spcAft>
+                <a:spcPts val="600"/>
+              </a:spcAft>
+            </a:pPr>
+            <a:r>
+              <a:rPr lang="en-US" dirty="0" err="1"/>
+              <a:t>Uvod</a:t>
+            </a:r>
+            <a:endParaRPr lang="en-US" dirty="0"/>
+          </a:p>
+          <a:p>
+            <a:pPr>
+              <a:spcAft>
+                <a:spcPts val="600"/>
+              </a:spcAft>
+            </a:pPr>
+            <a:r>
+              <a:rPr lang="en-US" dirty="0" err="1"/>
+              <a:t>Detekcija</a:t>
+            </a:r>
+            <a:r>
+              <a:rPr lang="en-US" dirty="0"/>
+              <a:t> </a:t>
+            </a:r>
+            <a:r>
+              <a:rPr lang="en-US" dirty="0" err="1"/>
+              <a:t>tablice</a:t>
+            </a:r>
+            <a:endParaRPr lang="en-US" dirty="0"/>
+          </a:p>
+          <a:p>
+            <a:pPr>
+              <a:spcAft>
+                <a:spcPts val="600"/>
+              </a:spcAft>
+            </a:pPr>
+            <a:r>
+              <a:rPr lang="en-US" dirty="0" err="1"/>
+              <a:t>Zna</a:t>
+            </a:r>
+            <a:r>
+              <a:rPr lang="hr-HR" dirty="0" err="1"/>
+              <a:t>čajke</a:t>
+            </a:r>
+            <a:endParaRPr lang="hr-HR" dirty="0"/>
+          </a:p>
+          <a:p>
+            <a:pPr>
+              <a:spcAft>
+                <a:spcPts val="600"/>
+              </a:spcAft>
+            </a:pPr>
+            <a:r>
+              <a:rPr lang="hr-HR" dirty="0"/>
+              <a:t>Klasifikacija</a:t>
+            </a:r>
+          </a:p>
+          <a:p>
+            <a:pPr>
+              <a:spcAft>
+                <a:spcPts val="600"/>
+              </a:spcAft>
+            </a:pPr>
+            <a:r>
+              <a:rPr lang="hr-HR" dirty="0"/>
+              <a:t>Rekonstrukcija tablice</a:t>
+            </a:r>
+          </a:p>
+          <a:p>
+            <a:pPr>
+              <a:spcAft>
+                <a:spcPts val="600"/>
+              </a:spcAft>
+            </a:pPr>
+            <a:r>
+              <a:rPr lang="hr-HR" sz="1600" b="1" dirty="0"/>
+              <a:t>Usporedba rezultata</a:t>
+            </a:r>
+          </a:p>
+          <a:p>
+            <a:endParaRPr lang="en-US" dirty="0"/>
+          </a:p>
+          <a:p>
+            <a:endParaRPr lang="en-US" dirty="0"/>
+          </a:p>
+        </p:txBody>
+      </p:sp>
+    </p:spTree>
+    <p:extLst>
+      <p:ext uri="{BB962C8B-B14F-4D97-AF65-F5344CB8AC3E}">
+        <p14:creationId xmlns:p14="http://schemas.microsoft.com/office/powerpoint/2010/main" val="2453211060"/>
+      </p:ext>
+    </p:extLst>
+  </p:cSld>
+  <p:clrMapOvr>
+    <a:masterClrMapping/>
+  </p:clrMapOvr>
+  <p:transition>
+    <p:fade/>
+  </p:transition>
+</p:sld>
+</file>
+
+<file path=ppt/slides/slide22.xml><?xml version="1.0" encoding="utf-8"?>
+<p:sld xmlns:a="http://schemas.openxmlformats.org/drawingml/2006/main" xmlns:r="http://schemas.openxmlformats.org/officeDocument/2006/relationships" xmlns:p="http://schemas.openxmlformats.org/presentationml/2006/main">
+  <p:cSld>
+    <p:spTree>
+      <p:nvGrpSpPr>
+        <p:cNvPr id="1" name=""/>
+        <p:cNvGrpSpPr/>
+        <p:nvPr/>
+      </p:nvGrpSpPr>
+      <p:grpSpPr>
+        <a:xfrm>
+          <a:off x="0" y="0"/>
+          <a:ext cx="0" cy="0"/>
+          <a:chOff x="0" y="0"/>
+          <a:chExt cx="0" cy="0"/>
+        </a:xfrm>
+      </p:grpSpPr>
+      <p:sp>
+        <p:nvSpPr>
+          <p:cNvPr id="2" name="Title 1">
+            <a:extLst>
+              <a:ext uri="{FF2B5EF4-FFF2-40B4-BE49-F238E27FC236}">
+                <a16:creationId xmlns:a16="http://schemas.microsoft.com/office/drawing/2014/main" id="{BD3C2408-B10F-41D8-976C-0AEFC5292E78}"/>
+              </a:ext>
+            </a:extLst>
+          </p:cNvPr>
+          <p:cNvSpPr>
+            <a:spLocks noGrp="1"/>
+          </p:cNvSpPr>
+          <p:nvPr>
+            <p:ph type="title"/>
+          </p:nvPr>
+        </p:nvSpPr>
+        <p:spPr/>
+        <p:txBody>
+          <a:bodyPr/>
+          <a:lstStyle/>
+          <a:p>
+            <a:r>
+              <a:rPr lang="hr-HR" dirty="0"/>
+              <a:t>Usporedba točnosti klasifikacije</a:t>
+            </a:r>
+            <a:endParaRPr lang="en-US" dirty="0"/>
+          </a:p>
+        </p:txBody>
+      </p:sp>
+      <p:pic>
+        <p:nvPicPr>
+          <p:cNvPr id="7" name="Content Placeholder 6" descr="A screenshot of a cell phone&#10;&#10;Description generated with very high confidence">
+            <a:extLst>
+              <a:ext uri="{FF2B5EF4-FFF2-40B4-BE49-F238E27FC236}">
+                <a16:creationId xmlns:a16="http://schemas.microsoft.com/office/drawing/2014/main" id="{CF33EA16-CEFD-4088-B5EE-20DBDBA3786B}"/>
+              </a:ext>
+            </a:extLst>
+          </p:cNvPr>
+          <p:cNvPicPr>
+            <a:picLocks noGrp="1" noChangeAspect="1"/>
+          </p:cNvPicPr>
+          <p:nvPr>
+            <p:ph idx="1"/>
+          </p:nvPr>
+        </p:nvPicPr>
+        <p:blipFill>
+          <a:blip r:embed="rId2">
+            <a:extLst>
+              <a:ext uri="{28A0092B-C50C-407E-A947-70E740481C1C}">
+                <a14:useLocalDpi xmlns:a14="http://schemas.microsoft.com/office/drawing/2010/main" val="0"/>
+              </a:ext>
+            </a:extLst>
+          </a:blip>
+          <a:stretch>
+            <a:fillRect/>
+          </a:stretch>
+        </p:blipFill>
+        <p:spPr>
+          <a:xfrm>
+            <a:off x="2412123" y="1825625"/>
+            <a:ext cx="5992979" cy="4351338"/>
+          </a:xfrm>
+        </p:spPr>
+      </p:pic>
+      <p:sp>
+        <p:nvSpPr>
+          <p:cNvPr id="4" name="Slide Number Placeholder 3">
+            <a:extLst>
+              <a:ext uri="{FF2B5EF4-FFF2-40B4-BE49-F238E27FC236}">
+                <a16:creationId xmlns:a16="http://schemas.microsoft.com/office/drawing/2014/main" id="{4CB1FAF3-9C0D-4F2B-A27A-2B0EB46BA9C8}"/>
+              </a:ext>
+            </a:extLst>
+          </p:cNvPr>
+          <p:cNvSpPr>
+            <a:spLocks noGrp="1"/>
+          </p:cNvSpPr>
+          <p:nvPr>
+            <p:ph type="sldNum" sz="quarter" idx="12"/>
+          </p:nvPr>
+        </p:nvSpPr>
+        <p:spPr/>
+        <p:txBody>
+          <a:bodyPr/>
+          <a:lstStyle/>
+          <a:p>
+            <a:fld id="{866E3E7E-7125-49CF-9242-D036CBAD6528}" type="slidenum">
+              <a:rPr lang="en-US" smtClean="0"/>
+              <a:pPr/>
+              <a:t>22</a:t>
+            </a:fld>
+            <a:r>
+              <a:rPr lang="hr-HR" dirty="0"/>
+              <a:t> /24</a:t>
+            </a:r>
+            <a:endParaRPr lang="en-US" dirty="0"/>
+          </a:p>
+        </p:txBody>
+      </p:sp>
+      <p:sp>
+        <p:nvSpPr>
+          <p:cNvPr id="8" name="Content Placeholder 7">
+            <a:extLst>
+              <a:ext uri="{FF2B5EF4-FFF2-40B4-BE49-F238E27FC236}">
+                <a16:creationId xmlns:a16="http://schemas.microsoft.com/office/drawing/2014/main" id="{AB08D750-E6D0-42F2-8463-285B39BD10AE}"/>
+              </a:ext>
+            </a:extLst>
+          </p:cNvPr>
+          <p:cNvSpPr>
+            <a:spLocks noGrp="1"/>
+          </p:cNvSpPr>
+          <p:nvPr>
+            <p:ph sz="quarter" idx="16"/>
+          </p:nvPr>
+        </p:nvSpPr>
+        <p:spPr/>
+        <p:txBody>
+          <a:bodyPr/>
+          <a:lstStyle/>
+          <a:p>
+            <a:pPr>
+              <a:spcAft>
+                <a:spcPts val="600"/>
+              </a:spcAft>
+            </a:pPr>
+            <a:r>
+              <a:rPr lang="en-US" dirty="0" err="1"/>
+              <a:t>Uvod</a:t>
+            </a:r>
+            <a:endParaRPr lang="en-US" dirty="0"/>
+          </a:p>
+          <a:p>
+            <a:pPr>
+              <a:spcAft>
+                <a:spcPts val="600"/>
+              </a:spcAft>
+            </a:pPr>
+            <a:r>
+              <a:rPr lang="en-US" dirty="0" err="1"/>
+              <a:t>Detekcija</a:t>
+            </a:r>
+            <a:r>
+              <a:rPr lang="en-US" dirty="0"/>
+              <a:t> </a:t>
+            </a:r>
+            <a:r>
+              <a:rPr lang="en-US" dirty="0" err="1"/>
+              <a:t>tablice</a:t>
+            </a:r>
+            <a:endParaRPr lang="en-US" dirty="0"/>
+          </a:p>
+          <a:p>
+            <a:pPr>
+              <a:spcAft>
+                <a:spcPts val="600"/>
+              </a:spcAft>
+            </a:pPr>
+            <a:r>
+              <a:rPr lang="en-US" dirty="0" err="1"/>
+              <a:t>Zna</a:t>
+            </a:r>
+            <a:r>
+              <a:rPr lang="hr-HR" dirty="0" err="1"/>
+              <a:t>čajke</a:t>
+            </a:r>
+            <a:endParaRPr lang="hr-HR" dirty="0"/>
+          </a:p>
+          <a:p>
+            <a:pPr>
+              <a:spcAft>
+                <a:spcPts val="600"/>
+              </a:spcAft>
+            </a:pPr>
+            <a:r>
+              <a:rPr lang="hr-HR" dirty="0"/>
+              <a:t>Klasifikacija</a:t>
+            </a:r>
+          </a:p>
+          <a:p>
+            <a:pPr>
+              <a:spcAft>
+                <a:spcPts val="600"/>
+              </a:spcAft>
+            </a:pPr>
+            <a:r>
+              <a:rPr lang="hr-HR" dirty="0"/>
+              <a:t>Rekonstrukcija tablice</a:t>
+            </a:r>
+          </a:p>
+          <a:p>
+            <a:pPr>
+              <a:spcAft>
+                <a:spcPts val="600"/>
+              </a:spcAft>
+            </a:pPr>
+            <a:r>
+              <a:rPr lang="hr-HR" sz="1600" b="1" dirty="0"/>
+              <a:t>Usporedba rezultata</a:t>
+            </a:r>
+          </a:p>
+          <a:p>
+            <a:endParaRPr lang="en-US" dirty="0"/>
+          </a:p>
+          <a:p>
+            <a:endParaRPr lang="en-US" dirty="0"/>
+          </a:p>
+        </p:txBody>
+      </p:sp>
+    </p:spTree>
+    <p:extLst>
+      <p:ext uri="{BB962C8B-B14F-4D97-AF65-F5344CB8AC3E}">
+        <p14:creationId xmlns:p14="http://schemas.microsoft.com/office/powerpoint/2010/main" val="273163636"/>
+      </p:ext>
+    </p:extLst>
+  </p:cSld>
+  <p:clrMapOvr>
+    <a:masterClrMapping/>
+  </p:clrMapOvr>
+  <p:transition>
+    <p:fade/>
+  </p:transition>
+</p:sld>
+</file>
+
+<file path=ppt/slides/slide23.xml><?xml version="1.0" encoding="utf-8"?>
+<p:sld xmlns:a="http://schemas.openxmlformats.org/drawingml/2006/main" xmlns:r="http://schemas.openxmlformats.org/officeDocument/2006/relationships" xmlns:p="http://schemas.openxmlformats.org/presentationml/2006/main">
+  <p:cSld>
+    <p:spTree>
+      <p:nvGrpSpPr>
+        <p:cNvPr id="1" name=""/>
+        <p:cNvGrpSpPr/>
+        <p:nvPr/>
+      </p:nvGrpSpPr>
+      <p:grpSpPr>
+        <a:xfrm>
+          <a:off x="0" y="0"/>
+          <a:ext cx="0" cy="0"/>
+          <a:chOff x="0" y="0"/>
+          <a:chExt cx="0" cy="0"/>
+        </a:xfrm>
+      </p:grpSpPr>
+      <p:sp>
+        <p:nvSpPr>
+          <p:cNvPr id="2" name="Title 1">
+            <a:extLst>
+              <a:ext uri="{FF2B5EF4-FFF2-40B4-BE49-F238E27FC236}">
+                <a16:creationId xmlns:a16="http://schemas.microsoft.com/office/drawing/2014/main" id="{75C85E40-0B47-4AA0-B87A-8E42FB51C20F}"/>
+              </a:ext>
+            </a:extLst>
+          </p:cNvPr>
+          <p:cNvSpPr>
+            <a:spLocks noGrp="1"/>
+          </p:cNvSpPr>
+          <p:nvPr>
+            <p:ph type="title"/>
+          </p:nvPr>
+        </p:nvSpPr>
+        <p:spPr/>
+        <p:txBody>
+          <a:bodyPr/>
+          <a:lstStyle/>
+          <a:p>
+            <a:r>
+              <a:rPr lang="en-US" dirty="0"/>
+              <a:t>Demo</a:t>
+            </a:r>
+          </a:p>
+        </p:txBody>
+      </p:sp>
+      <p:sp>
+        <p:nvSpPr>
+          <p:cNvPr id="6" name="Text Placeholder 5">
+            <a:extLst>
+              <a:ext uri="{FF2B5EF4-FFF2-40B4-BE49-F238E27FC236}">
+                <a16:creationId xmlns:a16="http://schemas.microsoft.com/office/drawing/2014/main" id="{56C90A00-07B1-480E-8923-3BE0523F7CC8}"/>
+              </a:ext>
+            </a:extLst>
+          </p:cNvPr>
+          <p:cNvSpPr>
+            <a:spLocks noGrp="1"/>
+          </p:cNvSpPr>
+          <p:nvPr>
+            <p:ph type="body" idx="1"/>
+          </p:nvPr>
+        </p:nvSpPr>
+        <p:spPr/>
+        <p:txBody>
+          <a:bodyPr/>
+          <a:lstStyle/>
+          <a:p>
+            <a:endParaRPr lang="en-US"/>
+          </a:p>
+        </p:txBody>
+      </p:sp>
+      <p:sp>
+        <p:nvSpPr>
+          <p:cNvPr id="4" name="Slide Number Placeholder 3">
+            <a:extLst>
+              <a:ext uri="{FF2B5EF4-FFF2-40B4-BE49-F238E27FC236}">
+                <a16:creationId xmlns:a16="http://schemas.microsoft.com/office/drawing/2014/main" id="{A8888FE3-9E30-4918-BB70-DDA1DE1458DB}"/>
+              </a:ext>
+            </a:extLst>
+          </p:cNvPr>
+          <p:cNvSpPr>
+            <a:spLocks noGrp="1"/>
+          </p:cNvSpPr>
+          <p:nvPr>
+            <p:ph type="sldNum" sz="quarter" idx="12"/>
+          </p:nvPr>
+        </p:nvSpPr>
+        <p:spPr/>
+        <p:txBody>
+          <a:bodyPr/>
+          <a:lstStyle/>
+          <a:p>
+            <a:fld id="{866E3E7E-7125-49CF-9242-D036CBAD6528}" type="slidenum">
+              <a:rPr lang="en-US" sz="1600" smtClean="0"/>
+              <a:pPr/>
+              <a:t>23</a:t>
+            </a:fld>
+            <a:r>
+              <a:rPr lang="hr-HR" sz="1600" dirty="0"/>
+              <a:t>/24</a:t>
+            </a:r>
+            <a:endParaRPr lang="en-US" sz="1600" dirty="0"/>
+          </a:p>
+        </p:txBody>
+      </p:sp>
+    </p:spTree>
+    <p:extLst>
+      <p:ext uri="{BB962C8B-B14F-4D97-AF65-F5344CB8AC3E}">
+        <p14:creationId xmlns:p14="http://schemas.microsoft.com/office/powerpoint/2010/main" val="4017729145"/>
+      </p:ext>
+    </p:extLst>
+  </p:cSld>
+  <p:clrMapOvr>
+    <a:masterClrMapping/>
+  </p:clrMapOvr>
+  <p:transition>
+    <p:fade/>
+  </p:transition>
+</p:sld>
+</file>
+
+<file path=ppt/slides/slide24.xml><?xml version="1.0" encoding="utf-8"?>
+<p:sld xmlns:a="http://schemas.openxmlformats.org/drawingml/2006/main" xmlns:r="http://schemas.openxmlformats.org/officeDocument/2006/relationships" xmlns:p="http://schemas.openxmlformats.org/presentationml/2006/main">
+  <p:cSld>
+    <p:spTree>
+      <p:nvGrpSpPr>
+        <p:cNvPr id="1" name=""/>
+        <p:cNvGrpSpPr/>
+        <p:nvPr/>
+      </p:nvGrpSpPr>
+      <p:grpSpPr>
+        <a:xfrm>
+          <a:off x="0" y="0"/>
+          <a:ext cx="0" cy="0"/>
+          <a:chOff x="0" y="0"/>
+          <a:chExt cx="0" cy="0"/>
+        </a:xfrm>
+      </p:grpSpPr>
+      <p:sp>
+        <p:nvSpPr>
+          <p:cNvPr id="2" name="Title 1">
+            <a:extLst>
+              <a:ext uri="{FF2B5EF4-FFF2-40B4-BE49-F238E27FC236}">
+                <a16:creationId xmlns:a16="http://schemas.microsoft.com/office/drawing/2014/main" id="{AAEDDAF8-8E9B-4C3F-A86D-505CD3010B35}"/>
+              </a:ext>
+            </a:extLst>
+          </p:cNvPr>
+          <p:cNvSpPr>
+            <a:spLocks noGrp="1"/>
+          </p:cNvSpPr>
+          <p:nvPr>
+            <p:ph type="title"/>
+          </p:nvPr>
+        </p:nvSpPr>
+        <p:spPr/>
+        <p:txBody>
+          <a:bodyPr/>
+          <a:lstStyle/>
+          <a:p>
+            <a:r>
+              <a:rPr lang="hr-HR" dirty="0"/>
+              <a:t>Hvala na pozornosti</a:t>
+            </a:r>
+            <a:endParaRPr lang="en-US" dirty="0"/>
+          </a:p>
+        </p:txBody>
+      </p:sp>
+      <p:sp>
+        <p:nvSpPr>
+          <p:cNvPr id="9" name="Text Placeholder 8">
+            <a:extLst>
+              <a:ext uri="{FF2B5EF4-FFF2-40B4-BE49-F238E27FC236}">
+                <a16:creationId xmlns:a16="http://schemas.microsoft.com/office/drawing/2014/main" id="{AC57170B-737E-4E00-9EAE-8016677DF9FF}"/>
+              </a:ext>
+            </a:extLst>
+          </p:cNvPr>
+          <p:cNvSpPr>
+            <a:spLocks noGrp="1"/>
+          </p:cNvSpPr>
+          <p:nvPr>
+            <p:ph type="body" idx="1"/>
+          </p:nvPr>
+        </p:nvSpPr>
+        <p:spPr/>
+        <p:txBody>
+          <a:bodyPr/>
+          <a:lstStyle/>
+          <a:p>
+            <a:endParaRPr lang="en-US" dirty="0"/>
+          </a:p>
+        </p:txBody>
+      </p:sp>
+      <p:sp>
+        <p:nvSpPr>
+          <p:cNvPr id="4" name="Slide Number Placeholder 3">
+            <a:extLst>
+              <a:ext uri="{FF2B5EF4-FFF2-40B4-BE49-F238E27FC236}">
+                <a16:creationId xmlns:a16="http://schemas.microsoft.com/office/drawing/2014/main" id="{A8B879F2-55DC-45E0-933B-9F9BDA17837D}"/>
+              </a:ext>
+            </a:extLst>
+          </p:cNvPr>
+          <p:cNvSpPr>
+            <a:spLocks noGrp="1"/>
+          </p:cNvSpPr>
+          <p:nvPr>
+            <p:ph type="sldNum" sz="quarter" idx="12"/>
+          </p:nvPr>
+        </p:nvSpPr>
+        <p:spPr/>
+        <p:txBody>
+          <a:bodyPr/>
+          <a:lstStyle/>
+          <a:p>
+            <a:fld id="{866E3E7E-7125-49CF-9242-D036CBAD6528}" type="slidenum">
+              <a:rPr lang="en-US" sz="1600" smtClean="0"/>
+              <a:pPr/>
+              <a:t>24</a:t>
+            </a:fld>
+            <a:r>
+              <a:rPr lang="hr-HR" sz="1600" dirty="0"/>
+              <a:t>/24</a:t>
+            </a:r>
+          </a:p>
+        </p:txBody>
+      </p:sp>
+    </p:spTree>
+    <p:extLst>
+      <p:ext uri="{BB962C8B-B14F-4D97-AF65-F5344CB8AC3E}">
+        <p14:creationId xmlns:p14="http://schemas.microsoft.com/office/powerpoint/2010/main" val="215480120"/>
+      </p:ext>
+    </p:extLst>
+  </p:cSld>
+  <p:clrMapOvr>
+    <a:masterClrMapping/>
+  </p:clrMapOvr>
+  <p:transition>
+    <p:fade/>
+  </p:transition>
 </p:sld>
 </file>
 
@@ -3721,7 +9579,7 @@
           <p:cNvPr id="2" name="Title 1">
             <a:extLst>
               <a:ext uri="{FF2B5EF4-FFF2-40B4-BE49-F238E27FC236}">
-                <a16:creationId xmlns:a16="http://schemas.microsoft.com/office/drawing/2014/main" id="{FDEA280A-3304-4F10-BC77-66769938CFA2}"/>
+                <a16:creationId xmlns:a16="http://schemas.microsoft.com/office/drawing/2014/main" id="{D0F9C1BA-C1C1-47C2-AC45-984AC0831BBB}"/>
               </a:ext>
             </a:extLst>
           </p:cNvPr>
@@ -3737,7 +9595,11 @@
           <a:bodyPr/>
           <a:lstStyle/>
           <a:p>
-            <a:endParaRPr lang="en-US"/>
+            <a:r>
+              <a:rPr lang="en-US" dirty="0" err="1"/>
+              <a:t>Uvod</a:t>
+            </a:r>
+            <a:endParaRPr lang="en-US" dirty="0"/>
           </a:p>
         </p:txBody>
       </p:sp>
@@ -3746,7 +9608,7 @@
           <p:cNvPr id="3" name="Content Placeholder 2">
             <a:extLst>
               <a:ext uri="{FF2B5EF4-FFF2-40B4-BE49-F238E27FC236}">
-                <a16:creationId xmlns:a16="http://schemas.microsoft.com/office/drawing/2014/main" id="{5399D81F-4441-4403-902F-814C3A425928}"/>
+                <a16:creationId xmlns:a16="http://schemas.microsoft.com/office/drawing/2014/main" id="{7772152C-B443-4D59-9326-4FC3C7B9EF11}"/>
               </a:ext>
             </a:extLst>
           </p:cNvPr>
@@ -3762,10 +9624,582 @@
           <a:bodyPr/>
           <a:lstStyle/>
           <a:p>
-            <a:endParaRPr lang="en-US"/>
-          </a:p>
-        </p:txBody>
-      </p:sp>
+            <a:r>
+              <a:rPr lang="hr-HR" dirty="0"/>
+              <a:t>Velik broj papirnatih dokumenata.</a:t>
+            </a:r>
+          </a:p>
+          <a:p>
+            <a:r>
+              <a:rPr lang="en-US" dirty="0" err="1"/>
+              <a:t>Digitalizacija</a:t>
+            </a:r>
+            <a:r>
+              <a:rPr lang="en-US" dirty="0"/>
+              <a:t> </a:t>
+            </a:r>
+            <a:r>
+              <a:rPr lang="en-US" dirty="0" err="1"/>
+              <a:t>dokumenata</a:t>
+            </a:r>
+            <a:r>
+              <a:rPr lang="hr-HR" dirty="0"/>
+              <a:t>:</a:t>
+            </a:r>
+            <a:endParaRPr lang="en-US" dirty="0"/>
+          </a:p>
+          <a:p>
+            <a:pPr lvl="1"/>
+            <a:r>
+              <a:rPr lang="en-US" dirty="0" err="1"/>
+              <a:t>Prepoznavanje</a:t>
+            </a:r>
+            <a:r>
+              <a:rPr lang="en-US" dirty="0"/>
+              <a:t> </a:t>
+            </a:r>
+            <a:r>
+              <a:rPr lang="en-US" dirty="0" err="1"/>
+              <a:t>teksta</a:t>
+            </a:r>
+            <a:endParaRPr lang="en-US" dirty="0"/>
+          </a:p>
+          <a:p>
+            <a:pPr lvl="1"/>
+            <a:r>
+              <a:rPr lang="en-US" dirty="0" err="1"/>
+              <a:t>Prepoznavanje</a:t>
+            </a:r>
+            <a:r>
+              <a:rPr lang="en-US" dirty="0"/>
+              <a:t> </a:t>
+            </a:r>
+            <a:r>
+              <a:rPr lang="en-US" dirty="0" err="1"/>
+              <a:t>grafi</a:t>
+            </a:r>
+            <a:r>
+              <a:rPr lang="hr-HR" dirty="0" err="1"/>
+              <a:t>čkih</a:t>
+            </a:r>
+            <a:r>
+              <a:rPr lang="hr-HR" dirty="0"/>
+              <a:t> objekata</a:t>
+            </a:r>
+          </a:p>
+        </p:txBody>
+      </p:sp>
+      <p:sp>
+        <p:nvSpPr>
+          <p:cNvPr id="4" name="Slide Number Placeholder 3">
+            <a:extLst>
+              <a:ext uri="{FF2B5EF4-FFF2-40B4-BE49-F238E27FC236}">
+                <a16:creationId xmlns:a16="http://schemas.microsoft.com/office/drawing/2014/main" id="{F5D15E03-E354-45A8-8CDE-84A321A22DCA}"/>
+              </a:ext>
+            </a:extLst>
+          </p:cNvPr>
+          <p:cNvSpPr>
+            <a:spLocks noGrp="1"/>
+          </p:cNvSpPr>
+          <p:nvPr>
+            <p:ph type="sldNum" sz="quarter" idx="12"/>
+          </p:nvPr>
+        </p:nvSpPr>
+        <p:spPr/>
+        <p:txBody>
+          <a:bodyPr/>
+          <a:lstStyle/>
+          <a:p>
+            <a:fld id="{866E3E7E-7125-49CF-9242-D036CBAD6528}" type="slidenum">
+              <a:rPr lang="en-US" smtClean="0"/>
+              <a:pPr/>
+              <a:t>3</a:t>
+            </a:fld>
+            <a:r>
+              <a:rPr lang="hr-HR" dirty="0"/>
+              <a:t> /24</a:t>
+            </a:r>
+            <a:endParaRPr lang="en-US" dirty="0"/>
+          </a:p>
+        </p:txBody>
+      </p:sp>
+      <p:sp>
+        <p:nvSpPr>
+          <p:cNvPr id="5" name="Content Placeholder 4">
+            <a:extLst>
+              <a:ext uri="{FF2B5EF4-FFF2-40B4-BE49-F238E27FC236}">
+                <a16:creationId xmlns:a16="http://schemas.microsoft.com/office/drawing/2014/main" id="{D807E919-E7E1-4F8D-8A9B-611D903C8EBD}"/>
+              </a:ext>
+            </a:extLst>
+          </p:cNvPr>
+          <p:cNvSpPr>
+            <a:spLocks noGrp="1"/>
+          </p:cNvSpPr>
+          <p:nvPr>
+            <p:ph sz="quarter" idx="16"/>
+          </p:nvPr>
+        </p:nvSpPr>
+        <p:spPr/>
+        <p:txBody>
+          <a:bodyPr/>
+          <a:lstStyle/>
+          <a:p>
+            <a:pPr>
+              <a:spcAft>
+                <a:spcPts val="600"/>
+              </a:spcAft>
+            </a:pPr>
+            <a:r>
+              <a:rPr lang="en-US" sz="1600" b="1" dirty="0" err="1"/>
+              <a:t>Uvod</a:t>
+            </a:r>
+            <a:endParaRPr lang="en-US" b="1" dirty="0"/>
+          </a:p>
+          <a:p>
+            <a:pPr>
+              <a:spcAft>
+                <a:spcPts val="600"/>
+              </a:spcAft>
+            </a:pPr>
+            <a:r>
+              <a:rPr lang="en-US" dirty="0" err="1"/>
+              <a:t>Detekcija</a:t>
+            </a:r>
+            <a:r>
+              <a:rPr lang="en-US" dirty="0"/>
+              <a:t> </a:t>
+            </a:r>
+            <a:r>
+              <a:rPr lang="en-US" dirty="0" err="1"/>
+              <a:t>tablice</a:t>
+            </a:r>
+            <a:endParaRPr lang="en-US" dirty="0"/>
+          </a:p>
+          <a:p>
+            <a:pPr>
+              <a:spcAft>
+                <a:spcPts val="600"/>
+              </a:spcAft>
+            </a:pPr>
+            <a:r>
+              <a:rPr lang="en-US" dirty="0" err="1"/>
+              <a:t>Zna</a:t>
+            </a:r>
+            <a:r>
+              <a:rPr lang="hr-HR" dirty="0" err="1"/>
+              <a:t>čajke</a:t>
+            </a:r>
+            <a:endParaRPr lang="hr-HR" dirty="0"/>
+          </a:p>
+          <a:p>
+            <a:pPr>
+              <a:spcAft>
+                <a:spcPts val="600"/>
+              </a:spcAft>
+            </a:pPr>
+            <a:r>
+              <a:rPr lang="hr-HR" dirty="0"/>
+              <a:t>Klasifikacija</a:t>
+            </a:r>
+          </a:p>
+          <a:p>
+            <a:pPr>
+              <a:spcAft>
+                <a:spcPts val="600"/>
+              </a:spcAft>
+            </a:pPr>
+            <a:r>
+              <a:rPr lang="hr-HR" dirty="0"/>
+              <a:t>Rekonstrukcija tablice</a:t>
+            </a:r>
+          </a:p>
+          <a:p>
+            <a:pPr>
+              <a:spcAft>
+                <a:spcPts val="600"/>
+              </a:spcAft>
+            </a:pPr>
+            <a:r>
+              <a:rPr lang="hr-HR" dirty="0"/>
+              <a:t>Usporedba rezultata</a:t>
+            </a:r>
+          </a:p>
+        </p:txBody>
+      </p:sp>
+    </p:spTree>
+    <p:extLst>
+      <p:ext uri="{BB962C8B-B14F-4D97-AF65-F5344CB8AC3E}">
+        <p14:creationId xmlns:p14="http://schemas.microsoft.com/office/powerpoint/2010/main" val="748605079"/>
+      </p:ext>
+    </p:extLst>
+  </p:cSld>
+  <p:clrMapOvr>
+    <a:masterClrMapping/>
+  </p:clrMapOvr>
+  <p:transition>
+    <p:fade/>
+  </p:transition>
+  <p:timing>
+    <p:tnLst>
+      <p:par>
+        <p:cTn id="1" dur="indefinite" restart="never" nodeType="tmRoot">
+          <p:childTnLst>
+            <p:seq concurrent="1" nextAc="seek">
+              <p:cTn id="2" dur="indefinite" nodeType="mainSeq">
+                <p:childTnLst>
+                  <p:par>
+                    <p:cTn id="3" fill="hold">
+                      <p:stCondLst>
+                        <p:cond delay="indefinite"/>
+                      </p:stCondLst>
+                      <p:childTnLst>
+                        <p:par>
+                          <p:cTn id="4" fill="hold">
+                            <p:stCondLst>
+                              <p:cond delay="0"/>
+                            </p:stCondLst>
+                            <p:childTnLst>
+                              <p:par>
+                                <p:cTn id="5" presetID="10" presetClass="entr" presetSubtype="0" fill="hold" grpId="0" nodeType="clickEffect">
+                                  <p:stCondLst>
+                                    <p:cond delay="0"/>
+                                  </p:stCondLst>
+                                  <p:childTnLst>
+                                    <p:set>
+                                      <p:cBhvr>
+                                        <p:cTn id="6" dur="1" fill="hold">
+                                          <p:stCondLst>
+                                            <p:cond delay="0"/>
+                                          </p:stCondLst>
+                                        </p:cTn>
+                                        <p:tgtEl>
+                                          <p:spTgt spid="3">
+                                            <p:txEl>
+                                              <p:pRg st="0" end="0"/>
+                                            </p:txEl>
+                                          </p:spTgt>
+                                        </p:tgtEl>
+                                        <p:attrNameLst>
+                                          <p:attrName>style.visibility</p:attrName>
+                                        </p:attrNameLst>
+                                      </p:cBhvr>
+                                      <p:to>
+                                        <p:strVal val="visible"/>
+                                      </p:to>
+                                    </p:set>
+                                    <p:animEffect transition="in" filter="fade">
+                                      <p:cBhvr>
+                                        <p:cTn id="7" dur="500"/>
+                                        <p:tgtEl>
+                                          <p:spTgt spid="3">
+                                            <p:txEl>
+                                              <p:pRg st="0" end="0"/>
+                                            </p:txEl>
+                                          </p:spTgt>
+                                        </p:tgtEl>
+                                      </p:cBhvr>
+                                    </p:animEffect>
+                                  </p:childTnLst>
+                                </p:cTn>
+                              </p:par>
+                            </p:childTnLst>
+                          </p:cTn>
+                        </p:par>
+                      </p:childTnLst>
+                    </p:cTn>
+                  </p:par>
+                  <p:par>
+                    <p:cTn id="8" fill="hold">
+                      <p:stCondLst>
+                        <p:cond delay="indefinite"/>
+                      </p:stCondLst>
+                      <p:childTnLst>
+                        <p:par>
+                          <p:cTn id="9" fill="hold">
+                            <p:stCondLst>
+                              <p:cond delay="0"/>
+                            </p:stCondLst>
+                            <p:childTnLst>
+                              <p:par>
+                                <p:cTn id="10" presetID="10" presetClass="entr" presetSubtype="0" fill="hold" grpId="0" nodeType="clickEffect">
+                                  <p:stCondLst>
+                                    <p:cond delay="0"/>
+                                  </p:stCondLst>
+                                  <p:childTnLst>
+                                    <p:set>
+                                      <p:cBhvr>
+                                        <p:cTn id="11" dur="1" fill="hold">
+                                          <p:stCondLst>
+                                            <p:cond delay="0"/>
+                                          </p:stCondLst>
+                                        </p:cTn>
+                                        <p:tgtEl>
+                                          <p:spTgt spid="3">
+                                            <p:txEl>
+                                              <p:pRg st="1" end="1"/>
+                                            </p:txEl>
+                                          </p:spTgt>
+                                        </p:tgtEl>
+                                        <p:attrNameLst>
+                                          <p:attrName>style.visibility</p:attrName>
+                                        </p:attrNameLst>
+                                      </p:cBhvr>
+                                      <p:to>
+                                        <p:strVal val="visible"/>
+                                      </p:to>
+                                    </p:set>
+                                    <p:animEffect transition="in" filter="fade">
+                                      <p:cBhvr>
+                                        <p:cTn id="12" dur="500"/>
+                                        <p:tgtEl>
+                                          <p:spTgt spid="3">
+                                            <p:txEl>
+                                              <p:pRg st="1" end="1"/>
+                                            </p:txEl>
+                                          </p:spTgt>
+                                        </p:tgtEl>
+                                      </p:cBhvr>
+                                    </p:animEffect>
+                                  </p:childTnLst>
+                                </p:cTn>
+                              </p:par>
+                            </p:childTnLst>
+                          </p:cTn>
+                        </p:par>
+                      </p:childTnLst>
+                    </p:cTn>
+                  </p:par>
+                  <p:par>
+                    <p:cTn id="13" fill="hold">
+                      <p:stCondLst>
+                        <p:cond delay="indefinite"/>
+                      </p:stCondLst>
+                      <p:childTnLst>
+                        <p:par>
+                          <p:cTn id="14" fill="hold">
+                            <p:stCondLst>
+                              <p:cond delay="0"/>
+                            </p:stCondLst>
+                            <p:childTnLst>
+                              <p:par>
+                                <p:cTn id="15" presetID="10" presetClass="entr" presetSubtype="0" fill="hold" grpId="0" nodeType="clickEffect">
+                                  <p:stCondLst>
+                                    <p:cond delay="0"/>
+                                  </p:stCondLst>
+                                  <p:childTnLst>
+                                    <p:set>
+                                      <p:cBhvr>
+                                        <p:cTn id="16" dur="1" fill="hold">
+                                          <p:stCondLst>
+                                            <p:cond delay="0"/>
+                                          </p:stCondLst>
+                                        </p:cTn>
+                                        <p:tgtEl>
+                                          <p:spTgt spid="3">
+                                            <p:txEl>
+                                              <p:pRg st="2" end="2"/>
+                                            </p:txEl>
+                                          </p:spTgt>
+                                        </p:tgtEl>
+                                        <p:attrNameLst>
+                                          <p:attrName>style.visibility</p:attrName>
+                                        </p:attrNameLst>
+                                      </p:cBhvr>
+                                      <p:to>
+                                        <p:strVal val="visible"/>
+                                      </p:to>
+                                    </p:set>
+                                    <p:animEffect transition="in" filter="fade">
+                                      <p:cBhvr>
+                                        <p:cTn id="17" dur="500"/>
+                                        <p:tgtEl>
+                                          <p:spTgt spid="3">
+                                            <p:txEl>
+                                              <p:pRg st="2" end="2"/>
+                                            </p:txEl>
+                                          </p:spTgt>
+                                        </p:tgtEl>
+                                      </p:cBhvr>
+                                    </p:animEffect>
+                                  </p:childTnLst>
+                                </p:cTn>
+                              </p:par>
+                            </p:childTnLst>
+                          </p:cTn>
+                        </p:par>
+                      </p:childTnLst>
+                    </p:cTn>
+                  </p:par>
+                  <p:par>
+                    <p:cTn id="18" fill="hold">
+                      <p:stCondLst>
+                        <p:cond delay="indefinite"/>
+                      </p:stCondLst>
+                      <p:childTnLst>
+                        <p:par>
+                          <p:cTn id="19" fill="hold">
+                            <p:stCondLst>
+                              <p:cond delay="0"/>
+                            </p:stCondLst>
+                            <p:childTnLst>
+                              <p:par>
+                                <p:cTn id="20" presetID="10" presetClass="entr" presetSubtype="0" fill="hold" grpId="0" nodeType="clickEffect">
+                                  <p:stCondLst>
+                                    <p:cond delay="0"/>
+                                  </p:stCondLst>
+                                  <p:childTnLst>
+                                    <p:set>
+                                      <p:cBhvr>
+                                        <p:cTn id="21" dur="1" fill="hold">
+                                          <p:stCondLst>
+                                            <p:cond delay="0"/>
+                                          </p:stCondLst>
+                                        </p:cTn>
+                                        <p:tgtEl>
+                                          <p:spTgt spid="3">
+                                            <p:txEl>
+                                              <p:pRg st="3" end="3"/>
+                                            </p:txEl>
+                                          </p:spTgt>
+                                        </p:tgtEl>
+                                        <p:attrNameLst>
+                                          <p:attrName>style.visibility</p:attrName>
+                                        </p:attrNameLst>
+                                      </p:cBhvr>
+                                      <p:to>
+                                        <p:strVal val="visible"/>
+                                      </p:to>
+                                    </p:set>
+                                    <p:animEffect transition="in" filter="fade">
+                                      <p:cBhvr>
+                                        <p:cTn id="22" dur="500"/>
+                                        <p:tgtEl>
+                                          <p:spTgt spid="3">
+                                            <p:txEl>
+                                              <p:pRg st="3" end="3"/>
+                                            </p:txEl>
+                                          </p:spTgt>
+                                        </p:tgtEl>
+                                      </p:cBhvr>
+                                    </p:animEffect>
+                                  </p:childTnLst>
+                                </p:cTn>
+                              </p:par>
+                            </p:childTnLst>
+                          </p:cTn>
+                        </p:par>
+                      </p:childTnLst>
+                    </p:cTn>
+                  </p:par>
+                </p:childTnLst>
+              </p:cTn>
+              <p:prevCondLst>
+                <p:cond evt="onPrev" delay="0">
+                  <p:tgtEl>
+                    <p:sldTgt/>
+                  </p:tgtEl>
+                </p:cond>
+              </p:prevCondLst>
+              <p:nextCondLst>
+                <p:cond evt="onNext" delay="0">
+                  <p:tgtEl>
+                    <p:sldTgt/>
+                  </p:tgtEl>
+                </p:cond>
+              </p:nextCondLst>
+            </p:seq>
+          </p:childTnLst>
+        </p:cTn>
+      </p:par>
+    </p:tnLst>
+    <p:bldLst>
+      <p:bldP spid="3" grpId="0" uiExpand="1" build="p"/>
+    </p:bldLst>
+  </p:timing>
+</p:sld>
+</file>
+
+<file path=ppt/slides/slide4.xml><?xml version="1.0" encoding="utf-8"?>
+<p:sld xmlns:a="http://schemas.openxmlformats.org/drawingml/2006/main" xmlns:r="http://schemas.openxmlformats.org/officeDocument/2006/relationships" xmlns:p="http://schemas.openxmlformats.org/presentationml/2006/main">
+  <p:cSld>
+    <p:spTree>
+      <p:nvGrpSpPr>
+        <p:cNvPr id="1" name=""/>
+        <p:cNvGrpSpPr/>
+        <p:nvPr/>
+      </p:nvGrpSpPr>
+      <p:grpSpPr>
+        <a:xfrm>
+          <a:off x="0" y="0"/>
+          <a:ext cx="0" cy="0"/>
+          <a:chOff x="0" y="0"/>
+          <a:chExt cx="0" cy="0"/>
+        </a:xfrm>
+      </p:grpSpPr>
+      <p:sp>
+        <p:nvSpPr>
+          <p:cNvPr id="2" name="Title 1">
+            <a:extLst>
+              <a:ext uri="{FF2B5EF4-FFF2-40B4-BE49-F238E27FC236}">
+                <a16:creationId xmlns:a16="http://schemas.microsoft.com/office/drawing/2014/main" id="{FDEA280A-3304-4F10-BC77-66769938CFA2}"/>
+              </a:ext>
+            </a:extLst>
+          </p:cNvPr>
+          <p:cNvSpPr>
+            <a:spLocks noGrp="1"/>
+          </p:cNvSpPr>
+          <p:nvPr>
+            <p:ph type="title"/>
+          </p:nvPr>
+        </p:nvSpPr>
+        <p:spPr/>
+        <p:txBody>
+          <a:bodyPr/>
+          <a:lstStyle/>
+          <a:p>
+            <a:r>
+              <a:rPr lang="en-US" dirty="0" err="1"/>
+              <a:t>Obrazac</a:t>
+            </a:r>
+            <a:endParaRPr lang="en-US" dirty="0"/>
+          </a:p>
+        </p:txBody>
+      </p:sp>
+      <p:pic>
+        <p:nvPicPr>
+          <p:cNvPr id="6" name="Content Placeholder 5" descr="Slika tablice koja je korištena prilikom treniranja.">
+            <a:extLst>
+              <a:ext uri="{FF2B5EF4-FFF2-40B4-BE49-F238E27FC236}">
+                <a16:creationId xmlns:a16="http://schemas.microsoft.com/office/drawing/2014/main" id="{F1D8D24F-6848-4E0B-9739-FB8F6B7B3805}"/>
+              </a:ext>
+            </a:extLst>
+          </p:cNvPr>
+          <p:cNvPicPr>
+            <a:picLocks noGrp="1" noChangeAspect="1"/>
+          </p:cNvPicPr>
+          <p:nvPr>
+            <p:ph idx="1"/>
+          </p:nvPr>
+        </p:nvPicPr>
+        <p:blipFill>
+          <a:blip r:embed="rId2">
+            <a:extLst>
+              <a:ext uri="{28A0092B-C50C-407E-A947-70E740481C1C}">
+                <a14:useLocalDpi xmlns:a14="http://schemas.microsoft.com/office/drawing/2010/main" val="0"/>
+              </a:ext>
+            </a:extLst>
+          </a:blip>
+          <a:stretch>
+            <a:fillRect/>
+          </a:stretch>
+        </p:blipFill>
+        <p:spPr>
+          <a:xfrm>
+            <a:off x="2331910" y="1825625"/>
+            <a:ext cx="6153406" cy="4351338"/>
+          </a:xfrm>
+        </p:spPr>
+      </p:pic>
       <p:sp>
         <p:nvSpPr>
           <p:cNvPr id="5" name="Slide Number Placeholder 4">
@@ -3789,12 +10223,897 @@
           <a:p>
             <a:fld id="{398E2006-4605-47E0-9E9E-568C88B46C2C}" type="slidenum">
               <a:rPr lang="en-US" smtClean="0"/>
-              <a:t>3</a:t>
+              <a:t>4</a:t>
             </a:fld>
-            <a:endParaRPr lang="en-US" dirty="0"/>
-          </a:p>
-        </p:txBody>
-      </p:sp>
+            <a:r>
+              <a:rPr lang="hr-HR" dirty="0"/>
+              <a:t> /24</a:t>
+            </a:r>
+            <a:endParaRPr lang="en-US" dirty="0"/>
+          </a:p>
+        </p:txBody>
+      </p:sp>
+      <p:sp>
+        <p:nvSpPr>
+          <p:cNvPr id="4" name="Content Placeholder 3">
+            <a:extLst>
+              <a:ext uri="{FF2B5EF4-FFF2-40B4-BE49-F238E27FC236}">
+                <a16:creationId xmlns:a16="http://schemas.microsoft.com/office/drawing/2014/main" id="{B561A5E6-9B43-4899-BA95-2CE6CB1A072B}"/>
+              </a:ext>
+            </a:extLst>
+          </p:cNvPr>
+          <p:cNvSpPr>
+            <a:spLocks noGrp="1"/>
+          </p:cNvSpPr>
+          <p:nvPr>
+            <p:ph sz="quarter" idx="16"/>
+          </p:nvPr>
+        </p:nvSpPr>
+        <p:spPr/>
+        <p:txBody>
+          <a:bodyPr/>
+          <a:lstStyle/>
+          <a:p>
+            <a:pPr>
+              <a:spcAft>
+                <a:spcPts val="600"/>
+              </a:spcAft>
+            </a:pPr>
+            <a:r>
+              <a:rPr lang="en-US" sz="1600" b="1" dirty="0" err="1"/>
+              <a:t>Uvod</a:t>
+            </a:r>
+            <a:endParaRPr lang="en-US" b="1" dirty="0"/>
+          </a:p>
+          <a:p>
+            <a:pPr>
+              <a:spcAft>
+                <a:spcPts val="600"/>
+              </a:spcAft>
+            </a:pPr>
+            <a:r>
+              <a:rPr lang="en-US" dirty="0" err="1"/>
+              <a:t>Detekcija</a:t>
+            </a:r>
+            <a:r>
+              <a:rPr lang="en-US" dirty="0"/>
+              <a:t> </a:t>
+            </a:r>
+            <a:r>
+              <a:rPr lang="en-US" dirty="0" err="1"/>
+              <a:t>tablice</a:t>
+            </a:r>
+            <a:endParaRPr lang="en-US" dirty="0"/>
+          </a:p>
+          <a:p>
+            <a:pPr>
+              <a:spcAft>
+                <a:spcPts val="600"/>
+              </a:spcAft>
+            </a:pPr>
+            <a:r>
+              <a:rPr lang="en-US" dirty="0" err="1"/>
+              <a:t>Zna</a:t>
+            </a:r>
+            <a:r>
+              <a:rPr lang="hr-HR" dirty="0" err="1"/>
+              <a:t>čajke</a:t>
+            </a:r>
+            <a:endParaRPr lang="hr-HR" dirty="0"/>
+          </a:p>
+          <a:p>
+            <a:pPr>
+              <a:spcAft>
+                <a:spcPts val="600"/>
+              </a:spcAft>
+            </a:pPr>
+            <a:r>
+              <a:rPr lang="hr-HR" dirty="0"/>
+              <a:t>Klasifikacija</a:t>
+            </a:r>
+          </a:p>
+          <a:p>
+            <a:pPr>
+              <a:spcAft>
+                <a:spcPts val="600"/>
+              </a:spcAft>
+            </a:pPr>
+            <a:r>
+              <a:rPr lang="hr-HR" dirty="0"/>
+              <a:t>Rekonstrukcija tablice</a:t>
+            </a:r>
+          </a:p>
+          <a:p>
+            <a:pPr>
+              <a:spcAft>
+                <a:spcPts val="600"/>
+              </a:spcAft>
+            </a:pPr>
+            <a:r>
+              <a:rPr lang="hr-HR" dirty="0"/>
+              <a:t>Usporedba rezultata</a:t>
+            </a:r>
+          </a:p>
+        </p:txBody>
+      </p:sp>
+    </p:spTree>
+    <p:extLst>
+      <p:ext uri="{BB962C8B-B14F-4D97-AF65-F5344CB8AC3E}">
+        <p14:creationId xmlns:p14="http://schemas.microsoft.com/office/powerpoint/2010/main" val="717183782"/>
+      </p:ext>
+    </p:extLst>
+  </p:cSld>
+  <p:clrMapOvr>
+    <a:masterClrMapping/>
+  </p:clrMapOvr>
+  <p:transition>
+    <p:fade/>
+  </p:transition>
+</p:sld>
+</file>
+
+<file path=ppt/slides/slide5.xml><?xml version="1.0" encoding="utf-8"?>
+<p:sld xmlns:a="http://schemas.openxmlformats.org/drawingml/2006/main" xmlns:r="http://schemas.openxmlformats.org/officeDocument/2006/relationships" xmlns:p="http://schemas.openxmlformats.org/presentationml/2006/main">
+  <p:cSld>
+    <p:spTree>
+      <p:nvGrpSpPr>
+        <p:cNvPr id="1" name=""/>
+        <p:cNvGrpSpPr/>
+        <p:nvPr/>
+      </p:nvGrpSpPr>
+      <p:grpSpPr>
+        <a:xfrm>
+          <a:off x="0" y="0"/>
+          <a:ext cx="0" cy="0"/>
+          <a:chOff x="0" y="0"/>
+          <a:chExt cx="0" cy="0"/>
+        </a:xfrm>
+      </p:grpSpPr>
+      <p:sp>
+        <p:nvSpPr>
+          <p:cNvPr id="2" name="Title 1">
+            <a:extLst>
+              <a:ext uri="{FF2B5EF4-FFF2-40B4-BE49-F238E27FC236}">
+                <a16:creationId xmlns:a16="http://schemas.microsoft.com/office/drawing/2014/main" id="{8212A6F3-5989-4A22-B1AC-5614B4A19D9C}"/>
+              </a:ext>
+            </a:extLst>
+          </p:cNvPr>
+          <p:cNvSpPr>
+            <a:spLocks noGrp="1"/>
+          </p:cNvSpPr>
+          <p:nvPr>
+            <p:ph type="title"/>
+          </p:nvPr>
+        </p:nvSpPr>
+        <p:spPr/>
+        <p:txBody>
+          <a:bodyPr/>
+          <a:lstStyle/>
+          <a:p>
+            <a:r>
+              <a:rPr lang="en-US" dirty="0" err="1"/>
+              <a:t>Detekcija</a:t>
+            </a:r>
+            <a:r>
+              <a:rPr lang="en-US" dirty="0"/>
+              <a:t> </a:t>
+            </a:r>
+            <a:r>
+              <a:rPr lang="en-US" dirty="0" err="1"/>
+              <a:t>tablice</a:t>
+            </a:r>
+            <a:endParaRPr lang="en-US" dirty="0"/>
+          </a:p>
+        </p:txBody>
+      </p:sp>
+      <p:pic>
+        <p:nvPicPr>
+          <p:cNvPr id="14" name="Content Placeholder 13" descr="Mogući vrhovi ćelija tablice">
+            <a:extLst>
+              <a:ext uri="{FF2B5EF4-FFF2-40B4-BE49-F238E27FC236}">
+                <a16:creationId xmlns:a16="http://schemas.microsoft.com/office/drawing/2014/main" id="{E25CBB1E-0474-4895-9C6E-C44CB1A315E5}"/>
+              </a:ext>
+            </a:extLst>
+          </p:cNvPr>
+          <p:cNvPicPr>
+            <a:picLocks noGrp="1" noChangeAspect="1"/>
+          </p:cNvPicPr>
+          <p:nvPr>
+            <p:ph idx="1"/>
+          </p:nvPr>
+        </p:nvPicPr>
+        <p:blipFill>
+          <a:blip r:embed="rId2">
+            <a:extLst>
+              <a:ext uri="{28A0092B-C50C-407E-A947-70E740481C1C}">
+                <a14:useLocalDpi xmlns:a14="http://schemas.microsoft.com/office/drawing/2010/main" val="0"/>
+              </a:ext>
+            </a:extLst>
+          </a:blip>
+          <a:stretch>
+            <a:fillRect/>
+          </a:stretch>
+        </p:blipFill>
+        <p:spPr>
+          <a:xfrm>
+            <a:off x="3232944" y="1825625"/>
+            <a:ext cx="4351338" cy="4351338"/>
+          </a:xfrm>
+        </p:spPr>
+      </p:pic>
+      <p:sp>
+        <p:nvSpPr>
+          <p:cNvPr id="4" name="Slide Number Placeholder 3">
+            <a:extLst>
+              <a:ext uri="{FF2B5EF4-FFF2-40B4-BE49-F238E27FC236}">
+                <a16:creationId xmlns:a16="http://schemas.microsoft.com/office/drawing/2014/main" id="{E41090BC-A11C-4CFF-965F-8CC12FE32702}"/>
+              </a:ext>
+            </a:extLst>
+          </p:cNvPr>
+          <p:cNvSpPr>
+            <a:spLocks noGrp="1"/>
+          </p:cNvSpPr>
+          <p:nvPr>
+            <p:ph type="sldNum" sz="quarter" idx="12"/>
+          </p:nvPr>
+        </p:nvSpPr>
+        <p:spPr/>
+        <p:txBody>
+          <a:bodyPr/>
+          <a:lstStyle/>
+          <a:p>
+            <a:fld id="{866E3E7E-7125-49CF-9242-D036CBAD6528}" type="slidenum">
+              <a:rPr lang="en-US" smtClean="0"/>
+              <a:pPr/>
+              <a:t>5</a:t>
+            </a:fld>
+            <a:r>
+              <a:rPr lang="hr-HR" dirty="0"/>
+              <a:t> /24</a:t>
+            </a:r>
+            <a:endParaRPr lang="en-US" dirty="0"/>
+          </a:p>
+        </p:txBody>
+      </p:sp>
+      <p:sp>
+        <p:nvSpPr>
+          <p:cNvPr id="3" name="Content Placeholder 2">
+            <a:extLst>
+              <a:ext uri="{FF2B5EF4-FFF2-40B4-BE49-F238E27FC236}">
+                <a16:creationId xmlns:a16="http://schemas.microsoft.com/office/drawing/2014/main" id="{EBAEC08F-8785-4196-BBF4-00636EF58FDC}"/>
+              </a:ext>
+            </a:extLst>
+          </p:cNvPr>
+          <p:cNvSpPr>
+            <a:spLocks noGrp="1"/>
+          </p:cNvSpPr>
+          <p:nvPr>
+            <p:ph sz="quarter" idx="16"/>
+          </p:nvPr>
+        </p:nvSpPr>
+        <p:spPr>
+          <a:xfrm>
+            <a:off x="152400" y="1574800"/>
+            <a:ext cx="1498600" cy="3759200"/>
+          </a:xfrm>
+        </p:spPr>
+        <p:txBody>
+          <a:bodyPr/>
+          <a:lstStyle/>
+          <a:p>
+            <a:pPr>
+              <a:spcAft>
+                <a:spcPts val="600"/>
+              </a:spcAft>
+            </a:pPr>
+            <a:r>
+              <a:rPr lang="en-US" dirty="0" err="1"/>
+              <a:t>Uvod</a:t>
+            </a:r>
+            <a:endParaRPr lang="en-US" dirty="0"/>
+          </a:p>
+          <a:p>
+            <a:pPr>
+              <a:spcAft>
+                <a:spcPts val="600"/>
+              </a:spcAft>
+            </a:pPr>
+            <a:r>
+              <a:rPr lang="en-US" b="1" dirty="0" err="1"/>
+              <a:t>Detekcija</a:t>
+            </a:r>
+            <a:r>
+              <a:rPr lang="en-US" b="1" dirty="0"/>
+              <a:t> </a:t>
+            </a:r>
+            <a:r>
+              <a:rPr lang="en-US" b="1" dirty="0" err="1"/>
+              <a:t>tablice</a:t>
+            </a:r>
+            <a:endParaRPr lang="en-US" b="1" dirty="0"/>
+          </a:p>
+          <a:p>
+            <a:pPr>
+              <a:spcAft>
+                <a:spcPts val="600"/>
+              </a:spcAft>
+            </a:pPr>
+            <a:r>
+              <a:rPr lang="en-US" dirty="0" err="1"/>
+              <a:t>Zna</a:t>
+            </a:r>
+            <a:r>
+              <a:rPr lang="hr-HR" dirty="0" err="1"/>
+              <a:t>čajke</a:t>
+            </a:r>
+            <a:endParaRPr lang="hr-HR" dirty="0"/>
+          </a:p>
+          <a:p>
+            <a:pPr>
+              <a:spcAft>
+                <a:spcPts val="600"/>
+              </a:spcAft>
+            </a:pPr>
+            <a:r>
+              <a:rPr lang="hr-HR" dirty="0"/>
+              <a:t>Klasifikacija</a:t>
+            </a:r>
+          </a:p>
+          <a:p>
+            <a:pPr>
+              <a:spcAft>
+                <a:spcPts val="600"/>
+              </a:spcAft>
+            </a:pPr>
+            <a:r>
+              <a:rPr lang="hr-HR" dirty="0"/>
+              <a:t>Rekonstrukcija tablice</a:t>
+            </a:r>
+          </a:p>
+          <a:p>
+            <a:pPr>
+              <a:spcAft>
+                <a:spcPts val="600"/>
+              </a:spcAft>
+            </a:pPr>
+            <a:r>
+              <a:rPr lang="hr-HR" dirty="0"/>
+              <a:t>Usporedba rezultata</a:t>
+            </a:r>
+          </a:p>
+          <a:p>
+            <a:endParaRPr lang="en-US" dirty="0"/>
+          </a:p>
+        </p:txBody>
+      </p:sp>
+    </p:spTree>
+    <p:extLst>
+      <p:ext uri="{BB962C8B-B14F-4D97-AF65-F5344CB8AC3E}">
+        <p14:creationId xmlns:p14="http://schemas.microsoft.com/office/powerpoint/2010/main" val="4005453981"/>
+      </p:ext>
+    </p:extLst>
+  </p:cSld>
+  <p:clrMapOvr>
+    <a:masterClrMapping/>
+  </p:clrMapOvr>
+  <p:transition>
+    <p:fade/>
+  </p:transition>
+</p:sld>
+</file>
+
+<file path=ppt/slides/slide6.xml><?xml version="1.0" encoding="utf-8"?>
+<p:sld xmlns:a="http://schemas.openxmlformats.org/drawingml/2006/main" xmlns:r="http://schemas.openxmlformats.org/officeDocument/2006/relationships" xmlns:p="http://schemas.openxmlformats.org/presentationml/2006/main">
+  <p:cSld>
+    <p:spTree>
+      <p:nvGrpSpPr>
+        <p:cNvPr id="1" name=""/>
+        <p:cNvGrpSpPr/>
+        <p:nvPr/>
+      </p:nvGrpSpPr>
+      <p:grpSpPr>
+        <a:xfrm>
+          <a:off x="0" y="0"/>
+          <a:ext cx="0" cy="0"/>
+          <a:chOff x="0" y="0"/>
+          <a:chExt cx="0" cy="0"/>
+        </a:xfrm>
+      </p:grpSpPr>
+      <p:sp>
+        <p:nvSpPr>
+          <p:cNvPr id="2" name="Title 1">
+            <a:extLst>
+              <a:ext uri="{FF2B5EF4-FFF2-40B4-BE49-F238E27FC236}">
+                <a16:creationId xmlns:a16="http://schemas.microsoft.com/office/drawing/2014/main" id="{FDEA280A-3304-4F10-BC77-66769938CFA2}"/>
+              </a:ext>
+            </a:extLst>
+          </p:cNvPr>
+          <p:cNvSpPr>
+            <a:spLocks noGrp="1"/>
+          </p:cNvSpPr>
+          <p:nvPr>
+            <p:ph type="title"/>
+          </p:nvPr>
+        </p:nvSpPr>
+        <p:spPr/>
+        <p:txBody>
+          <a:bodyPr/>
+          <a:lstStyle/>
+          <a:p>
+            <a:r>
+              <a:rPr lang="en-US" dirty="0" err="1"/>
+              <a:t>Klizni</a:t>
+            </a:r>
+            <a:r>
+              <a:rPr lang="en-US" dirty="0"/>
+              <a:t> </a:t>
+            </a:r>
+            <a:r>
+              <a:rPr lang="en-US" dirty="0" err="1"/>
+              <a:t>prozor</a:t>
+            </a:r>
+            <a:endParaRPr lang="en-US" dirty="0"/>
+          </a:p>
+        </p:txBody>
+      </p:sp>
+      <p:pic>
+        <p:nvPicPr>
+          <p:cNvPr id="6" name="Content Placeholder 5" descr="Slika tablice koja je korištena prilikom treniranja.">
+            <a:extLst>
+              <a:ext uri="{FF2B5EF4-FFF2-40B4-BE49-F238E27FC236}">
+                <a16:creationId xmlns:a16="http://schemas.microsoft.com/office/drawing/2014/main" id="{F1D8D24F-6848-4E0B-9739-FB8F6B7B3805}"/>
+              </a:ext>
+            </a:extLst>
+          </p:cNvPr>
+          <p:cNvPicPr>
+            <a:picLocks noGrp="1" noChangeAspect="1"/>
+          </p:cNvPicPr>
+          <p:nvPr>
+            <p:ph idx="1"/>
+          </p:nvPr>
+        </p:nvPicPr>
+        <p:blipFill>
+          <a:blip r:embed="rId2">
+            <a:extLst>
+              <a:ext uri="{28A0092B-C50C-407E-A947-70E740481C1C}">
+                <a14:useLocalDpi xmlns:a14="http://schemas.microsoft.com/office/drawing/2010/main" val="0"/>
+              </a:ext>
+            </a:extLst>
+          </a:blip>
+          <a:stretch>
+            <a:fillRect/>
+          </a:stretch>
+        </p:blipFill>
+        <p:spPr>
+          <a:xfrm>
+            <a:off x="2331910" y="1825625"/>
+            <a:ext cx="6153406" cy="4351338"/>
+          </a:xfrm>
+        </p:spPr>
+      </p:pic>
+      <p:sp>
+        <p:nvSpPr>
+          <p:cNvPr id="5" name="Slide Number Placeholder 4">
+            <a:extLst>
+              <a:ext uri="{FF2B5EF4-FFF2-40B4-BE49-F238E27FC236}">
+                <a16:creationId xmlns:a16="http://schemas.microsoft.com/office/drawing/2014/main" id="{803B037C-6728-47D7-84B5-F7D58C70D58E}"/>
+              </a:ext>
+            </a:extLst>
+          </p:cNvPr>
+          <p:cNvSpPr>
+            <a:spLocks noGrp="1"/>
+          </p:cNvSpPr>
+          <p:nvPr>
+            <p:ph type="sldNum" sz="quarter" idx="12"/>
+          </p:nvPr>
+        </p:nvSpPr>
+        <p:spPr/>
+        <p:txBody>
+          <a:bodyPr/>
+          <a:lstStyle/>
+          <a:p>
+            <a:fld id="{398E2006-4605-47E0-9E9E-568C88B46C2C}" type="slidenum">
+              <a:rPr lang="en-US" smtClean="0"/>
+              <a:t>6</a:t>
+            </a:fld>
+            <a:r>
+              <a:rPr lang="hr-HR" dirty="0"/>
+              <a:t> /24</a:t>
+            </a:r>
+            <a:endParaRPr lang="en-US" dirty="0"/>
+          </a:p>
+        </p:txBody>
+      </p:sp>
+      <p:sp>
+        <p:nvSpPr>
+          <p:cNvPr id="14" name="Content Placeholder 13">
+            <a:extLst>
+              <a:ext uri="{FF2B5EF4-FFF2-40B4-BE49-F238E27FC236}">
+                <a16:creationId xmlns:a16="http://schemas.microsoft.com/office/drawing/2014/main" id="{6BFB98F1-A795-4067-9185-06684F2662B8}"/>
+              </a:ext>
+            </a:extLst>
+          </p:cNvPr>
+          <p:cNvSpPr>
+            <a:spLocks noGrp="1"/>
+          </p:cNvSpPr>
+          <p:nvPr>
+            <p:ph sz="quarter" idx="16"/>
+          </p:nvPr>
+        </p:nvSpPr>
+        <p:spPr>
+          <a:xfrm>
+            <a:off x="152400" y="1574800"/>
+            <a:ext cx="1447800" cy="3759200"/>
+          </a:xfrm>
+        </p:spPr>
+        <p:txBody>
+          <a:bodyPr/>
+          <a:lstStyle/>
+          <a:p>
+            <a:pPr>
+              <a:spcAft>
+                <a:spcPts val="600"/>
+              </a:spcAft>
+            </a:pPr>
+            <a:r>
+              <a:rPr lang="en-US" dirty="0" err="1"/>
+              <a:t>Uvod</a:t>
+            </a:r>
+            <a:endParaRPr lang="en-US" dirty="0"/>
+          </a:p>
+          <a:p>
+            <a:pPr>
+              <a:spcAft>
+                <a:spcPts val="600"/>
+              </a:spcAft>
+            </a:pPr>
+            <a:r>
+              <a:rPr lang="en-US" b="1" dirty="0" err="1"/>
+              <a:t>Detekcija</a:t>
+            </a:r>
+            <a:r>
+              <a:rPr lang="en-US" b="1" dirty="0"/>
+              <a:t> </a:t>
+            </a:r>
+            <a:r>
+              <a:rPr lang="en-US" b="1" dirty="0" err="1"/>
+              <a:t>tablice</a:t>
+            </a:r>
+            <a:endParaRPr lang="en-US" b="1" dirty="0"/>
+          </a:p>
+          <a:p>
+            <a:pPr>
+              <a:spcAft>
+                <a:spcPts val="600"/>
+              </a:spcAft>
+            </a:pPr>
+            <a:r>
+              <a:rPr lang="en-US" dirty="0" err="1"/>
+              <a:t>Zna</a:t>
+            </a:r>
+            <a:r>
+              <a:rPr lang="hr-HR" dirty="0" err="1"/>
+              <a:t>čajke</a:t>
+            </a:r>
+            <a:endParaRPr lang="hr-HR" dirty="0"/>
+          </a:p>
+          <a:p>
+            <a:pPr>
+              <a:spcAft>
+                <a:spcPts val="600"/>
+              </a:spcAft>
+            </a:pPr>
+            <a:r>
+              <a:rPr lang="hr-HR" dirty="0"/>
+              <a:t>Klasifikacija</a:t>
+            </a:r>
+          </a:p>
+          <a:p>
+            <a:pPr>
+              <a:spcAft>
+                <a:spcPts val="600"/>
+              </a:spcAft>
+            </a:pPr>
+            <a:r>
+              <a:rPr lang="hr-HR" dirty="0"/>
+              <a:t>Rekonstrukcija tablice</a:t>
+            </a:r>
+          </a:p>
+          <a:p>
+            <a:pPr>
+              <a:spcAft>
+                <a:spcPts val="600"/>
+              </a:spcAft>
+            </a:pPr>
+            <a:r>
+              <a:rPr lang="hr-HR" dirty="0"/>
+              <a:t>Usporedba rezultata</a:t>
+            </a:r>
+          </a:p>
+          <a:p>
+            <a:endParaRPr lang="en-US" dirty="0"/>
+          </a:p>
+        </p:txBody>
+      </p:sp>
+      <p:sp>
+        <p:nvSpPr>
+          <p:cNvPr id="3" name="Rectangle 2">
+            <a:extLst>
+              <a:ext uri="{FF2B5EF4-FFF2-40B4-BE49-F238E27FC236}">
+                <a16:creationId xmlns:a16="http://schemas.microsoft.com/office/drawing/2014/main" id="{F2930336-51F1-4904-97E3-3808BF1707CE}"/>
+              </a:ext>
+            </a:extLst>
+          </p:cNvPr>
+          <p:cNvSpPr/>
+          <p:nvPr/>
+        </p:nvSpPr>
+        <p:spPr>
+          <a:xfrm>
+            <a:off x="3604590" y="1948070"/>
+            <a:ext cx="274320" cy="274320"/>
+          </a:xfrm>
+          <a:prstGeom prst="rect">
+            <a:avLst/>
+          </a:prstGeom>
+          <a:noFill/>
+          <a:ln w="19050">
+            <a:solidFill>
+              <a:srgbClr val="FF0000"/>
+            </a:solidFill>
+          </a:ln>
+        </p:spPr>
+        <p:style>
+          <a:lnRef idx="2">
+            <a:schemeClr val="accent1">
+              <a:shade val="50000"/>
+            </a:schemeClr>
+          </a:lnRef>
+          <a:fillRef idx="1">
+            <a:schemeClr val="accent1"/>
+          </a:fillRef>
+          <a:effectRef idx="0">
+            <a:schemeClr val="accent1"/>
+          </a:effectRef>
+          <a:fontRef idx="minor">
+            <a:schemeClr val="lt1"/>
+          </a:fontRef>
+        </p:style>
+        <p:txBody>
+          <a:bodyPr rtlCol="0" anchor="ctr"/>
+          <a:lstStyle/>
+          <a:p>
+            <a:pPr algn="ctr"/>
+            <a:endParaRPr lang="en-US" dirty="0"/>
+          </a:p>
+        </p:txBody>
+      </p:sp>
+      <p:sp>
+        <p:nvSpPr>
+          <p:cNvPr id="7" name="Rectangle 6">
+            <a:extLst>
+              <a:ext uri="{FF2B5EF4-FFF2-40B4-BE49-F238E27FC236}">
+                <a16:creationId xmlns:a16="http://schemas.microsoft.com/office/drawing/2014/main" id="{767525E1-E766-4B10-A548-29137DDF3DBD}"/>
+              </a:ext>
+            </a:extLst>
+          </p:cNvPr>
+          <p:cNvSpPr/>
+          <p:nvPr/>
+        </p:nvSpPr>
+        <p:spPr>
+          <a:xfrm>
+            <a:off x="4472607" y="4744278"/>
+            <a:ext cx="274320" cy="274320"/>
+          </a:xfrm>
+          <a:prstGeom prst="rect">
+            <a:avLst/>
+          </a:prstGeom>
+          <a:noFill/>
+          <a:ln w="19050">
+            <a:solidFill>
+              <a:srgbClr val="FF0000"/>
+            </a:solidFill>
+          </a:ln>
+        </p:spPr>
+        <p:style>
+          <a:lnRef idx="2">
+            <a:schemeClr val="accent1">
+              <a:shade val="50000"/>
+            </a:schemeClr>
+          </a:lnRef>
+          <a:fillRef idx="1">
+            <a:schemeClr val="accent1"/>
+          </a:fillRef>
+          <a:effectRef idx="0">
+            <a:schemeClr val="accent1"/>
+          </a:effectRef>
+          <a:fontRef idx="minor">
+            <a:schemeClr val="lt1"/>
+          </a:fontRef>
+        </p:style>
+        <p:txBody>
+          <a:bodyPr rtlCol="0" anchor="ctr"/>
+          <a:lstStyle/>
+          <a:p>
+            <a:pPr algn="ctr"/>
+            <a:endParaRPr lang="en-US" dirty="0"/>
+          </a:p>
+        </p:txBody>
+      </p:sp>
+      <p:sp>
+        <p:nvSpPr>
+          <p:cNvPr id="8" name="Rectangle 7">
+            <a:extLst>
+              <a:ext uri="{FF2B5EF4-FFF2-40B4-BE49-F238E27FC236}">
+                <a16:creationId xmlns:a16="http://schemas.microsoft.com/office/drawing/2014/main" id="{5913D545-9271-49A1-A12E-7040330385E5}"/>
+              </a:ext>
+            </a:extLst>
+          </p:cNvPr>
+          <p:cNvSpPr/>
+          <p:nvPr/>
+        </p:nvSpPr>
+        <p:spPr>
+          <a:xfrm>
+            <a:off x="6344477" y="2988361"/>
+            <a:ext cx="274320" cy="274320"/>
+          </a:xfrm>
+          <a:prstGeom prst="rect">
+            <a:avLst/>
+          </a:prstGeom>
+          <a:noFill/>
+          <a:ln w="19050">
+            <a:solidFill>
+              <a:srgbClr val="FF0000"/>
+            </a:solidFill>
+          </a:ln>
+        </p:spPr>
+        <p:style>
+          <a:lnRef idx="2">
+            <a:schemeClr val="accent1">
+              <a:shade val="50000"/>
+            </a:schemeClr>
+          </a:lnRef>
+          <a:fillRef idx="1">
+            <a:schemeClr val="accent1"/>
+          </a:fillRef>
+          <a:effectRef idx="0">
+            <a:schemeClr val="accent1"/>
+          </a:effectRef>
+          <a:fontRef idx="minor">
+            <a:schemeClr val="lt1"/>
+          </a:fontRef>
+        </p:style>
+        <p:txBody>
+          <a:bodyPr rtlCol="0" anchor="ctr"/>
+          <a:lstStyle/>
+          <a:p>
+            <a:pPr algn="ctr"/>
+            <a:endParaRPr lang="en-US" dirty="0"/>
+          </a:p>
+        </p:txBody>
+      </p:sp>
+      <p:pic>
+        <p:nvPicPr>
+          <p:cNvPr id="9" name="Picture 8">
+            <a:extLst>
+              <a:ext uri="{FF2B5EF4-FFF2-40B4-BE49-F238E27FC236}">
+                <a16:creationId xmlns:a16="http://schemas.microsoft.com/office/drawing/2014/main" id="{18ECD3F6-BE6F-41CA-8FDE-385648014E13}"/>
+              </a:ext>
+            </a:extLst>
+          </p:cNvPr>
+          <p:cNvPicPr>
+            <a:picLocks noChangeAspect="1"/>
+          </p:cNvPicPr>
+          <p:nvPr/>
+        </p:nvPicPr>
+        <p:blipFill>
+          <a:blip r:embed="rId3">
+            <a:extLst>
+              <a:ext uri="{28A0092B-C50C-407E-A947-70E740481C1C}">
+                <a14:useLocalDpi xmlns:a14="http://schemas.microsoft.com/office/drawing/2010/main" val="0"/>
+              </a:ext>
+            </a:extLst>
+          </a:blip>
+          <a:stretch>
+            <a:fillRect/>
+          </a:stretch>
+        </p:blipFill>
+        <p:spPr>
+          <a:xfrm>
+            <a:off x="7056303" y="4740542"/>
+            <a:ext cx="1428949" cy="1428949"/>
+          </a:xfrm>
+          <a:prstGeom prst="rect">
+            <a:avLst/>
+          </a:prstGeom>
+          <a:ln w="28575">
+            <a:solidFill>
+              <a:schemeClr val="tx1"/>
+            </a:solidFill>
+          </a:ln>
+        </p:spPr>
+      </p:pic>
+      <p:pic>
+        <p:nvPicPr>
+          <p:cNvPr id="11" name="Picture 10">
+            <a:extLst>
+              <a:ext uri="{FF2B5EF4-FFF2-40B4-BE49-F238E27FC236}">
+                <a16:creationId xmlns:a16="http://schemas.microsoft.com/office/drawing/2014/main" id="{E5CD8AA4-94D9-4068-94A2-80607FC57877}"/>
+              </a:ext>
+            </a:extLst>
+          </p:cNvPr>
+          <p:cNvPicPr>
+            <a:picLocks noChangeAspect="1"/>
+          </p:cNvPicPr>
+          <p:nvPr/>
+        </p:nvPicPr>
+        <p:blipFill>
+          <a:blip r:embed="rId4">
+            <a:extLst>
+              <a:ext uri="{28A0092B-C50C-407E-A947-70E740481C1C}">
+                <a14:useLocalDpi xmlns:a14="http://schemas.microsoft.com/office/drawing/2010/main" val="0"/>
+              </a:ext>
+            </a:extLst>
+          </a:blip>
+          <a:stretch>
+            <a:fillRect/>
+          </a:stretch>
+        </p:blipFill>
+        <p:spPr>
+          <a:xfrm>
+            <a:off x="7056304" y="4744278"/>
+            <a:ext cx="1428949" cy="1428949"/>
+          </a:xfrm>
+          <a:prstGeom prst="rect">
+            <a:avLst/>
+          </a:prstGeom>
+          <a:ln w="28575">
+            <a:solidFill>
+              <a:schemeClr val="tx1"/>
+            </a:solidFill>
+          </a:ln>
+        </p:spPr>
+      </p:pic>
+      <p:pic>
+        <p:nvPicPr>
+          <p:cNvPr id="13" name="Picture 12">
+            <a:extLst>
+              <a:ext uri="{FF2B5EF4-FFF2-40B4-BE49-F238E27FC236}">
+                <a16:creationId xmlns:a16="http://schemas.microsoft.com/office/drawing/2014/main" id="{1B4C3EA2-8B83-4399-AD9D-E0F1F8AFEF33}"/>
+              </a:ext>
+            </a:extLst>
+          </p:cNvPr>
+          <p:cNvPicPr>
+            <a:picLocks noChangeAspect="1"/>
+          </p:cNvPicPr>
+          <p:nvPr/>
+        </p:nvPicPr>
+        <p:blipFill>
+          <a:blip r:embed="rId5">
+            <a:extLst>
+              <a:ext uri="{28A0092B-C50C-407E-A947-70E740481C1C}">
+                <a14:useLocalDpi xmlns:a14="http://schemas.microsoft.com/office/drawing/2010/main" val="0"/>
+              </a:ext>
+            </a:extLst>
+          </a:blip>
+          <a:stretch>
+            <a:fillRect/>
+          </a:stretch>
+        </p:blipFill>
+        <p:spPr>
+          <a:xfrm>
+            <a:off x="7056305" y="4744278"/>
+            <a:ext cx="1428949" cy="1428949"/>
+          </a:xfrm>
+          <a:prstGeom prst="rect">
+            <a:avLst/>
+          </a:prstGeom>
+          <a:ln w="28575">
+            <a:solidFill>
+              <a:schemeClr val="tx1"/>
+            </a:solidFill>
+          </a:ln>
+        </p:spPr>
+      </p:pic>
     </p:spTree>
     <p:extLst>
       <p:ext uri="{BB962C8B-B14F-4D97-AF65-F5344CB8AC3E}">
@@ -3805,6 +11124,1278 @@
   <p:clrMapOvr>
     <a:masterClrMapping/>
   </p:clrMapOvr>
+  <p:transition>
+    <p:fade/>
+  </p:transition>
+  <p:timing>
+    <p:tnLst>
+      <p:par>
+        <p:cTn id="1" dur="indefinite" restart="never" nodeType="tmRoot">
+          <p:childTnLst>
+            <p:seq concurrent="1" nextAc="seek">
+              <p:cTn id="2" dur="indefinite" nodeType="mainSeq">
+                <p:childTnLst>
+                  <p:par>
+                    <p:cTn id="3" fill="hold">
+                      <p:stCondLst>
+                        <p:cond delay="indefinite"/>
+                        <p:cond evt="onBegin" delay="0">
+                          <p:tn val="2"/>
+                        </p:cond>
+                      </p:stCondLst>
+                      <p:childTnLst>
+                        <p:par>
+                          <p:cTn id="4" fill="hold">
+                            <p:stCondLst>
+                              <p:cond delay="0"/>
+                            </p:stCondLst>
+                            <p:childTnLst>
+                              <p:par>
+                                <p:cTn id="5" presetID="10" presetClass="entr" presetSubtype="0" fill="hold" nodeType="withEffect">
+                                  <p:stCondLst>
+                                    <p:cond delay="0"/>
+                                  </p:stCondLst>
+                                  <p:childTnLst>
+                                    <p:set>
+                                      <p:cBhvr>
+                                        <p:cTn id="6" dur="1" fill="hold">
+                                          <p:stCondLst>
+                                            <p:cond delay="0"/>
+                                          </p:stCondLst>
+                                        </p:cTn>
+                                        <p:tgtEl>
+                                          <p:spTgt spid="9"/>
+                                        </p:tgtEl>
+                                        <p:attrNameLst>
+                                          <p:attrName>style.visibility</p:attrName>
+                                        </p:attrNameLst>
+                                      </p:cBhvr>
+                                      <p:to>
+                                        <p:strVal val="visible"/>
+                                      </p:to>
+                                    </p:set>
+                                    <p:animEffect transition="in" filter="fade">
+                                      <p:cBhvr>
+                                        <p:cTn id="7" dur="500"/>
+                                        <p:tgtEl>
+                                          <p:spTgt spid="9"/>
+                                        </p:tgtEl>
+                                      </p:cBhvr>
+                                    </p:animEffect>
+                                  </p:childTnLst>
+                                </p:cTn>
+                              </p:par>
+                              <p:par>
+                                <p:cTn id="8" presetID="10" presetClass="entr" presetSubtype="0" fill="hold" grpId="0" nodeType="withEffect">
+                                  <p:stCondLst>
+                                    <p:cond delay="0"/>
+                                  </p:stCondLst>
+                                  <p:childTnLst>
+                                    <p:set>
+                                      <p:cBhvr>
+                                        <p:cTn id="9" dur="1" fill="hold">
+                                          <p:stCondLst>
+                                            <p:cond delay="0"/>
+                                          </p:stCondLst>
+                                        </p:cTn>
+                                        <p:tgtEl>
+                                          <p:spTgt spid="3"/>
+                                        </p:tgtEl>
+                                        <p:attrNameLst>
+                                          <p:attrName>style.visibility</p:attrName>
+                                        </p:attrNameLst>
+                                      </p:cBhvr>
+                                      <p:to>
+                                        <p:strVal val="visible"/>
+                                      </p:to>
+                                    </p:set>
+                                    <p:animEffect transition="in" filter="fade">
+                                      <p:cBhvr>
+                                        <p:cTn id="10" dur="500"/>
+                                        <p:tgtEl>
+                                          <p:spTgt spid="3"/>
+                                        </p:tgtEl>
+                                      </p:cBhvr>
+                                    </p:animEffect>
+                                  </p:childTnLst>
+                                </p:cTn>
+                              </p:par>
+                            </p:childTnLst>
+                          </p:cTn>
+                        </p:par>
+                      </p:childTnLst>
+                    </p:cTn>
+                  </p:par>
+                  <p:par>
+                    <p:cTn id="11" fill="hold">
+                      <p:stCondLst>
+                        <p:cond delay="indefinite"/>
+                      </p:stCondLst>
+                      <p:childTnLst>
+                        <p:par>
+                          <p:cTn id="12" fill="hold">
+                            <p:stCondLst>
+                              <p:cond delay="0"/>
+                            </p:stCondLst>
+                            <p:childTnLst>
+                              <p:par>
+                                <p:cTn id="13" presetID="10" presetClass="exit" presetSubtype="0" fill="hold" nodeType="clickEffect">
+                                  <p:stCondLst>
+                                    <p:cond delay="0"/>
+                                  </p:stCondLst>
+                                  <p:childTnLst>
+                                    <p:animEffect transition="out" filter="fade">
+                                      <p:cBhvr>
+                                        <p:cTn id="14" dur="500"/>
+                                        <p:tgtEl>
+                                          <p:spTgt spid="9"/>
+                                        </p:tgtEl>
+                                      </p:cBhvr>
+                                    </p:animEffect>
+                                    <p:set>
+                                      <p:cBhvr>
+                                        <p:cTn id="15" dur="1" fill="hold">
+                                          <p:stCondLst>
+                                            <p:cond delay="499"/>
+                                          </p:stCondLst>
+                                        </p:cTn>
+                                        <p:tgtEl>
+                                          <p:spTgt spid="9"/>
+                                        </p:tgtEl>
+                                        <p:attrNameLst>
+                                          <p:attrName>style.visibility</p:attrName>
+                                        </p:attrNameLst>
+                                      </p:cBhvr>
+                                      <p:to>
+                                        <p:strVal val="hidden"/>
+                                      </p:to>
+                                    </p:set>
+                                  </p:childTnLst>
+                                </p:cTn>
+                              </p:par>
+                              <p:par>
+                                <p:cTn id="16" presetID="10" presetClass="exit" presetSubtype="0" fill="hold" grpId="1" nodeType="withEffect">
+                                  <p:stCondLst>
+                                    <p:cond delay="0"/>
+                                  </p:stCondLst>
+                                  <p:childTnLst>
+                                    <p:animEffect transition="out" filter="fade">
+                                      <p:cBhvr>
+                                        <p:cTn id="17" dur="500"/>
+                                        <p:tgtEl>
+                                          <p:spTgt spid="3"/>
+                                        </p:tgtEl>
+                                      </p:cBhvr>
+                                    </p:animEffect>
+                                    <p:set>
+                                      <p:cBhvr>
+                                        <p:cTn id="18" dur="1" fill="hold">
+                                          <p:stCondLst>
+                                            <p:cond delay="499"/>
+                                          </p:stCondLst>
+                                        </p:cTn>
+                                        <p:tgtEl>
+                                          <p:spTgt spid="3"/>
+                                        </p:tgtEl>
+                                        <p:attrNameLst>
+                                          <p:attrName>style.visibility</p:attrName>
+                                        </p:attrNameLst>
+                                      </p:cBhvr>
+                                      <p:to>
+                                        <p:strVal val="hidden"/>
+                                      </p:to>
+                                    </p:set>
+                                  </p:childTnLst>
+                                </p:cTn>
+                              </p:par>
+                              <p:par>
+                                <p:cTn id="19" presetID="10" presetClass="entr" presetSubtype="0" fill="hold" grpId="0" nodeType="withEffect">
+                                  <p:stCondLst>
+                                    <p:cond delay="0"/>
+                                  </p:stCondLst>
+                                  <p:childTnLst>
+                                    <p:set>
+                                      <p:cBhvr>
+                                        <p:cTn id="20" dur="1" fill="hold">
+                                          <p:stCondLst>
+                                            <p:cond delay="0"/>
+                                          </p:stCondLst>
+                                        </p:cTn>
+                                        <p:tgtEl>
+                                          <p:spTgt spid="7"/>
+                                        </p:tgtEl>
+                                        <p:attrNameLst>
+                                          <p:attrName>style.visibility</p:attrName>
+                                        </p:attrNameLst>
+                                      </p:cBhvr>
+                                      <p:to>
+                                        <p:strVal val="visible"/>
+                                      </p:to>
+                                    </p:set>
+                                    <p:animEffect transition="in" filter="fade">
+                                      <p:cBhvr>
+                                        <p:cTn id="21" dur="500"/>
+                                        <p:tgtEl>
+                                          <p:spTgt spid="7"/>
+                                        </p:tgtEl>
+                                      </p:cBhvr>
+                                    </p:animEffect>
+                                  </p:childTnLst>
+                                </p:cTn>
+                              </p:par>
+                              <p:par>
+                                <p:cTn id="22" presetID="10" presetClass="entr" presetSubtype="0" fill="hold" nodeType="withEffect">
+                                  <p:stCondLst>
+                                    <p:cond delay="0"/>
+                                  </p:stCondLst>
+                                  <p:childTnLst>
+                                    <p:set>
+                                      <p:cBhvr>
+                                        <p:cTn id="23" dur="1" fill="hold">
+                                          <p:stCondLst>
+                                            <p:cond delay="0"/>
+                                          </p:stCondLst>
+                                        </p:cTn>
+                                        <p:tgtEl>
+                                          <p:spTgt spid="11"/>
+                                        </p:tgtEl>
+                                        <p:attrNameLst>
+                                          <p:attrName>style.visibility</p:attrName>
+                                        </p:attrNameLst>
+                                      </p:cBhvr>
+                                      <p:to>
+                                        <p:strVal val="visible"/>
+                                      </p:to>
+                                    </p:set>
+                                    <p:animEffect transition="in" filter="fade">
+                                      <p:cBhvr>
+                                        <p:cTn id="24" dur="500"/>
+                                        <p:tgtEl>
+                                          <p:spTgt spid="11"/>
+                                        </p:tgtEl>
+                                      </p:cBhvr>
+                                    </p:animEffect>
+                                  </p:childTnLst>
+                                </p:cTn>
+                              </p:par>
+                            </p:childTnLst>
+                          </p:cTn>
+                        </p:par>
+                      </p:childTnLst>
+                    </p:cTn>
+                  </p:par>
+                  <p:par>
+                    <p:cTn id="25" fill="hold">
+                      <p:stCondLst>
+                        <p:cond delay="indefinite"/>
+                      </p:stCondLst>
+                      <p:childTnLst>
+                        <p:par>
+                          <p:cTn id="26" fill="hold">
+                            <p:stCondLst>
+                              <p:cond delay="0"/>
+                            </p:stCondLst>
+                            <p:childTnLst>
+                              <p:par>
+                                <p:cTn id="27" presetID="10" presetClass="exit" presetSubtype="0" fill="hold" grpId="1" nodeType="clickEffect">
+                                  <p:stCondLst>
+                                    <p:cond delay="0"/>
+                                  </p:stCondLst>
+                                  <p:childTnLst>
+                                    <p:animEffect transition="out" filter="fade">
+                                      <p:cBhvr>
+                                        <p:cTn id="28" dur="500"/>
+                                        <p:tgtEl>
+                                          <p:spTgt spid="7"/>
+                                        </p:tgtEl>
+                                      </p:cBhvr>
+                                    </p:animEffect>
+                                    <p:set>
+                                      <p:cBhvr>
+                                        <p:cTn id="29" dur="1" fill="hold">
+                                          <p:stCondLst>
+                                            <p:cond delay="499"/>
+                                          </p:stCondLst>
+                                        </p:cTn>
+                                        <p:tgtEl>
+                                          <p:spTgt spid="7"/>
+                                        </p:tgtEl>
+                                        <p:attrNameLst>
+                                          <p:attrName>style.visibility</p:attrName>
+                                        </p:attrNameLst>
+                                      </p:cBhvr>
+                                      <p:to>
+                                        <p:strVal val="hidden"/>
+                                      </p:to>
+                                    </p:set>
+                                  </p:childTnLst>
+                                </p:cTn>
+                              </p:par>
+                              <p:par>
+                                <p:cTn id="30" presetID="10" presetClass="exit" presetSubtype="0" fill="hold" nodeType="withEffect">
+                                  <p:stCondLst>
+                                    <p:cond delay="0"/>
+                                  </p:stCondLst>
+                                  <p:childTnLst>
+                                    <p:animEffect transition="out" filter="fade">
+                                      <p:cBhvr>
+                                        <p:cTn id="31" dur="500"/>
+                                        <p:tgtEl>
+                                          <p:spTgt spid="11"/>
+                                        </p:tgtEl>
+                                      </p:cBhvr>
+                                    </p:animEffect>
+                                    <p:set>
+                                      <p:cBhvr>
+                                        <p:cTn id="32" dur="1" fill="hold">
+                                          <p:stCondLst>
+                                            <p:cond delay="499"/>
+                                          </p:stCondLst>
+                                        </p:cTn>
+                                        <p:tgtEl>
+                                          <p:spTgt spid="11"/>
+                                        </p:tgtEl>
+                                        <p:attrNameLst>
+                                          <p:attrName>style.visibility</p:attrName>
+                                        </p:attrNameLst>
+                                      </p:cBhvr>
+                                      <p:to>
+                                        <p:strVal val="hidden"/>
+                                      </p:to>
+                                    </p:set>
+                                  </p:childTnLst>
+                                </p:cTn>
+                              </p:par>
+                              <p:par>
+                                <p:cTn id="33" presetID="10" presetClass="entr" presetSubtype="0" fill="hold" grpId="0" nodeType="withEffect">
+                                  <p:stCondLst>
+                                    <p:cond delay="0"/>
+                                  </p:stCondLst>
+                                  <p:childTnLst>
+                                    <p:set>
+                                      <p:cBhvr>
+                                        <p:cTn id="34" dur="1" fill="hold">
+                                          <p:stCondLst>
+                                            <p:cond delay="0"/>
+                                          </p:stCondLst>
+                                        </p:cTn>
+                                        <p:tgtEl>
+                                          <p:spTgt spid="8"/>
+                                        </p:tgtEl>
+                                        <p:attrNameLst>
+                                          <p:attrName>style.visibility</p:attrName>
+                                        </p:attrNameLst>
+                                      </p:cBhvr>
+                                      <p:to>
+                                        <p:strVal val="visible"/>
+                                      </p:to>
+                                    </p:set>
+                                    <p:animEffect transition="in" filter="fade">
+                                      <p:cBhvr>
+                                        <p:cTn id="35" dur="500"/>
+                                        <p:tgtEl>
+                                          <p:spTgt spid="8"/>
+                                        </p:tgtEl>
+                                      </p:cBhvr>
+                                    </p:animEffect>
+                                  </p:childTnLst>
+                                </p:cTn>
+                              </p:par>
+                              <p:par>
+                                <p:cTn id="36" presetID="10" presetClass="entr" presetSubtype="0" fill="hold" nodeType="withEffect">
+                                  <p:stCondLst>
+                                    <p:cond delay="0"/>
+                                  </p:stCondLst>
+                                  <p:childTnLst>
+                                    <p:set>
+                                      <p:cBhvr>
+                                        <p:cTn id="37" dur="1" fill="hold">
+                                          <p:stCondLst>
+                                            <p:cond delay="0"/>
+                                          </p:stCondLst>
+                                        </p:cTn>
+                                        <p:tgtEl>
+                                          <p:spTgt spid="13"/>
+                                        </p:tgtEl>
+                                        <p:attrNameLst>
+                                          <p:attrName>style.visibility</p:attrName>
+                                        </p:attrNameLst>
+                                      </p:cBhvr>
+                                      <p:to>
+                                        <p:strVal val="visible"/>
+                                      </p:to>
+                                    </p:set>
+                                    <p:animEffect transition="in" filter="fade">
+                                      <p:cBhvr>
+                                        <p:cTn id="38" dur="500"/>
+                                        <p:tgtEl>
+                                          <p:spTgt spid="13"/>
+                                        </p:tgtEl>
+                                      </p:cBhvr>
+                                    </p:animEffect>
+                                  </p:childTnLst>
+                                </p:cTn>
+                              </p:par>
+                            </p:childTnLst>
+                          </p:cTn>
+                        </p:par>
+                      </p:childTnLst>
+                    </p:cTn>
+                  </p:par>
+                </p:childTnLst>
+              </p:cTn>
+              <p:prevCondLst>
+                <p:cond evt="onPrev" delay="0">
+                  <p:tgtEl>
+                    <p:sldTgt/>
+                  </p:tgtEl>
+                </p:cond>
+              </p:prevCondLst>
+              <p:nextCondLst>
+                <p:cond evt="onNext" delay="0">
+                  <p:tgtEl>
+                    <p:sldTgt/>
+                  </p:tgtEl>
+                </p:cond>
+              </p:nextCondLst>
+            </p:seq>
+          </p:childTnLst>
+        </p:cTn>
+      </p:par>
+    </p:tnLst>
+    <p:bldLst>
+      <p:bldP spid="3" grpId="0" animBg="1"/>
+      <p:bldP spid="3" grpId="1" animBg="1"/>
+      <p:bldP spid="7" grpId="0" animBg="1"/>
+      <p:bldP spid="7" grpId="1" animBg="1"/>
+      <p:bldP spid="8" grpId="0" animBg="1"/>
+    </p:bldLst>
+  </p:timing>
+</p:sld>
+</file>
+
+<file path=ppt/slides/slide7.xml><?xml version="1.0" encoding="utf-8"?>
+<p:sld xmlns:a="http://schemas.openxmlformats.org/drawingml/2006/main" xmlns:r="http://schemas.openxmlformats.org/officeDocument/2006/relationships" xmlns:p="http://schemas.openxmlformats.org/presentationml/2006/main">
+  <p:cSld>
+    <p:spTree>
+      <p:nvGrpSpPr>
+        <p:cNvPr id="1" name=""/>
+        <p:cNvGrpSpPr/>
+        <p:nvPr/>
+      </p:nvGrpSpPr>
+      <p:grpSpPr>
+        <a:xfrm>
+          <a:off x="0" y="0"/>
+          <a:ext cx="0" cy="0"/>
+          <a:chOff x="0" y="0"/>
+          <a:chExt cx="0" cy="0"/>
+        </a:xfrm>
+      </p:grpSpPr>
+      <p:sp>
+        <p:nvSpPr>
+          <p:cNvPr id="2" name="Title 1">
+            <a:extLst>
+              <a:ext uri="{FF2B5EF4-FFF2-40B4-BE49-F238E27FC236}">
+                <a16:creationId xmlns:a16="http://schemas.microsoft.com/office/drawing/2014/main" id="{DB0F8823-BBC1-4462-8354-5D15EB8A8A51}"/>
+              </a:ext>
+            </a:extLst>
+          </p:cNvPr>
+          <p:cNvSpPr>
+            <a:spLocks noGrp="1"/>
+          </p:cNvSpPr>
+          <p:nvPr>
+            <p:ph type="title"/>
+          </p:nvPr>
+        </p:nvSpPr>
+        <p:spPr/>
+        <p:txBody>
+          <a:bodyPr/>
+          <a:lstStyle/>
+          <a:p>
+            <a:r>
+              <a:rPr lang="hr-HR" dirty="0"/>
+              <a:t>Značajke</a:t>
+            </a:r>
+            <a:endParaRPr lang="en-US" dirty="0"/>
+          </a:p>
+        </p:txBody>
+      </p:sp>
+      <p:pic>
+        <p:nvPicPr>
+          <p:cNvPr id="8" name="Content Placeholder 7">
+            <a:extLst>
+              <a:ext uri="{FF2B5EF4-FFF2-40B4-BE49-F238E27FC236}">
+                <a16:creationId xmlns:a16="http://schemas.microsoft.com/office/drawing/2014/main" id="{8CE61256-749D-4CA9-8222-D783CFE0A946}"/>
+              </a:ext>
+            </a:extLst>
+          </p:cNvPr>
+          <p:cNvPicPr>
+            <a:picLocks noGrp="1" noChangeAspect="1"/>
+          </p:cNvPicPr>
+          <p:nvPr>
+            <p:ph sz="half" idx="1"/>
+          </p:nvPr>
+        </p:nvPicPr>
+        <p:blipFill>
+          <a:blip r:embed="rId2">
+            <a:extLst>
+              <a:ext uri="{28A0092B-C50C-407E-A947-70E740481C1C}">
+                <a14:useLocalDpi xmlns:a14="http://schemas.microsoft.com/office/drawing/2010/main" val="0"/>
+              </a:ext>
+            </a:extLst>
+          </a:blip>
+          <a:stretch>
+            <a:fillRect/>
+          </a:stretch>
+        </p:blipFill>
+        <p:spPr>
+          <a:xfrm>
+            <a:off x="2784475" y="3144044"/>
+            <a:ext cx="1714500" cy="1714500"/>
+          </a:xfrm>
+        </p:spPr>
+      </p:pic>
+      <p:pic>
+        <p:nvPicPr>
+          <p:cNvPr id="10" name="Content Placeholder 9" descr="A close up of a logo&#10;&#10;Description generated with high confidence">
+            <a:extLst>
+              <a:ext uri="{FF2B5EF4-FFF2-40B4-BE49-F238E27FC236}">
+                <a16:creationId xmlns:a16="http://schemas.microsoft.com/office/drawing/2014/main" id="{35CE28EC-2011-42EF-8E46-A466D3BDD471}"/>
+              </a:ext>
+            </a:extLst>
+          </p:cNvPr>
+          <p:cNvPicPr>
+            <a:picLocks noGrp="1" noChangeAspect="1"/>
+          </p:cNvPicPr>
+          <p:nvPr>
+            <p:ph sz="half" idx="2"/>
+          </p:nvPr>
+        </p:nvPicPr>
+        <p:blipFill>
+          <a:blip r:embed="rId3">
+            <a:extLst>
+              <a:ext uri="{28A0092B-C50C-407E-A947-70E740481C1C}">
+                <a14:useLocalDpi xmlns:a14="http://schemas.microsoft.com/office/drawing/2010/main" val="0"/>
+              </a:ext>
+            </a:extLst>
+          </a:blip>
+          <a:stretch>
+            <a:fillRect/>
+          </a:stretch>
+        </p:blipFill>
+        <p:spPr>
+          <a:xfrm>
+            <a:off x="6317456" y="3144044"/>
+            <a:ext cx="1714500" cy="1714500"/>
+          </a:xfrm>
+        </p:spPr>
+      </p:pic>
+      <p:sp>
+        <p:nvSpPr>
+          <p:cNvPr id="4" name="Slide Number Placeholder 3">
+            <a:extLst>
+              <a:ext uri="{FF2B5EF4-FFF2-40B4-BE49-F238E27FC236}">
+                <a16:creationId xmlns:a16="http://schemas.microsoft.com/office/drawing/2014/main" id="{77865586-8327-418C-8846-5D2AFAA7565F}"/>
+              </a:ext>
+            </a:extLst>
+          </p:cNvPr>
+          <p:cNvSpPr>
+            <a:spLocks noGrp="1"/>
+          </p:cNvSpPr>
+          <p:nvPr>
+            <p:ph type="sldNum" sz="quarter" idx="12"/>
+          </p:nvPr>
+        </p:nvSpPr>
+        <p:spPr/>
+        <p:txBody>
+          <a:bodyPr/>
+          <a:lstStyle/>
+          <a:p>
+            <a:fld id="{866E3E7E-7125-49CF-9242-D036CBAD6528}" type="slidenum">
+              <a:rPr lang="en-US" sz="1600" smtClean="0"/>
+              <a:pPr/>
+              <a:t>7</a:t>
+            </a:fld>
+            <a:r>
+              <a:rPr lang="hr-HR" sz="1600" dirty="0"/>
+              <a:t> /24</a:t>
+            </a:r>
+            <a:endParaRPr lang="en-US" sz="1600" dirty="0"/>
+          </a:p>
+        </p:txBody>
+      </p:sp>
+      <p:sp>
+        <p:nvSpPr>
+          <p:cNvPr id="3" name="Content Placeholder 2">
+            <a:extLst>
+              <a:ext uri="{FF2B5EF4-FFF2-40B4-BE49-F238E27FC236}">
+                <a16:creationId xmlns:a16="http://schemas.microsoft.com/office/drawing/2014/main" id="{F6FC13A4-C144-4F2C-9030-DD6C6B502271}"/>
+              </a:ext>
+            </a:extLst>
+          </p:cNvPr>
+          <p:cNvSpPr>
+            <a:spLocks noGrp="1"/>
+          </p:cNvSpPr>
+          <p:nvPr>
+            <p:ph sz="quarter" idx="16"/>
+          </p:nvPr>
+        </p:nvSpPr>
+        <p:spPr/>
+        <p:txBody>
+          <a:bodyPr/>
+          <a:lstStyle/>
+          <a:p>
+            <a:pPr>
+              <a:spcAft>
+                <a:spcPts val="600"/>
+              </a:spcAft>
+            </a:pPr>
+            <a:r>
+              <a:rPr lang="en-US" dirty="0" err="1"/>
+              <a:t>Uvod</a:t>
+            </a:r>
+            <a:endParaRPr lang="en-US" dirty="0"/>
+          </a:p>
+          <a:p>
+            <a:pPr>
+              <a:spcAft>
+                <a:spcPts val="600"/>
+              </a:spcAft>
+            </a:pPr>
+            <a:r>
+              <a:rPr lang="en-US" dirty="0" err="1"/>
+              <a:t>Detekcija</a:t>
+            </a:r>
+            <a:r>
+              <a:rPr lang="en-US" dirty="0"/>
+              <a:t> </a:t>
+            </a:r>
+            <a:r>
+              <a:rPr lang="en-US" dirty="0" err="1"/>
+              <a:t>tablice</a:t>
+            </a:r>
+            <a:endParaRPr lang="en-US" dirty="0"/>
+          </a:p>
+          <a:p>
+            <a:pPr>
+              <a:spcAft>
+                <a:spcPts val="600"/>
+              </a:spcAft>
+            </a:pPr>
+            <a:r>
+              <a:rPr lang="en-US" sz="1600" b="1" dirty="0" err="1"/>
+              <a:t>Zna</a:t>
+            </a:r>
+            <a:r>
+              <a:rPr lang="hr-HR" sz="1600" b="1" dirty="0" err="1"/>
+              <a:t>čajke</a:t>
+            </a:r>
+            <a:endParaRPr lang="hr-HR" sz="1600" b="1" dirty="0"/>
+          </a:p>
+          <a:p>
+            <a:pPr>
+              <a:spcAft>
+                <a:spcPts val="600"/>
+              </a:spcAft>
+            </a:pPr>
+            <a:r>
+              <a:rPr lang="hr-HR" dirty="0"/>
+              <a:t>Klasifikacija</a:t>
+            </a:r>
+          </a:p>
+          <a:p>
+            <a:pPr>
+              <a:spcAft>
+                <a:spcPts val="600"/>
+              </a:spcAft>
+            </a:pPr>
+            <a:r>
+              <a:rPr lang="hr-HR" dirty="0"/>
+              <a:t>Rekonstrukcija tablice</a:t>
+            </a:r>
+          </a:p>
+          <a:p>
+            <a:pPr>
+              <a:spcAft>
+                <a:spcPts val="600"/>
+              </a:spcAft>
+            </a:pPr>
+            <a:r>
+              <a:rPr lang="hr-HR" dirty="0"/>
+              <a:t>Usporedba rezultata</a:t>
+            </a:r>
+          </a:p>
+          <a:p>
+            <a:endParaRPr lang="en-US" dirty="0"/>
+          </a:p>
+          <a:p>
+            <a:endParaRPr lang="en-US" dirty="0"/>
+          </a:p>
+        </p:txBody>
+      </p:sp>
+    </p:spTree>
+    <p:extLst>
+      <p:ext uri="{BB962C8B-B14F-4D97-AF65-F5344CB8AC3E}">
+        <p14:creationId xmlns:p14="http://schemas.microsoft.com/office/powerpoint/2010/main" val="4081177998"/>
+      </p:ext>
+    </p:extLst>
+  </p:cSld>
+  <p:clrMapOvr>
+    <a:masterClrMapping/>
+  </p:clrMapOvr>
+  <p:transition>
+    <p:fade/>
+  </p:transition>
+</p:sld>
+</file>
+
+<file path=ppt/slides/slide8.xml><?xml version="1.0" encoding="utf-8"?>
+<p:sld xmlns:a="http://schemas.openxmlformats.org/drawingml/2006/main" xmlns:r="http://schemas.openxmlformats.org/officeDocument/2006/relationships" xmlns:p="http://schemas.openxmlformats.org/presentationml/2006/main">
+  <p:cSld>
+    <p:spTree>
+      <p:nvGrpSpPr>
+        <p:cNvPr id="1" name=""/>
+        <p:cNvGrpSpPr/>
+        <p:nvPr/>
+      </p:nvGrpSpPr>
+      <p:grpSpPr>
+        <a:xfrm>
+          <a:off x="0" y="0"/>
+          <a:ext cx="0" cy="0"/>
+          <a:chOff x="0" y="0"/>
+          <a:chExt cx="0" cy="0"/>
+        </a:xfrm>
+      </p:grpSpPr>
+      <p:sp>
+        <p:nvSpPr>
+          <p:cNvPr id="2" name="Title 1">
+            <a:extLst>
+              <a:ext uri="{FF2B5EF4-FFF2-40B4-BE49-F238E27FC236}">
+                <a16:creationId xmlns:a16="http://schemas.microsoft.com/office/drawing/2014/main" id="{DB0F8823-BBC1-4462-8354-5D15EB8A8A51}"/>
+              </a:ext>
+            </a:extLst>
+          </p:cNvPr>
+          <p:cNvSpPr>
+            <a:spLocks noGrp="1"/>
+          </p:cNvSpPr>
+          <p:nvPr>
+            <p:ph type="title"/>
+          </p:nvPr>
+        </p:nvSpPr>
+        <p:spPr/>
+        <p:txBody>
+          <a:bodyPr/>
+          <a:lstStyle/>
+          <a:p>
+            <a:r>
+              <a:rPr lang="hr-HR" dirty="0"/>
+              <a:t>Značajke</a:t>
+            </a:r>
+            <a:endParaRPr lang="en-US" dirty="0"/>
+          </a:p>
+        </p:txBody>
+      </p:sp>
+      <p:pic>
+        <p:nvPicPr>
+          <p:cNvPr id="6" name="Content Placeholder 5" descr="A picture containing building&#10;&#10;Description generated with very high confidence">
+            <a:extLst>
+              <a:ext uri="{FF2B5EF4-FFF2-40B4-BE49-F238E27FC236}">
+                <a16:creationId xmlns:a16="http://schemas.microsoft.com/office/drawing/2014/main" id="{7DC99B40-6FF6-4886-BDB5-44D96C5DF6E9}"/>
+              </a:ext>
+            </a:extLst>
+          </p:cNvPr>
+          <p:cNvPicPr>
+            <a:picLocks noGrp="1" noChangeAspect="1"/>
+          </p:cNvPicPr>
+          <p:nvPr>
+            <p:ph sz="half" idx="1"/>
+          </p:nvPr>
+        </p:nvPicPr>
+        <p:blipFill>
+          <a:blip r:embed="rId2">
+            <a:extLst>
+              <a:ext uri="{28A0092B-C50C-407E-A947-70E740481C1C}">
+                <a14:useLocalDpi xmlns:a14="http://schemas.microsoft.com/office/drawing/2010/main" val="0"/>
+              </a:ext>
+            </a:extLst>
+          </a:blip>
+          <a:stretch>
+            <a:fillRect/>
+          </a:stretch>
+        </p:blipFill>
+        <p:spPr>
+          <a:xfrm>
+            <a:off x="2784475" y="3144044"/>
+            <a:ext cx="1714500" cy="1714500"/>
+          </a:xfrm>
+        </p:spPr>
+      </p:pic>
+      <p:pic>
+        <p:nvPicPr>
+          <p:cNvPr id="9" name="Content Placeholder 8" descr="A picture containing text&#10;&#10;Description generated with high confidence">
+            <a:extLst>
+              <a:ext uri="{FF2B5EF4-FFF2-40B4-BE49-F238E27FC236}">
+                <a16:creationId xmlns:a16="http://schemas.microsoft.com/office/drawing/2014/main" id="{B5BA40DE-D751-42EB-9273-8DAF7984DA16}"/>
+              </a:ext>
+            </a:extLst>
+          </p:cNvPr>
+          <p:cNvPicPr>
+            <a:picLocks noGrp="1" noChangeAspect="1"/>
+          </p:cNvPicPr>
+          <p:nvPr>
+            <p:ph sz="half" idx="2"/>
+          </p:nvPr>
+        </p:nvPicPr>
+        <p:blipFill>
+          <a:blip r:embed="rId3">
+            <a:extLst>
+              <a:ext uri="{28A0092B-C50C-407E-A947-70E740481C1C}">
+                <a14:useLocalDpi xmlns:a14="http://schemas.microsoft.com/office/drawing/2010/main" val="0"/>
+              </a:ext>
+            </a:extLst>
+          </a:blip>
+          <a:stretch>
+            <a:fillRect/>
+          </a:stretch>
+        </p:blipFill>
+        <p:spPr>
+          <a:xfrm>
+            <a:off x="6317456" y="3144044"/>
+            <a:ext cx="1714500" cy="1714500"/>
+          </a:xfrm>
+        </p:spPr>
+      </p:pic>
+      <p:sp>
+        <p:nvSpPr>
+          <p:cNvPr id="4" name="Slide Number Placeholder 3">
+            <a:extLst>
+              <a:ext uri="{FF2B5EF4-FFF2-40B4-BE49-F238E27FC236}">
+                <a16:creationId xmlns:a16="http://schemas.microsoft.com/office/drawing/2014/main" id="{77865586-8327-418C-8846-5D2AFAA7565F}"/>
+              </a:ext>
+            </a:extLst>
+          </p:cNvPr>
+          <p:cNvSpPr>
+            <a:spLocks noGrp="1"/>
+          </p:cNvSpPr>
+          <p:nvPr>
+            <p:ph type="sldNum" sz="quarter" idx="12"/>
+          </p:nvPr>
+        </p:nvSpPr>
+        <p:spPr/>
+        <p:txBody>
+          <a:bodyPr/>
+          <a:lstStyle/>
+          <a:p>
+            <a:fld id="{866E3E7E-7125-49CF-9242-D036CBAD6528}" type="slidenum">
+              <a:rPr lang="en-US" sz="1600" smtClean="0"/>
+              <a:pPr/>
+              <a:t>8</a:t>
+            </a:fld>
+            <a:r>
+              <a:rPr lang="hr-HR" sz="1600" dirty="0"/>
+              <a:t> /24</a:t>
+            </a:r>
+            <a:endParaRPr lang="en-US" sz="1600" dirty="0"/>
+          </a:p>
+        </p:txBody>
+      </p:sp>
+      <p:sp>
+        <p:nvSpPr>
+          <p:cNvPr id="3" name="Content Placeholder 2">
+            <a:extLst>
+              <a:ext uri="{FF2B5EF4-FFF2-40B4-BE49-F238E27FC236}">
+                <a16:creationId xmlns:a16="http://schemas.microsoft.com/office/drawing/2014/main" id="{C2B69A98-928C-40C6-ABAF-0A277D35840F}"/>
+              </a:ext>
+            </a:extLst>
+          </p:cNvPr>
+          <p:cNvSpPr>
+            <a:spLocks noGrp="1"/>
+          </p:cNvSpPr>
+          <p:nvPr>
+            <p:ph sz="quarter" idx="16"/>
+          </p:nvPr>
+        </p:nvSpPr>
+        <p:spPr/>
+        <p:txBody>
+          <a:bodyPr/>
+          <a:lstStyle/>
+          <a:p>
+            <a:pPr>
+              <a:spcAft>
+                <a:spcPts val="600"/>
+              </a:spcAft>
+            </a:pPr>
+            <a:r>
+              <a:rPr lang="en-US" dirty="0" err="1"/>
+              <a:t>Uvod</a:t>
+            </a:r>
+            <a:endParaRPr lang="en-US" dirty="0"/>
+          </a:p>
+          <a:p>
+            <a:pPr>
+              <a:spcAft>
+                <a:spcPts val="600"/>
+              </a:spcAft>
+            </a:pPr>
+            <a:r>
+              <a:rPr lang="en-US" dirty="0" err="1"/>
+              <a:t>Detekcija</a:t>
+            </a:r>
+            <a:r>
+              <a:rPr lang="en-US" dirty="0"/>
+              <a:t> </a:t>
+            </a:r>
+            <a:r>
+              <a:rPr lang="en-US" dirty="0" err="1"/>
+              <a:t>tablice</a:t>
+            </a:r>
+            <a:endParaRPr lang="en-US" dirty="0"/>
+          </a:p>
+          <a:p>
+            <a:pPr>
+              <a:spcAft>
+                <a:spcPts val="600"/>
+              </a:spcAft>
+            </a:pPr>
+            <a:r>
+              <a:rPr lang="en-US" sz="1600" b="1" dirty="0" err="1"/>
+              <a:t>Zna</a:t>
+            </a:r>
+            <a:r>
+              <a:rPr lang="hr-HR" sz="1600" b="1" dirty="0" err="1"/>
+              <a:t>čajke</a:t>
+            </a:r>
+            <a:endParaRPr lang="hr-HR" sz="1600" b="1" dirty="0"/>
+          </a:p>
+          <a:p>
+            <a:pPr>
+              <a:spcAft>
+                <a:spcPts val="600"/>
+              </a:spcAft>
+            </a:pPr>
+            <a:r>
+              <a:rPr lang="hr-HR" dirty="0"/>
+              <a:t>Klasifikacija</a:t>
+            </a:r>
+          </a:p>
+          <a:p>
+            <a:pPr>
+              <a:spcAft>
+                <a:spcPts val="600"/>
+              </a:spcAft>
+            </a:pPr>
+            <a:r>
+              <a:rPr lang="hr-HR" dirty="0"/>
+              <a:t>Rekonstrukcija tablice</a:t>
+            </a:r>
+          </a:p>
+          <a:p>
+            <a:pPr>
+              <a:spcAft>
+                <a:spcPts val="600"/>
+              </a:spcAft>
+            </a:pPr>
+            <a:r>
+              <a:rPr lang="hr-HR" dirty="0"/>
+              <a:t>Usporedba rezultata</a:t>
+            </a:r>
+          </a:p>
+          <a:p>
+            <a:endParaRPr lang="en-US" dirty="0"/>
+          </a:p>
+          <a:p>
+            <a:endParaRPr lang="en-US" dirty="0"/>
+          </a:p>
+        </p:txBody>
+      </p:sp>
+    </p:spTree>
+    <p:extLst>
+      <p:ext uri="{BB962C8B-B14F-4D97-AF65-F5344CB8AC3E}">
+        <p14:creationId xmlns:p14="http://schemas.microsoft.com/office/powerpoint/2010/main" val="2242506981"/>
+      </p:ext>
+    </p:extLst>
+  </p:cSld>
+  <p:clrMapOvr>
+    <a:masterClrMapping/>
+  </p:clrMapOvr>
+  <p:transition>
+    <p:fade/>
+  </p:transition>
+</p:sld>
+</file>
+
+<file path=ppt/slides/slide9.xml><?xml version="1.0" encoding="utf-8"?>
+<p:sld xmlns:a="http://schemas.openxmlformats.org/drawingml/2006/main" xmlns:r="http://schemas.openxmlformats.org/officeDocument/2006/relationships" xmlns:p="http://schemas.openxmlformats.org/presentationml/2006/main">
+  <p:cSld>
+    <p:spTree>
+      <p:nvGrpSpPr>
+        <p:cNvPr id="1" name=""/>
+        <p:cNvGrpSpPr/>
+        <p:nvPr/>
+      </p:nvGrpSpPr>
+      <p:grpSpPr>
+        <a:xfrm>
+          <a:off x="0" y="0"/>
+          <a:ext cx="0" cy="0"/>
+          <a:chOff x="0" y="0"/>
+          <a:chExt cx="0" cy="0"/>
+        </a:xfrm>
+      </p:grpSpPr>
+      <p:sp>
+        <p:nvSpPr>
+          <p:cNvPr id="2" name="Title 1">
+            <a:extLst>
+              <a:ext uri="{FF2B5EF4-FFF2-40B4-BE49-F238E27FC236}">
+                <a16:creationId xmlns:a16="http://schemas.microsoft.com/office/drawing/2014/main" id="{DB0F8823-BBC1-4462-8354-5D15EB8A8A51}"/>
+              </a:ext>
+            </a:extLst>
+          </p:cNvPr>
+          <p:cNvSpPr>
+            <a:spLocks noGrp="1"/>
+          </p:cNvSpPr>
+          <p:nvPr>
+            <p:ph type="title"/>
+          </p:nvPr>
+        </p:nvSpPr>
+        <p:spPr/>
+        <p:txBody>
+          <a:bodyPr/>
+          <a:lstStyle/>
+          <a:p>
+            <a:r>
+              <a:rPr lang="hr-HR" dirty="0"/>
+              <a:t>Značajke</a:t>
+            </a:r>
+            <a:endParaRPr lang="en-US" dirty="0"/>
+          </a:p>
+        </p:txBody>
+      </p:sp>
+      <p:pic>
+        <p:nvPicPr>
+          <p:cNvPr id="11" name="Content Placeholder 10">
+            <a:extLst>
+              <a:ext uri="{FF2B5EF4-FFF2-40B4-BE49-F238E27FC236}">
+                <a16:creationId xmlns:a16="http://schemas.microsoft.com/office/drawing/2014/main" id="{AB26CAC9-5D3B-4F2D-8975-E57D5F165A51}"/>
+              </a:ext>
+            </a:extLst>
+          </p:cNvPr>
+          <p:cNvPicPr>
+            <a:picLocks noGrp="1" noChangeAspect="1"/>
+          </p:cNvPicPr>
+          <p:nvPr>
+            <p:ph sz="half" idx="1"/>
+          </p:nvPr>
+        </p:nvPicPr>
+        <p:blipFill>
+          <a:blip r:embed="rId2">
+            <a:extLst>
+              <a:ext uri="{28A0092B-C50C-407E-A947-70E740481C1C}">
+                <a14:useLocalDpi xmlns:a14="http://schemas.microsoft.com/office/drawing/2010/main" val="0"/>
+              </a:ext>
+            </a:extLst>
+          </a:blip>
+          <a:stretch>
+            <a:fillRect/>
+          </a:stretch>
+        </p:blipFill>
+        <p:spPr>
+          <a:xfrm>
+            <a:off x="2784475" y="3144044"/>
+            <a:ext cx="1714500" cy="1714500"/>
+          </a:xfrm>
+        </p:spPr>
+      </p:pic>
+      <p:pic>
+        <p:nvPicPr>
+          <p:cNvPr id="13" name="Content Placeholder 12" descr="A drawing of a face&#10;&#10;Description generated with low confidence">
+            <a:extLst>
+              <a:ext uri="{FF2B5EF4-FFF2-40B4-BE49-F238E27FC236}">
+                <a16:creationId xmlns:a16="http://schemas.microsoft.com/office/drawing/2014/main" id="{B1E2627B-2326-4537-9337-4F42EF0E1163}"/>
+              </a:ext>
+            </a:extLst>
+          </p:cNvPr>
+          <p:cNvPicPr>
+            <a:picLocks noGrp="1" noChangeAspect="1"/>
+          </p:cNvPicPr>
+          <p:nvPr>
+            <p:ph sz="half" idx="2"/>
+          </p:nvPr>
+        </p:nvPicPr>
+        <p:blipFill>
+          <a:blip r:embed="rId3">
+            <a:extLst>
+              <a:ext uri="{28A0092B-C50C-407E-A947-70E740481C1C}">
+                <a14:useLocalDpi xmlns:a14="http://schemas.microsoft.com/office/drawing/2010/main" val="0"/>
+              </a:ext>
+            </a:extLst>
+          </a:blip>
+          <a:stretch>
+            <a:fillRect/>
+          </a:stretch>
+        </p:blipFill>
+        <p:spPr>
+          <a:xfrm>
+            <a:off x="6317456" y="3144044"/>
+            <a:ext cx="1714500" cy="1714500"/>
+          </a:xfrm>
+        </p:spPr>
+      </p:pic>
+      <p:sp>
+        <p:nvSpPr>
+          <p:cNvPr id="4" name="Slide Number Placeholder 3">
+            <a:extLst>
+              <a:ext uri="{FF2B5EF4-FFF2-40B4-BE49-F238E27FC236}">
+                <a16:creationId xmlns:a16="http://schemas.microsoft.com/office/drawing/2014/main" id="{77865586-8327-418C-8846-5D2AFAA7565F}"/>
+              </a:ext>
+            </a:extLst>
+          </p:cNvPr>
+          <p:cNvSpPr>
+            <a:spLocks noGrp="1"/>
+          </p:cNvSpPr>
+          <p:nvPr>
+            <p:ph type="sldNum" sz="quarter" idx="12"/>
+          </p:nvPr>
+        </p:nvSpPr>
+        <p:spPr/>
+        <p:txBody>
+          <a:bodyPr/>
+          <a:lstStyle/>
+          <a:p>
+            <a:fld id="{866E3E7E-7125-49CF-9242-D036CBAD6528}" type="slidenum">
+              <a:rPr lang="en-US" sz="1600" smtClean="0"/>
+              <a:pPr/>
+              <a:t>9</a:t>
+            </a:fld>
+            <a:r>
+              <a:rPr lang="hr-HR" sz="1600" dirty="0"/>
+              <a:t> /24</a:t>
+            </a:r>
+            <a:endParaRPr lang="en-US" sz="1600" dirty="0"/>
+          </a:p>
+        </p:txBody>
+      </p:sp>
+      <p:sp>
+        <p:nvSpPr>
+          <p:cNvPr id="3" name="Content Placeholder 2">
+            <a:extLst>
+              <a:ext uri="{FF2B5EF4-FFF2-40B4-BE49-F238E27FC236}">
+                <a16:creationId xmlns:a16="http://schemas.microsoft.com/office/drawing/2014/main" id="{0A51D79A-E24C-46E0-ACAD-B6AF4F7978E1}"/>
+              </a:ext>
+            </a:extLst>
+          </p:cNvPr>
+          <p:cNvSpPr>
+            <a:spLocks noGrp="1"/>
+          </p:cNvSpPr>
+          <p:nvPr>
+            <p:ph sz="quarter" idx="16"/>
+          </p:nvPr>
+        </p:nvSpPr>
+        <p:spPr/>
+        <p:txBody>
+          <a:bodyPr/>
+          <a:lstStyle/>
+          <a:p>
+            <a:pPr>
+              <a:spcAft>
+                <a:spcPts val="600"/>
+              </a:spcAft>
+            </a:pPr>
+            <a:r>
+              <a:rPr lang="en-US" dirty="0" err="1"/>
+              <a:t>Uvod</a:t>
+            </a:r>
+            <a:endParaRPr lang="en-US" dirty="0"/>
+          </a:p>
+          <a:p>
+            <a:pPr>
+              <a:spcAft>
+                <a:spcPts val="600"/>
+              </a:spcAft>
+            </a:pPr>
+            <a:r>
+              <a:rPr lang="en-US" dirty="0" err="1"/>
+              <a:t>Detekcija</a:t>
+            </a:r>
+            <a:r>
+              <a:rPr lang="en-US" dirty="0"/>
+              <a:t> </a:t>
+            </a:r>
+            <a:r>
+              <a:rPr lang="en-US" dirty="0" err="1"/>
+              <a:t>tablice</a:t>
+            </a:r>
+            <a:endParaRPr lang="en-US" dirty="0"/>
+          </a:p>
+          <a:p>
+            <a:pPr>
+              <a:spcAft>
+                <a:spcPts val="600"/>
+              </a:spcAft>
+            </a:pPr>
+            <a:r>
+              <a:rPr lang="en-US" sz="1600" b="1" dirty="0" err="1"/>
+              <a:t>Zna</a:t>
+            </a:r>
+            <a:r>
+              <a:rPr lang="hr-HR" sz="1600" b="1" dirty="0" err="1"/>
+              <a:t>čajke</a:t>
+            </a:r>
+            <a:endParaRPr lang="hr-HR" sz="1600" b="1" dirty="0"/>
+          </a:p>
+          <a:p>
+            <a:pPr>
+              <a:spcAft>
+                <a:spcPts val="600"/>
+              </a:spcAft>
+            </a:pPr>
+            <a:r>
+              <a:rPr lang="hr-HR" dirty="0"/>
+              <a:t>Klasifikacija</a:t>
+            </a:r>
+          </a:p>
+          <a:p>
+            <a:pPr>
+              <a:spcAft>
+                <a:spcPts val="600"/>
+              </a:spcAft>
+            </a:pPr>
+            <a:r>
+              <a:rPr lang="hr-HR" dirty="0"/>
+              <a:t>Rekonstrukcija tablice</a:t>
+            </a:r>
+          </a:p>
+          <a:p>
+            <a:pPr>
+              <a:spcAft>
+                <a:spcPts val="600"/>
+              </a:spcAft>
+            </a:pPr>
+            <a:r>
+              <a:rPr lang="hr-HR" dirty="0"/>
+              <a:t>Usporedba rezultata</a:t>
+            </a:r>
+          </a:p>
+          <a:p>
+            <a:endParaRPr lang="en-US" dirty="0"/>
+          </a:p>
+          <a:p>
+            <a:endParaRPr lang="en-US" dirty="0"/>
+          </a:p>
+        </p:txBody>
+      </p:sp>
+    </p:spTree>
+    <p:extLst>
+      <p:ext uri="{BB962C8B-B14F-4D97-AF65-F5344CB8AC3E}">
+        <p14:creationId xmlns:p14="http://schemas.microsoft.com/office/powerpoint/2010/main" val="3589263298"/>
+      </p:ext>
+    </p:extLst>
+  </p:cSld>
+  <p:clrMapOvr>
+    <a:masterClrMapping/>
+  </p:clrMapOvr>
+  <p:transition>
+    <p:fade/>
+  </p:transition>
 </p:sld>
 </file>
 
